--- a/Presentation/Sujatha.pptx
+++ b/Presentation/Sujatha.pptx
@@ -8,6 +8,7 @@
     <p:sldId id="256" r:id="rId2"/>
     <p:sldId id="257" r:id="rId3"/>
     <p:sldId id="258" r:id="rId4"/>
+    <p:sldId id="259" r:id="rId5"/>
   </p:sldIdLst>
   <p:sldSz cx="12192000" cy="6858000"/>
   <p:notesSz cx="6858000" cy="9144000"/>
@@ -106,6 +107,11 @@
       </a:defRPr>
     </a:lvl9pPr>
   </p:defaultTextStyle>
+  <p:extLst>
+    <p:ext uri="{EFAFB233-063F-42B5-8137-9DF3F51BA10A}">
+      <p15:sldGuideLst xmlns:p15="http://schemas.microsoft.com/office/powerpoint/2012/main"/>
+    </p:ext>
+  </p:extLst>
 </p:presentation>
 </file>
 
@@ -256,7 +262,7 @@
           <a:p>
             <a:fld id="{E4F5F9B4-EA4D-4D18-B9F1-994D21645920}" type="datetimeFigureOut">
               <a:rPr lang="en-US" smtClean="0"/>
-              <a:t>8/25/2023</a:t>
+              <a:t>8/27/2023</a:t>
             </a:fld>
             <a:endParaRPr lang="en-US"/>
           </a:p>
@@ -454,7 +460,7 @@
           <a:p>
             <a:fld id="{E4F5F9B4-EA4D-4D18-B9F1-994D21645920}" type="datetimeFigureOut">
               <a:rPr lang="en-US" smtClean="0"/>
-              <a:t>8/25/2023</a:t>
+              <a:t>8/27/2023</a:t>
             </a:fld>
             <a:endParaRPr lang="en-US"/>
           </a:p>
@@ -662,7 +668,7 @@
           <a:p>
             <a:fld id="{E4F5F9B4-EA4D-4D18-B9F1-994D21645920}" type="datetimeFigureOut">
               <a:rPr lang="en-US" smtClean="0"/>
-              <a:t>8/25/2023</a:t>
+              <a:t>8/27/2023</a:t>
             </a:fld>
             <a:endParaRPr lang="en-US"/>
           </a:p>
@@ -860,7 +866,7 @@
           <a:p>
             <a:fld id="{E4F5F9B4-EA4D-4D18-B9F1-994D21645920}" type="datetimeFigureOut">
               <a:rPr lang="en-US" smtClean="0"/>
-              <a:t>8/25/2023</a:t>
+              <a:t>8/27/2023</a:t>
             </a:fld>
             <a:endParaRPr lang="en-US"/>
           </a:p>
@@ -1135,7 +1141,7 @@
           <a:p>
             <a:fld id="{E4F5F9B4-EA4D-4D18-B9F1-994D21645920}" type="datetimeFigureOut">
               <a:rPr lang="en-US" smtClean="0"/>
-              <a:t>8/25/2023</a:t>
+              <a:t>8/27/2023</a:t>
             </a:fld>
             <a:endParaRPr lang="en-US"/>
           </a:p>
@@ -1400,7 +1406,7 @@
           <a:p>
             <a:fld id="{E4F5F9B4-EA4D-4D18-B9F1-994D21645920}" type="datetimeFigureOut">
               <a:rPr lang="en-US" smtClean="0"/>
-              <a:t>8/25/2023</a:t>
+              <a:t>8/27/2023</a:t>
             </a:fld>
             <a:endParaRPr lang="en-US"/>
           </a:p>
@@ -1812,7 +1818,7 @@
           <a:p>
             <a:fld id="{E4F5F9B4-EA4D-4D18-B9F1-994D21645920}" type="datetimeFigureOut">
               <a:rPr lang="en-US" smtClean="0"/>
-              <a:t>8/25/2023</a:t>
+              <a:t>8/27/2023</a:t>
             </a:fld>
             <a:endParaRPr lang="en-US"/>
           </a:p>
@@ -1953,7 +1959,7 @@
           <a:p>
             <a:fld id="{E4F5F9B4-EA4D-4D18-B9F1-994D21645920}" type="datetimeFigureOut">
               <a:rPr lang="en-US" smtClean="0"/>
-              <a:t>8/25/2023</a:t>
+              <a:t>8/27/2023</a:t>
             </a:fld>
             <a:endParaRPr lang="en-US"/>
           </a:p>
@@ -2066,7 +2072,7 @@
           <a:p>
             <a:fld id="{E4F5F9B4-EA4D-4D18-B9F1-994D21645920}" type="datetimeFigureOut">
               <a:rPr lang="en-US" smtClean="0"/>
-              <a:t>8/25/2023</a:t>
+              <a:t>8/27/2023</a:t>
             </a:fld>
             <a:endParaRPr lang="en-US"/>
           </a:p>
@@ -2377,7 +2383,7 @@
           <a:p>
             <a:fld id="{E4F5F9B4-EA4D-4D18-B9F1-994D21645920}" type="datetimeFigureOut">
               <a:rPr lang="en-US" smtClean="0"/>
-              <a:t>8/25/2023</a:t>
+              <a:t>8/27/2023</a:t>
             </a:fld>
             <a:endParaRPr lang="en-US"/>
           </a:p>
@@ -2665,7 +2671,7 @@
           <a:p>
             <a:fld id="{E4F5F9B4-EA4D-4D18-B9F1-994D21645920}" type="datetimeFigureOut">
               <a:rPr lang="en-US" smtClean="0"/>
-              <a:t>8/25/2023</a:t>
+              <a:t>8/27/2023</a:t>
             </a:fld>
             <a:endParaRPr lang="en-US"/>
           </a:p>
@@ -2906,7 +2912,7 @@
           <a:p>
             <a:fld id="{E4F5F9B4-EA4D-4D18-B9F1-994D21645920}" type="datetimeFigureOut">
               <a:rPr lang="en-US" smtClean="0"/>
-              <a:t>8/25/2023</a:t>
+              <a:t>8/27/2023</a:t>
             </a:fld>
             <a:endParaRPr lang="en-US"/>
           </a:p>
@@ -3631,6 +3637,199 @@
 </p:sld>
 </file>
 
+<file path=ppt/slides/slide4.xml><?xml version="1.0" encoding="utf-8"?>
+<p:sld xmlns:a="http://schemas.openxmlformats.org/drawingml/2006/main" xmlns:r="http://schemas.openxmlformats.org/officeDocument/2006/relationships" xmlns:p="http://schemas.openxmlformats.org/presentationml/2006/main">
+  <p:cSld>
+    <p:spTree>
+      <p:nvGrpSpPr>
+        <p:cNvPr id="1" name=""/>
+        <p:cNvGrpSpPr/>
+        <p:nvPr/>
+      </p:nvGrpSpPr>
+      <p:grpSpPr>
+        <a:xfrm>
+          <a:off x="0" y="0"/>
+          <a:ext cx="0" cy="0"/>
+          <a:chOff x="0" y="0"/>
+          <a:chExt cx="0" cy="0"/>
+        </a:xfrm>
+      </p:grpSpPr>
+      <p:sp>
+        <p:nvSpPr>
+          <p:cNvPr id="2" name="Title 1">
+            <a:extLst>
+              <a:ext uri="{FF2B5EF4-FFF2-40B4-BE49-F238E27FC236}">
+                <a16:creationId xmlns:a16="http://schemas.microsoft.com/office/drawing/2014/main" id="{7668B4BD-1BA0-8D1B-81E3-F3FD5C48E507}"/>
+              </a:ext>
+            </a:extLst>
+          </p:cNvPr>
+          <p:cNvSpPr>
+            <a:spLocks noGrp="1"/>
+          </p:cNvSpPr>
+          <p:nvPr>
+            <p:ph type="title"/>
+          </p:nvPr>
+        </p:nvSpPr>
+        <p:spPr>
+          <a:xfrm>
+            <a:off x="280147" y="203761"/>
+            <a:ext cx="10515600" cy="612213"/>
+          </a:xfrm>
+        </p:spPr>
+        <p:txBody>
+          <a:bodyPr>
+            <a:normAutofit fontScale="90000"/>
+          </a:bodyPr>
+          <a:lstStyle/>
+          <a:p>
+            <a:r>
+              <a:rPr lang="en-US" dirty="0"/>
+              <a:t>Evaluation of incident types over time</a:t>
+            </a:r>
+          </a:p>
+        </p:txBody>
+      </p:sp>
+      <p:pic>
+        <p:nvPicPr>
+          <p:cNvPr id="5" name="Content Placeholder 4" descr="A graph of different colored lines">
+            <a:extLst>
+              <a:ext uri="{FF2B5EF4-FFF2-40B4-BE49-F238E27FC236}">
+                <a16:creationId xmlns:a16="http://schemas.microsoft.com/office/drawing/2014/main" id="{F627CA73-CDD1-3050-3411-2DB675A04AD2}"/>
+              </a:ext>
+            </a:extLst>
+          </p:cNvPr>
+          <p:cNvPicPr>
+            <a:picLocks noGrp="1" noChangeAspect="1"/>
+          </p:cNvPicPr>
+          <p:nvPr>
+            <p:ph idx="1"/>
+          </p:nvPr>
+        </p:nvPicPr>
+        <p:blipFill>
+          <a:blip r:embed="rId2">
+            <a:extLst>
+              <a:ext uri="{28A0092B-C50C-407E-A947-70E740481C1C}">
+                <a14:useLocalDpi xmlns:a14="http://schemas.microsoft.com/office/drawing/2010/main" val="0"/>
+              </a:ext>
+            </a:extLst>
+          </a:blip>
+          <a:stretch>
+            <a:fillRect/>
+          </a:stretch>
+        </p:blipFill>
+        <p:spPr>
+          <a:xfrm>
+            <a:off x="0" y="815974"/>
+            <a:ext cx="8735636" cy="5705596"/>
+          </a:xfrm>
+        </p:spPr>
+      </p:pic>
+      <p:sp>
+        <p:nvSpPr>
+          <p:cNvPr id="6" name="TextBox 5">
+            <a:extLst>
+              <a:ext uri="{FF2B5EF4-FFF2-40B4-BE49-F238E27FC236}">
+                <a16:creationId xmlns:a16="http://schemas.microsoft.com/office/drawing/2014/main" id="{6AC738FE-A4AC-C439-ACD5-857D57399017}"/>
+              </a:ext>
+            </a:extLst>
+          </p:cNvPr>
+          <p:cNvSpPr txBox="1"/>
+          <p:nvPr/>
+        </p:nvSpPr>
+        <p:spPr>
+          <a:xfrm>
+            <a:off x="8937171" y="887186"/>
+            <a:ext cx="2973033" cy="5216813"/>
+          </a:xfrm>
+          <a:prstGeom prst="rect">
+            <a:avLst/>
+          </a:prstGeom>
+          <a:noFill/>
+        </p:spPr>
+        <p:txBody>
+          <a:bodyPr wrap="square" rtlCol="0">
+            <a:spAutoFit/>
+          </a:bodyPr>
+          <a:lstStyle/>
+          <a:p>
+            <a:br>
+              <a:rPr lang="en-US" sz="1450" dirty="0"/>
+            </a:br>
+            <a:r>
+              <a:rPr lang="en-US" sz="1450" dirty="0"/>
+              <a:t>1.</a:t>
+            </a:r>
+            <a:r>
+              <a:rPr lang="en-US" sz="1450" b="0" i="0" dirty="0">
+                <a:effectLst/>
+                <a:latin typeface="Söhne"/>
+              </a:rPr>
+              <a:t>It's interesting to see that the main reason for reported issues is related to problems on the road, like </a:t>
+            </a:r>
+            <a:r>
+              <a:rPr lang="en-US" sz="1450" b="0" i="0" dirty="0">
+                <a:solidFill>
+                  <a:srgbClr val="252525"/>
+                </a:solidFill>
+                <a:effectLst/>
+                <a:latin typeface="Georgia" panose="02040502050405020303" pitchFamily="18" charset="0"/>
+              </a:rPr>
+              <a:t>pedestrians, stalled vehicles, debris in the roadway, and / or inoperative traffic signals.</a:t>
+            </a:r>
+          </a:p>
+          <a:p>
+            <a:endParaRPr lang="en-US" sz="1450" b="0" i="0" dirty="0">
+              <a:effectLst/>
+              <a:latin typeface="Söhne"/>
+            </a:endParaRPr>
+          </a:p>
+          <a:p>
+            <a:r>
+              <a:rPr lang="en-US" sz="1450" b="0" i="0" dirty="0">
+                <a:effectLst/>
+                <a:latin typeface="Söhne"/>
+              </a:rPr>
+              <a:t>2. During the years when COVID-19 was affecting us , all types of reported problems went down a lot, which makes sense because more people were working and studying from home, and places like schools and offices were closed.</a:t>
+            </a:r>
+          </a:p>
+          <a:p>
+            <a:endParaRPr lang="en-US" sz="1450" b="0" i="0" dirty="0">
+              <a:effectLst/>
+              <a:latin typeface="Söhne"/>
+            </a:endParaRPr>
+          </a:p>
+          <a:p>
+            <a:r>
+              <a:rPr lang="en-US" sz="1450" b="0" i="0" dirty="0">
+                <a:effectLst/>
+                <a:latin typeface="Söhne"/>
+              </a:rPr>
+              <a:t> 3.After the COVID-19 situation got better, there's a noticeable increase in collisions. This could be because more people are moving to Austin, which is causing more traffic and accidents.</a:t>
+            </a:r>
+            <a:endParaRPr lang="en-US" sz="1450" dirty="0"/>
+          </a:p>
+          <a:p>
+            <a:pPr marL="342900" indent="-342900">
+              <a:buFont typeface="+mj-lt"/>
+              <a:buAutoNum type="arabicPeriod"/>
+            </a:pPr>
+            <a:endParaRPr lang="en-US" sz="1400" dirty="0"/>
+          </a:p>
+        </p:txBody>
+      </p:sp>
+    </p:spTree>
+    <p:extLst>
+      <p:ext uri="{BB962C8B-B14F-4D97-AF65-F5344CB8AC3E}">
+        <p14:creationId xmlns:p14="http://schemas.microsoft.com/office/powerpoint/2010/main" val="2499075443"/>
+      </p:ext>
+    </p:extLst>
+  </p:cSld>
+  <p:clrMapOvr>
+    <a:masterClrMapping/>
+  </p:clrMapOvr>
+</p:sld>
+</file>
+
 <file path=ppt/theme/theme1.xml><?xml version="1.0" encoding="utf-8"?>
 <a:theme xmlns:a="http://schemas.openxmlformats.org/drawingml/2006/main" name="Office Theme">
   <a:themeElements>

--- a/Presentation/Sujatha.pptx
+++ b/Presentation/Sujatha.pptx
@@ -2,13 +2,16 @@
 <file path=ppt/presentation.xml><?xml version="1.0" encoding="utf-8"?>
 <p:presentation xmlns:a="http://schemas.openxmlformats.org/drawingml/2006/main" xmlns:r="http://schemas.openxmlformats.org/officeDocument/2006/relationships" xmlns:p="http://schemas.openxmlformats.org/presentationml/2006/main" saveSubsetFonts="1">
   <p:sldMasterIdLst>
-    <p:sldMasterId id="2147483648" r:id="rId1"/>
+    <p:sldMasterId id="2147483946" r:id="rId1"/>
   </p:sldMasterIdLst>
   <p:sldIdLst>
-    <p:sldId id="256" r:id="rId2"/>
-    <p:sldId id="257" r:id="rId3"/>
-    <p:sldId id="258" r:id="rId4"/>
-    <p:sldId id="259" r:id="rId5"/>
+    <p:sldId id="268" r:id="rId2"/>
+    <p:sldId id="269" r:id="rId3"/>
+    <p:sldId id="264" r:id="rId4"/>
+    <p:sldId id="261" r:id="rId5"/>
+    <p:sldId id="266" r:id="rId6"/>
+    <p:sldId id="267" r:id="rId7"/>
+    <p:sldId id="259" r:id="rId8"/>
   </p:sldIdLst>
   <p:sldSz cx="12192000" cy="6858000"/>
   <p:notesSz cx="6858000" cy="9144000"/>
@@ -16,7 +19,7 @@
     <a:defPPr>
       <a:defRPr lang="en-US"/>
     </a:defPPr>
-    <a:lvl1pPr marL="0" algn="l" defTabSz="914400" rtl="0" eaLnBrk="1" latinLnBrk="0" hangingPunct="1">
+    <a:lvl1pPr marL="0" algn="l" defTabSz="457200" rtl="0" eaLnBrk="1" latinLnBrk="0" hangingPunct="1">
       <a:defRPr sz="1800" kern="1200">
         <a:solidFill>
           <a:schemeClr val="tx1"/>
@@ -26,7 +29,7 @@
         <a:cs typeface="+mn-cs"/>
       </a:defRPr>
     </a:lvl1pPr>
-    <a:lvl2pPr marL="457200" algn="l" defTabSz="914400" rtl="0" eaLnBrk="1" latinLnBrk="0" hangingPunct="1">
+    <a:lvl2pPr marL="457200" algn="l" defTabSz="457200" rtl="0" eaLnBrk="1" latinLnBrk="0" hangingPunct="1">
       <a:defRPr sz="1800" kern="1200">
         <a:solidFill>
           <a:schemeClr val="tx1"/>
@@ -36,7 +39,7 @@
         <a:cs typeface="+mn-cs"/>
       </a:defRPr>
     </a:lvl2pPr>
-    <a:lvl3pPr marL="914400" algn="l" defTabSz="914400" rtl="0" eaLnBrk="1" latinLnBrk="0" hangingPunct="1">
+    <a:lvl3pPr marL="914400" algn="l" defTabSz="457200" rtl="0" eaLnBrk="1" latinLnBrk="0" hangingPunct="1">
       <a:defRPr sz="1800" kern="1200">
         <a:solidFill>
           <a:schemeClr val="tx1"/>
@@ -46,7 +49,7 @@
         <a:cs typeface="+mn-cs"/>
       </a:defRPr>
     </a:lvl3pPr>
-    <a:lvl4pPr marL="1371600" algn="l" defTabSz="914400" rtl="0" eaLnBrk="1" latinLnBrk="0" hangingPunct="1">
+    <a:lvl4pPr marL="1371600" algn="l" defTabSz="457200" rtl="0" eaLnBrk="1" latinLnBrk="0" hangingPunct="1">
       <a:defRPr sz="1800" kern="1200">
         <a:solidFill>
           <a:schemeClr val="tx1"/>
@@ -56,7 +59,7 @@
         <a:cs typeface="+mn-cs"/>
       </a:defRPr>
     </a:lvl4pPr>
-    <a:lvl5pPr marL="1828800" algn="l" defTabSz="914400" rtl="0" eaLnBrk="1" latinLnBrk="0" hangingPunct="1">
+    <a:lvl5pPr marL="1828800" algn="l" defTabSz="457200" rtl="0" eaLnBrk="1" latinLnBrk="0" hangingPunct="1">
       <a:defRPr sz="1800" kern="1200">
         <a:solidFill>
           <a:schemeClr val="tx1"/>
@@ -66,7 +69,7 @@
         <a:cs typeface="+mn-cs"/>
       </a:defRPr>
     </a:lvl5pPr>
-    <a:lvl6pPr marL="2286000" algn="l" defTabSz="914400" rtl="0" eaLnBrk="1" latinLnBrk="0" hangingPunct="1">
+    <a:lvl6pPr marL="2286000" algn="l" defTabSz="457200" rtl="0" eaLnBrk="1" latinLnBrk="0" hangingPunct="1">
       <a:defRPr sz="1800" kern="1200">
         <a:solidFill>
           <a:schemeClr val="tx1"/>
@@ -76,7 +79,7 @@
         <a:cs typeface="+mn-cs"/>
       </a:defRPr>
     </a:lvl6pPr>
-    <a:lvl7pPr marL="2743200" algn="l" defTabSz="914400" rtl="0" eaLnBrk="1" latinLnBrk="0" hangingPunct="1">
+    <a:lvl7pPr marL="2743200" algn="l" defTabSz="457200" rtl="0" eaLnBrk="1" latinLnBrk="0" hangingPunct="1">
       <a:defRPr sz="1800" kern="1200">
         <a:solidFill>
           <a:schemeClr val="tx1"/>
@@ -86,7 +89,7 @@
         <a:cs typeface="+mn-cs"/>
       </a:defRPr>
     </a:lvl7pPr>
-    <a:lvl8pPr marL="3200400" algn="l" defTabSz="914400" rtl="0" eaLnBrk="1" latinLnBrk="0" hangingPunct="1">
+    <a:lvl8pPr marL="3200400" algn="l" defTabSz="457200" rtl="0" eaLnBrk="1" latinLnBrk="0" hangingPunct="1">
       <a:defRPr sz="1800" kern="1200">
         <a:solidFill>
           <a:schemeClr val="tx1"/>
@@ -96,7 +99,7 @@
         <a:cs typeface="+mn-cs"/>
       </a:defRPr>
     </a:lvl8pPr>
-    <a:lvl9pPr marL="3657600" algn="l" defTabSz="914400" rtl="0" eaLnBrk="1" latinLnBrk="0" hangingPunct="1">
+    <a:lvl9pPr marL="3657600" algn="l" defTabSz="457200" rtl="0" eaLnBrk="1" latinLnBrk="0" hangingPunct="1">
       <a:defRPr sz="1800" kern="1200">
         <a:solidFill>
           <a:schemeClr val="tx1"/>
@@ -134,31 +137,76 @@
       </p:grpSpPr>
       <p:sp>
         <p:nvSpPr>
-          <p:cNvPr id="2" name="Title 1">
-            <a:extLst>
-              <a:ext uri="{FF2B5EF4-FFF2-40B4-BE49-F238E27FC236}">
-                <a16:creationId xmlns:a16="http://schemas.microsoft.com/office/drawing/2014/main" id="{E76ADA32-6B0E-9164-2DE1-41552B01E61B}"/>
-              </a:ext>
-            </a:extLst>
-          </p:cNvPr>
-          <p:cNvSpPr>
-            <a:spLocks noGrp="1"/>
-          </p:cNvSpPr>
-          <p:nvPr>
-            <p:ph type="ctrTitle"/>
-          </p:nvPr>
+          <p:cNvPr id="7" name="Rectangle 6"/>
+          <p:cNvSpPr>
+            <a:spLocks noChangeAspect="1"/>
+          </p:cNvSpPr>
+          <p:nvPr/>
         </p:nvSpPr>
         <p:spPr>
           <a:xfrm>
-            <a:off x="1524000" y="1122363"/>
-            <a:ext cx="9144000" cy="2387600"/>
+            <a:off x="231140" y="243840"/>
+            <a:ext cx="11724640" cy="6377939"/>
+          </a:xfrm>
+          <a:prstGeom prst="rect">
+            <a:avLst/>
+          </a:prstGeom>
+          <a:solidFill>
+            <a:schemeClr val="accent1"/>
+          </a:solidFill>
+          <a:ln w="12700">
+            <a:solidFill>
+              <a:srgbClr val="FFFFFF"/>
+            </a:solidFill>
+          </a:ln>
+        </p:spPr>
+        <p:style>
+          <a:lnRef idx="2">
+            <a:schemeClr val="accent1">
+              <a:shade val="50000"/>
+            </a:schemeClr>
+          </a:lnRef>
+          <a:fillRef idx="1">
+            <a:schemeClr val="accent1"/>
+          </a:fillRef>
+          <a:effectRef idx="0">
+            <a:schemeClr val="accent1"/>
+          </a:effectRef>
+          <a:fontRef idx="minor">
+            <a:schemeClr val="lt1"/>
+          </a:fontRef>
+        </p:style>
+      </p:sp>
+      <p:sp>
+        <p:nvSpPr>
+          <p:cNvPr id="2" name="Title 1"/>
+          <p:cNvSpPr>
+            <a:spLocks noGrp="1"/>
+          </p:cNvSpPr>
+          <p:nvPr>
+            <p:ph type="ctrTitle"/>
+          </p:nvPr>
+        </p:nvSpPr>
+        <p:spPr>
+          <a:xfrm>
+            <a:off x="1109980" y="882376"/>
+            <a:ext cx="9966960" cy="2926080"/>
           </a:xfrm>
         </p:spPr>
         <p:txBody>
-          <a:bodyPr anchor="b"/>
+          <a:bodyPr anchor="b">
+            <a:normAutofit/>
+          </a:bodyPr>
           <a:lstStyle>
             <a:lvl1pPr algn="ctr">
-              <a:defRPr sz="6000"/>
+              <a:lnSpc>
+                <a:spcPct val="85000"/>
+              </a:lnSpc>
+              <a:defRPr sz="7200" b="1" cap="all" baseline="0">
+                <a:solidFill>
+                  <a:srgbClr val="FFFFFF"/>
+                </a:solidFill>
+              </a:defRPr>
             </a:lvl1pPr>
           </a:lstStyle>
           <a:p>
@@ -166,18 +214,13 @@
               <a:rPr lang="en-US"/>
               <a:t>Click to edit Master title style</a:t>
             </a:r>
-          </a:p>
-        </p:txBody>
-      </p:sp>
-      <p:sp>
-        <p:nvSpPr>
-          <p:cNvPr id="3" name="Subtitle 2">
-            <a:extLst>
-              <a:ext uri="{FF2B5EF4-FFF2-40B4-BE49-F238E27FC236}">
-                <a16:creationId xmlns:a16="http://schemas.microsoft.com/office/drawing/2014/main" id="{BA591351-AFC4-DC31-651B-63AA97963065}"/>
-              </a:ext>
-            </a:extLst>
-          </p:cNvPr>
+            <a:endParaRPr lang="en-US" dirty="0"/>
+          </a:p>
+        </p:txBody>
+      </p:sp>
+      <p:sp>
+        <p:nvSpPr>
+          <p:cNvPr id="3" name="Subtitle 2"/>
           <p:cNvSpPr>
             <a:spLocks noGrp="1"/>
           </p:cNvSpPr>
@@ -187,78 +230,87 @@
         </p:nvSpPr>
         <p:spPr>
           <a:xfrm>
-            <a:off x="1524000" y="3602038"/>
-            <a:ext cx="9144000" cy="1655762"/>
+            <a:off x="1709530" y="3869634"/>
+            <a:ext cx="8767860" cy="1388165"/>
           </a:xfrm>
         </p:spPr>
         <p:txBody>
+          <a:bodyPr>
+            <a:normAutofit/>
+          </a:bodyPr>
+          <a:lstStyle>
+            <a:lvl1pPr marL="0" indent="0" algn="ctr">
+              <a:buNone/>
+              <a:defRPr sz="2200">
+                <a:solidFill>
+                  <a:srgbClr val="FFFFFF"/>
+                </a:solidFill>
+              </a:defRPr>
+            </a:lvl1pPr>
+            <a:lvl2pPr marL="457200" indent="0" algn="ctr">
+              <a:buNone/>
+              <a:defRPr sz="2200"/>
+            </a:lvl2pPr>
+            <a:lvl3pPr marL="914400" indent="0" algn="ctr">
+              <a:buNone/>
+              <a:defRPr sz="2200"/>
+            </a:lvl3pPr>
+            <a:lvl4pPr marL="1371600" indent="0" algn="ctr">
+              <a:buNone/>
+              <a:defRPr sz="2000"/>
+            </a:lvl4pPr>
+            <a:lvl5pPr marL="1828800" indent="0" algn="ctr">
+              <a:buNone/>
+              <a:defRPr sz="2000"/>
+            </a:lvl5pPr>
+            <a:lvl6pPr marL="2286000" indent="0" algn="ctr">
+              <a:buNone/>
+              <a:defRPr sz="2000"/>
+            </a:lvl6pPr>
+            <a:lvl7pPr marL="2743200" indent="0" algn="ctr">
+              <a:buNone/>
+              <a:defRPr sz="2000"/>
+            </a:lvl7pPr>
+            <a:lvl8pPr marL="3200400" indent="0" algn="ctr">
+              <a:buNone/>
+              <a:defRPr sz="2000"/>
+            </a:lvl8pPr>
+            <a:lvl9pPr marL="3657600" indent="0" algn="ctr">
+              <a:buNone/>
+              <a:defRPr sz="2000"/>
+            </a:lvl9pPr>
+          </a:lstStyle>
+          <a:p>
+            <a:r>
+              <a:rPr lang="en-US"/>
+              <a:t>Click to edit Master subtitle style</a:t>
+            </a:r>
+            <a:endParaRPr lang="en-US" dirty="0"/>
+          </a:p>
+        </p:txBody>
+      </p:sp>
+      <p:sp>
+        <p:nvSpPr>
+          <p:cNvPr id="4" name="Date Placeholder 3"/>
+          <p:cNvSpPr>
+            <a:spLocks noGrp="1"/>
+          </p:cNvSpPr>
+          <p:nvPr>
+            <p:ph type="dt" sz="half" idx="10"/>
+          </p:nvPr>
+        </p:nvSpPr>
+        <p:spPr/>
+        <p:txBody>
           <a:bodyPr/>
           <a:lstStyle>
-            <a:lvl1pPr marL="0" indent="0" algn="ctr">
-              <a:buNone/>
-              <a:defRPr sz="2400"/>
+            <a:lvl1pPr>
+              <a:defRPr>
+                <a:solidFill>
+                  <a:srgbClr val="FFFFFF"/>
+                </a:solidFill>
+              </a:defRPr>
             </a:lvl1pPr>
-            <a:lvl2pPr marL="457200" indent="0" algn="ctr">
-              <a:buNone/>
-              <a:defRPr sz="2000"/>
-            </a:lvl2pPr>
-            <a:lvl3pPr marL="914400" indent="0" algn="ctr">
-              <a:buNone/>
-              <a:defRPr sz="1800"/>
-            </a:lvl3pPr>
-            <a:lvl4pPr marL="1371600" indent="0" algn="ctr">
-              <a:buNone/>
-              <a:defRPr sz="1600"/>
-            </a:lvl4pPr>
-            <a:lvl5pPr marL="1828800" indent="0" algn="ctr">
-              <a:buNone/>
-              <a:defRPr sz="1600"/>
-            </a:lvl5pPr>
-            <a:lvl6pPr marL="2286000" indent="0" algn="ctr">
-              <a:buNone/>
-              <a:defRPr sz="1600"/>
-            </a:lvl6pPr>
-            <a:lvl7pPr marL="2743200" indent="0" algn="ctr">
-              <a:buNone/>
-              <a:defRPr sz="1600"/>
-            </a:lvl7pPr>
-            <a:lvl8pPr marL="3200400" indent="0" algn="ctr">
-              <a:buNone/>
-              <a:defRPr sz="1600"/>
-            </a:lvl8pPr>
-            <a:lvl9pPr marL="3657600" indent="0" algn="ctr">
-              <a:buNone/>
-              <a:defRPr sz="1600"/>
-            </a:lvl9pPr>
           </a:lstStyle>
-          <a:p>
-            <a:r>
-              <a:rPr lang="en-US"/>
-              <a:t>Click to edit Master subtitle style</a:t>
-            </a:r>
-          </a:p>
-        </p:txBody>
-      </p:sp>
-      <p:sp>
-        <p:nvSpPr>
-          <p:cNvPr id="4" name="Date Placeholder 3">
-            <a:extLst>
-              <a:ext uri="{FF2B5EF4-FFF2-40B4-BE49-F238E27FC236}">
-                <a16:creationId xmlns:a16="http://schemas.microsoft.com/office/drawing/2014/main" id="{B5B8D92B-718D-C57B-A65E-E26CE5074DC7}"/>
-              </a:ext>
-            </a:extLst>
-          </p:cNvPr>
-          <p:cNvSpPr>
-            <a:spLocks noGrp="1"/>
-          </p:cNvSpPr>
-          <p:nvPr>
-            <p:ph type="dt" sz="half" idx="10"/>
-          </p:nvPr>
-        </p:nvSpPr>
-        <p:spPr/>
-        <p:txBody>
-          <a:bodyPr/>
-          <a:lstStyle/>
           <a:p>
             <a:fld id="{E4F5F9B4-EA4D-4D18-B9F1-994D21645920}" type="datetimeFigureOut">
               <a:rPr lang="en-US" smtClean="0"/>
@@ -270,13 +322,7 @@
       </p:sp>
       <p:sp>
         <p:nvSpPr>
-          <p:cNvPr id="5" name="Footer Placeholder 4">
-            <a:extLst>
-              <a:ext uri="{FF2B5EF4-FFF2-40B4-BE49-F238E27FC236}">
-                <a16:creationId xmlns:a16="http://schemas.microsoft.com/office/drawing/2014/main" id="{33DF0904-B291-EE89-09DB-F47B9218F8A1}"/>
-              </a:ext>
-            </a:extLst>
-          </p:cNvPr>
+          <p:cNvPr id="5" name="Footer Placeholder 4"/>
           <p:cNvSpPr>
             <a:spLocks noGrp="1"/>
           </p:cNvSpPr>
@@ -287,7 +333,15 @@
         <p:spPr/>
         <p:txBody>
           <a:bodyPr/>
-          <a:lstStyle/>
+          <a:lstStyle>
+            <a:lvl1pPr>
+              <a:defRPr>
+                <a:solidFill>
+                  <a:srgbClr val="FFFFFF"/>
+                </a:solidFill>
+              </a:defRPr>
+            </a:lvl1pPr>
+          </a:lstStyle>
           <a:p>
             <a:endParaRPr lang="en-US"/>
           </a:p>
@@ -295,13 +349,7 @@
       </p:sp>
       <p:sp>
         <p:nvSpPr>
-          <p:cNvPr id="6" name="Slide Number Placeholder 5">
-            <a:extLst>
-              <a:ext uri="{FF2B5EF4-FFF2-40B4-BE49-F238E27FC236}">
-                <a16:creationId xmlns:a16="http://schemas.microsoft.com/office/drawing/2014/main" id="{8BB22A1E-72FF-FAA7-ACBA-B6FEC57BE3F5}"/>
-              </a:ext>
-            </a:extLst>
-          </p:cNvPr>
+          <p:cNvPr id="6" name="Slide Number Placeholder 5"/>
           <p:cNvSpPr>
             <a:spLocks noGrp="1"/>
           </p:cNvSpPr>
@@ -312,7 +360,15 @@
         <p:spPr/>
         <p:txBody>
           <a:bodyPr/>
-          <a:lstStyle/>
+          <a:lstStyle>
+            <a:lvl1pPr>
+              <a:defRPr>
+                <a:solidFill>
+                  <a:srgbClr val="FFFFFF"/>
+                </a:solidFill>
+              </a:defRPr>
+            </a:lvl1pPr>
+          </a:lstStyle>
           <a:p>
             <a:fld id="{68AA13AC-26CB-4D29-8011-79729A217F26}" type="slidenum">
               <a:rPr lang="en-US" smtClean="0"/>
@@ -322,10 +378,45 @@
           </a:p>
         </p:txBody>
       </p:sp>
+      <p:cxnSp>
+        <p:nvCxnSpPr>
+          <p:cNvPr id="8" name="Straight Connector 7"/>
+          <p:cNvCxnSpPr/>
+          <p:nvPr/>
+        </p:nvCxnSpPr>
+        <p:spPr>
+          <a:xfrm>
+            <a:off x="1978660" y="3733800"/>
+            <a:ext cx="8229601" cy="0"/>
+          </a:xfrm>
+          <a:prstGeom prst="line">
+            <a:avLst/>
+          </a:prstGeom>
+          <a:ln>
+            <a:solidFill>
+              <a:srgbClr val="FFFFFF"/>
+            </a:solidFill>
+          </a:ln>
+        </p:spPr>
+        <p:style>
+          <a:lnRef idx="1">
+            <a:schemeClr val="accent1"/>
+          </a:lnRef>
+          <a:fillRef idx="0">
+            <a:schemeClr val="accent1"/>
+          </a:fillRef>
+          <a:effectRef idx="0">
+            <a:schemeClr val="accent1"/>
+          </a:effectRef>
+          <a:fontRef idx="minor">
+            <a:schemeClr val="tx1"/>
+          </a:fontRef>
+        </p:style>
+      </p:cxnSp>
     </p:spTree>
     <p:extLst>
       <p:ext uri="{BB962C8B-B14F-4D97-AF65-F5344CB8AC3E}">
-        <p14:creationId xmlns:p14="http://schemas.microsoft.com/office/powerpoint/2010/main" val="3591128732"/>
+        <p14:creationId xmlns:p14="http://schemas.microsoft.com/office/powerpoint/2010/main" val="162091836"/>
       </p:ext>
     </p:extLst>
   </p:cSld>
@@ -354,13 +445,7 @@
       </p:grpSpPr>
       <p:sp>
         <p:nvSpPr>
-          <p:cNvPr id="2" name="Title 1">
-            <a:extLst>
-              <a:ext uri="{FF2B5EF4-FFF2-40B4-BE49-F238E27FC236}">
-                <a16:creationId xmlns:a16="http://schemas.microsoft.com/office/drawing/2014/main" id="{153F5F66-698B-F9A6-5B86-4E498C1DA8CA}"/>
-              </a:ext>
-            </a:extLst>
-          </p:cNvPr>
+          <p:cNvPr id="2" name="Title 1"/>
           <p:cNvSpPr>
             <a:spLocks noGrp="1"/>
           </p:cNvSpPr>
@@ -377,18 +462,13 @@
               <a:rPr lang="en-US"/>
               <a:t>Click to edit Master title style</a:t>
             </a:r>
-          </a:p>
-        </p:txBody>
-      </p:sp>
-      <p:sp>
-        <p:nvSpPr>
-          <p:cNvPr id="3" name="Vertical Text Placeholder 2">
-            <a:extLst>
-              <a:ext uri="{FF2B5EF4-FFF2-40B4-BE49-F238E27FC236}">
-                <a16:creationId xmlns:a16="http://schemas.microsoft.com/office/drawing/2014/main" id="{18FEF74E-220D-7201-E988-33F50389B82B}"/>
-              </a:ext>
-            </a:extLst>
-          </p:cNvPr>
+            <a:endParaRPr lang="en-US" dirty="0"/>
+          </a:p>
+        </p:txBody>
+      </p:sp>
+      <p:sp>
+        <p:nvSpPr>
+          <p:cNvPr id="3" name="Vertical Text Placeholder 2"/>
           <p:cNvSpPr>
             <a:spLocks noGrp="1"/>
           </p:cNvSpPr>
@@ -434,18 +514,13 @@
               <a:rPr lang="en-US"/>
               <a:t>Fifth level</a:t>
             </a:r>
-          </a:p>
-        </p:txBody>
-      </p:sp>
-      <p:sp>
-        <p:nvSpPr>
-          <p:cNvPr id="4" name="Date Placeholder 3">
-            <a:extLst>
-              <a:ext uri="{FF2B5EF4-FFF2-40B4-BE49-F238E27FC236}">
-                <a16:creationId xmlns:a16="http://schemas.microsoft.com/office/drawing/2014/main" id="{6C9DA3BD-F847-EAA9-36A2-512EF645DDDB}"/>
-              </a:ext>
-            </a:extLst>
-          </p:cNvPr>
+            <a:endParaRPr lang="en-US" dirty="0"/>
+          </a:p>
+        </p:txBody>
+      </p:sp>
+      <p:sp>
+        <p:nvSpPr>
+          <p:cNvPr id="4" name="Date Placeholder 3"/>
           <p:cNvSpPr>
             <a:spLocks noGrp="1"/>
           </p:cNvSpPr>
@@ -468,13 +543,7 @@
       </p:sp>
       <p:sp>
         <p:nvSpPr>
-          <p:cNvPr id="5" name="Footer Placeholder 4">
-            <a:extLst>
-              <a:ext uri="{FF2B5EF4-FFF2-40B4-BE49-F238E27FC236}">
-                <a16:creationId xmlns:a16="http://schemas.microsoft.com/office/drawing/2014/main" id="{3213B509-04D2-72DF-9C3F-907054874058}"/>
-              </a:ext>
-            </a:extLst>
-          </p:cNvPr>
+          <p:cNvPr id="5" name="Footer Placeholder 4"/>
           <p:cNvSpPr>
             <a:spLocks noGrp="1"/>
           </p:cNvSpPr>
@@ -493,13 +562,7 @@
       </p:sp>
       <p:sp>
         <p:nvSpPr>
-          <p:cNvPr id="6" name="Slide Number Placeholder 5">
-            <a:extLst>
-              <a:ext uri="{FF2B5EF4-FFF2-40B4-BE49-F238E27FC236}">
-                <a16:creationId xmlns:a16="http://schemas.microsoft.com/office/drawing/2014/main" id="{EEDCF22C-6429-D79C-6726-9801B142D5D0}"/>
-              </a:ext>
-            </a:extLst>
-          </p:cNvPr>
+          <p:cNvPr id="6" name="Slide Number Placeholder 5"/>
           <p:cNvSpPr>
             <a:spLocks noGrp="1"/>
           </p:cNvSpPr>
@@ -523,7 +586,7 @@
     </p:spTree>
     <p:extLst>
       <p:ext uri="{BB962C8B-B14F-4D97-AF65-F5344CB8AC3E}">
-        <p14:creationId xmlns:p14="http://schemas.microsoft.com/office/powerpoint/2010/main" val="913819036"/>
+        <p14:creationId xmlns:p14="http://schemas.microsoft.com/office/powerpoint/2010/main" val="2967150151"/>
       </p:ext>
     </p:extLst>
   </p:cSld>
@@ -552,13 +615,7 @@
       </p:grpSpPr>
       <p:sp>
         <p:nvSpPr>
-          <p:cNvPr id="2" name="Vertical Title 1">
-            <a:extLst>
-              <a:ext uri="{FF2B5EF4-FFF2-40B4-BE49-F238E27FC236}">
-                <a16:creationId xmlns:a16="http://schemas.microsoft.com/office/drawing/2014/main" id="{5A2B791D-C0F5-A112-5E00-7FD5966C75D6}"/>
-              </a:ext>
-            </a:extLst>
-          </p:cNvPr>
+          <p:cNvPr id="2" name="Vertical Title 1"/>
           <p:cNvSpPr>
             <a:spLocks noGrp="1"/>
           </p:cNvSpPr>
@@ -568,8 +625,8 @@
         </p:nvSpPr>
         <p:spPr>
           <a:xfrm>
-            <a:off x="8724900" y="365125"/>
-            <a:ext cx="2628900" cy="5811838"/>
+            <a:off x="8724900" y="762000"/>
+            <a:ext cx="2324100" cy="5410200"/>
           </a:xfrm>
         </p:spPr>
         <p:txBody>
@@ -580,18 +637,13 @@
               <a:rPr lang="en-US"/>
               <a:t>Click to edit Master title style</a:t>
             </a:r>
-          </a:p>
-        </p:txBody>
-      </p:sp>
-      <p:sp>
-        <p:nvSpPr>
-          <p:cNvPr id="3" name="Vertical Text Placeholder 2">
-            <a:extLst>
-              <a:ext uri="{FF2B5EF4-FFF2-40B4-BE49-F238E27FC236}">
-                <a16:creationId xmlns:a16="http://schemas.microsoft.com/office/drawing/2014/main" id="{967C4610-A532-CABE-E253-AA63BDEE4B7D}"/>
-              </a:ext>
-            </a:extLst>
-          </p:cNvPr>
+            <a:endParaRPr lang="en-US" dirty="0"/>
+          </a:p>
+        </p:txBody>
+      </p:sp>
+      <p:sp>
+        <p:nvSpPr>
+          <p:cNvPr id="3" name="Vertical Text Placeholder 2"/>
           <p:cNvSpPr>
             <a:spLocks noGrp="1"/>
           </p:cNvSpPr>
@@ -601,8 +653,8 @@
         </p:nvSpPr>
         <p:spPr>
           <a:xfrm>
-            <a:off x="838200" y="365125"/>
-            <a:ext cx="7734300" cy="5811838"/>
+            <a:off x="1143000" y="762000"/>
+            <a:ext cx="7429500" cy="5410200"/>
           </a:xfrm>
         </p:spPr>
         <p:txBody>
@@ -642,18 +694,13 @@
               <a:rPr lang="en-US"/>
               <a:t>Fifth level</a:t>
             </a:r>
-          </a:p>
-        </p:txBody>
-      </p:sp>
-      <p:sp>
-        <p:nvSpPr>
-          <p:cNvPr id="4" name="Date Placeholder 3">
-            <a:extLst>
-              <a:ext uri="{FF2B5EF4-FFF2-40B4-BE49-F238E27FC236}">
-                <a16:creationId xmlns:a16="http://schemas.microsoft.com/office/drawing/2014/main" id="{1BCA81CA-D6C6-8B28-6E83-C9F2CD1BE20A}"/>
-              </a:ext>
-            </a:extLst>
-          </p:cNvPr>
+            <a:endParaRPr lang="en-US" dirty="0"/>
+          </a:p>
+        </p:txBody>
+      </p:sp>
+      <p:sp>
+        <p:nvSpPr>
+          <p:cNvPr id="4" name="Date Placeholder 3"/>
           <p:cNvSpPr>
             <a:spLocks noGrp="1"/>
           </p:cNvSpPr>
@@ -676,13 +723,7 @@
       </p:sp>
       <p:sp>
         <p:nvSpPr>
-          <p:cNvPr id="5" name="Footer Placeholder 4">
-            <a:extLst>
-              <a:ext uri="{FF2B5EF4-FFF2-40B4-BE49-F238E27FC236}">
-                <a16:creationId xmlns:a16="http://schemas.microsoft.com/office/drawing/2014/main" id="{226E438E-2FEB-1F80-D5A2-38E135CAE90C}"/>
-              </a:ext>
-            </a:extLst>
-          </p:cNvPr>
+          <p:cNvPr id="5" name="Footer Placeholder 4"/>
           <p:cNvSpPr>
             <a:spLocks noGrp="1"/>
           </p:cNvSpPr>
@@ -701,13 +742,7 @@
       </p:sp>
       <p:sp>
         <p:nvSpPr>
-          <p:cNvPr id="6" name="Slide Number Placeholder 5">
-            <a:extLst>
-              <a:ext uri="{FF2B5EF4-FFF2-40B4-BE49-F238E27FC236}">
-                <a16:creationId xmlns:a16="http://schemas.microsoft.com/office/drawing/2014/main" id="{1E6B0E0C-75F6-85F0-BD43-0BB18FF87DEE}"/>
-              </a:ext>
-            </a:extLst>
-          </p:cNvPr>
+          <p:cNvPr id="6" name="Slide Number Placeholder 5"/>
           <p:cNvSpPr>
             <a:spLocks noGrp="1"/>
           </p:cNvSpPr>
@@ -731,7 +766,7 @@
     </p:spTree>
     <p:extLst>
       <p:ext uri="{BB962C8B-B14F-4D97-AF65-F5344CB8AC3E}">
-        <p14:creationId xmlns:p14="http://schemas.microsoft.com/office/powerpoint/2010/main" val="859746631"/>
+        <p14:creationId xmlns:p14="http://schemas.microsoft.com/office/powerpoint/2010/main" val="2220657641"/>
       </p:ext>
     </p:extLst>
   </p:cSld>
@@ -760,13 +795,7 @@
       </p:grpSpPr>
       <p:sp>
         <p:nvSpPr>
-          <p:cNvPr id="2" name="Title 1">
-            <a:extLst>
-              <a:ext uri="{FF2B5EF4-FFF2-40B4-BE49-F238E27FC236}">
-                <a16:creationId xmlns:a16="http://schemas.microsoft.com/office/drawing/2014/main" id="{D35C50FC-2068-3CF3-AA5A-9C6231262A94}"/>
-              </a:ext>
-            </a:extLst>
-          </p:cNvPr>
+          <p:cNvPr id="2" name="Title 1"/>
           <p:cNvSpPr>
             <a:spLocks noGrp="1"/>
           </p:cNvSpPr>
@@ -783,18 +812,13 @@
               <a:rPr lang="en-US"/>
               <a:t>Click to edit Master title style</a:t>
             </a:r>
-          </a:p>
-        </p:txBody>
-      </p:sp>
-      <p:sp>
-        <p:nvSpPr>
-          <p:cNvPr id="3" name="Content Placeholder 2">
-            <a:extLst>
-              <a:ext uri="{FF2B5EF4-FFF2-40B4-BE49-F238E27FC236}">
-                <a16:creationId xmlns:a16="http://schemas.microsoft.com/office/drawing/2014/main" id="{664F2F26-4039-25CA-68FC-6DCF185E21A1}"/>
-              </a:ext>
-            </a:extLst>
-          </p:cNvPr>
+            <a:endParaRPr lang="en-US" dirty="0"/>
+          </a:p>
+        </p:txBody>
+      </p:sp>
+      <p:sp>
+        <p:nvSpPr>
+          <p:cNvPr id="3" name="Content Placeholder 2"/>
           <p:cNvSpPr>
             <a:spLocks noGrp="1"/>
           </p:cNvSpPr>
@@ -840,18 +864,13 @@
               <a:rPr lang="en-US"/>
               <a:t>Fifth level</a:t>
             </a:r>
-          </a:p>
-        </p:txBody>
-      </p:sp>
-      <p:sp>
-        <p:nvSpPr>
-          <p:cNvPr id="4" name="Date Placeholder 3">
-            <a:extLst>
-              <a:ext uri="{FF2B5EF4-FFF2-40B4-BE49-F238E27FC236}">
-                <a16:creationId xmlns:a16="http://schemas.microsoft.com/office/drawing/2014/main" id="{F9E77E37-59F2-6C72-5683-88DAECFAC462}"/>
-              </a:ext>
-            </a:extLst>
-          </p:cNvPr>
+            <a:endParaRPr lang="en-US" dirty="0"/>
+          </a:p>
+        </p:txBody>
+      </p:sp>
+      <p:sp>
+        <p:nvSpPr>
+          <p:cNvPr id="4" name="Date Placeholder 3"/>
           <p:cNvSpPr>
             <a:spLocks noGrp="1"/>
           </p:cNvSpPr>
@@ -874,13 +893,7 @@
       </p:sp>
       <p:sp>
         <p:nvSpPr>
-          <p:cNvPr id="5" name="Footer Placeholder 4">
-            <a:extLst>
-              <a:ext uri="{FF2B5EF4-FFF2-40B4-BE49-F238E27FC236}">
-                <a16:creationId xmlns:a16="http://schemas.microsoft.com/office/drawing/2014/main" id="{9B94571E-E733-D570-031E-690402F39C7A}"/>
-              </a:ext>
-            </a:extLst>
-          </p:cNvPr>
+          <p:cNvPr id="5" name="Footer Placeholder 4"/>
           <p:cNvSpPr>
             <a:spLocks noGrp="1"/>
           </p:cNvSpPr>
@@ -899,13 +912,7 @@
       </p:sp>
       <p:sp>
         <p:nvSpPr>
-          <p:cNvPr id="6" name="Slide Number Placeholder 5">
-            <a:extLst>
-              <a:ext uri="{FF2B5EF4-FFF2-40B4-BE49-F238E27FC236}">
-                <a16:creationId xmlns:a16="http://schemas.microsoft.com/office/drawing/2014/main" id="{B5E5B166-9D05-6891-1A4B-1987BFB2B478}"/>
-              </a:ext>
-            </a:extLst>
-          </p:cNvPr>
+          <p:cNvPr id="6" name="Slide Number Placeholder 5"/>
           <p:cNvSpPr>
             <a:spLocks noGrp="1"/>
           </p:cNvSpPr>
@@ -929,7 +936,7 @@
     </p:spTree>
     <p:extLst>
       <p:ext uri="{BB962C8B-B14F-4D97-AF65-F5344CB8AC3E}">
-        <p14:creationId xmlns:p14="http://schemas.microsoft.com/office/powerpoint/2010/main" val="2737101114"/>
+        <p14:creationId xmlns:p14="http://schemas.microsoft.com/office/powerpoint/2010/main" val="3076152776"/>
       </p:ext>
     </p:extLst>
   </p:cSld>
@@ -958,13 +965,7 @@
       </p:grpSpPr>
       <p:sp>
         <p:nvSpPr>
-          <p:cNvPr id="2" name="Title 1">
-            <a:extLst>
-              <a:ext uri="{FF2B5EF4-FFF2-40B4-BE49-F238E27FC236}">
-                <a16:creationId xmlns:a16="http://schemas.microsoft.com/office/drawing/2014/main" id="{AF46DA30-3633-6B02-BABC-6F270F667419}"/>
-              </a:ext>
-            </a:extLst>
-          </p:cNvPr>
+          <p:cNvPr id="2" name="Title 1"/>
           <p:cNvSpPr>
             <a:spLocks noGrp="1"/>
           </p:cNvSpPr>
@@ -974,15 +975,20 @@
         </p:nvSpPr>
         <p:spPr>
           <a:xfrm>
-            <a:off x="831850" y="1709738"/>
-            <a:ext cx="10515600" cy="2852737"/>
+            <a:off x="1106424" y="1173575"/>
+            <a:ext cx="9966960" cy="2926080"/>
           </a:xfrm>
         </p:spPr>
         <p:txBody>
-          <a:bodyPr anchor="b"/>
+          <a:bodyPr anchor="b">
+            <a:noAutofit/>
+          </a:bodyPr>
           <a:lstStyle>
-            <a:lvl1pPr>
-              <a:defRPr sz="6000"/>
+            <a:lvl1pPr algn="ctr">
+              <a:lnSpc>
+                <a:spcPct val="85000"/>
+              </a:lnSpc>
+              <a:defRPr sz="7200" b="0" cap="all" baseline="0"/>
             </a:lvl1pPr>
           </a:lstStyle>
           <a:p>
@@ -990,18 +996,13 @@
               <a:rPr lang="en-US"/>
               <a:t>Click to edit Master title style</a:t>
             </a:r>
-          </a:p>
-        </p:txBody>
-      </p:sp>
-      <p:sp>
-        <p:nvSpPr>
-          <p:cNvPr id="3" name="Text Placeholder 2">
-            <a:extLst>
-              <a:ext uri="{FF2B5EF4-FFF2-40B4-BE49-F238E27FC236}">
-                <a16:creationId xmlns:a16="http://schemas.microsoft.com/office/drawing/2014/main" id="{6C5BE364-1FC9-5DE2-6697-2626335A3D23}"/>
-              </a:ext>
-            </a:extLst>
-          </p:cNvPr>
+            <a:endParaRPr lang="en-US" dirty="0"/>
+          </a:p>
+        </p:txBody>
+      </p:sp>
+      <p:sp>
+        <p:nvSpPr>
+          <p:cNvPr id="3" name="Text Placeholder 2"/>
           <p:cNvSpPr>
             <a:spLocks noGrp="1"/>
           </p:cNvSpPr>
@@ -1011,26 +1012,26 @@
         </p:nvSpPr>
         <p:spPr>
           <a:xfrm>
-            <a:off x="831850" y="4589463"/>
-            <a:ext cx="10515600" cy="1500187"/>
+            <a:off x="1709928" y="4154520"/>
+            <a:ext cx="8769096" cy="1363806"/>
           </a:xfrm>
         </p:spPr>
         <p:txBody>
-          <a:bodyPr/>
+          <a:bodyPr anchor="t">
+            <a:normAutofit/>
+          </a:bodyPr>
           <a:lstStyle>
-            <a:lvl1pPr marL="0" indent="0">
-              <a:buNone/>
-              <a:defRPr sz="2400">
+            <a:lvl1pPr marL="0" indent="0" algn="ctr">
+              <a:buNone/>
+              <a:defRPr sz="2200">
                 <a:solidFill>
-                  <a:schemeClr val="tx1">
-                    <a:tint val="75000"/>
-                  </a:schemeClr>
+                  <a:schemeClr val="accent1"/>
                 </a:solidFill>
               </a:defRPr>
             </a:lvl1pPr>
             <a:lvl2pPr marL="457200" indent="0">
               <a:buNone/>
-              <a:defRPr sz="2000">
+              <a:defRPr sz="1800">
                 <a:solidFill>
                   <a:schemeClr val="tx1">
                     <a:tint val="75000"/>
@@ -1040,7 +1041,7 @@
             </a:lvl2pPr>
             <a:lvl3pPr marL="914400" indent="0">
               <a:buNone/>
-              <a:defRPr sz="1800">
+              <a:defRPr sz="1600">
                 <a:solidFill>
                   <a:schemeClr val="tx1">
                     <a:tint val="75000"/>
@@ -1050,7 +1051,7 @@
             </a:lvl3pPr>
             <a:lvl4pPr marL="1371600" indent="0">
               <a:buNone/>
-              <a:defRPr sz="1600">
+              <a:defRPr sz="1400">
                 <a:solidFill>
                   <a:schemeClr val="tx1">
                     <a:tint val="75000"/>
@@ -1060,7 +1061,7 @@
             </a:lvl4pPr>
             <a:lvl5pPr marL="1828800" indent="0">
               <a:buNone/>
-              <a:defRPr sz="1600">
+              <a:defRPr sz="1400">
                 <a:solidFill>
                   <a:schemeClr val="tx1">
                     <a:tint val="75000"/>
@@ -1070,7 +1071,7 @@
             </a:lvl5pPr>
             <a:lvl6pPr marL="2286000" indent="0">
               <a:buNone/>
-              <a:defRPr sz="1600">
+              <a:defRPr sz="1400">
                 <a:solidFill>
                   <a:schemeClr val="tx1">
                     <a:tint val="75000"/>
@@ -1080,7 +1081,7 @@
             </a:lvl6pPr>
             <a:lvl7pPr marL="2743200" indent="0">
               <a:buNone/>
-              <a:defRPr sz="1600">
+              <a:defRPr sz="1400">
                 <a:solidFill>
                   <a:schemeClr val="tx1">
                     <a:tint val="75000"/>
@@ -1090,7 +1091,7 @@
             </a:lvl7pPr>
             <a:lvl8pPr marL="3200400" indent="0">
               <a:buNone/>
-              <a:defRPr sz="1600">
+              <a:defRPr sz="1400">
                 <a:solidFill>
                   <a:schemeClr val="tx1">
                     <a:tint val="75000"/>
@@ -1100,7 +1101,7 @@
             </a:lvl8pPr>
             <a:lvl9pPr marL="3657600" indent="0">
               <a:buNone/>
-              <a:defRPr sz="1600">
+              <a:defRPr sz="1400">
                 <a:solidFill>
                   <a:schemeClr val="tx1">
                     <a:tint val="75000"/>
@@ -1120,13 +1121,7 @@
       </p:sp>
       <p:sp>
         <p:nvSpPr>
-          <p:cNvPr id="4" name="Date Placeholder 3">
-            <a:extLst>
-              <a:ext uri="{FF2B5EF4-FFF2-40B4-BE49-F238E27FC236}">
-                <a16:creationId xmlns:a16="http://schemas.microsoft.com/office/drawing/2014/main" id="{54750086-1DBE-CC54-4A97-59865E568C2A}"/>
-              </a:ext>
-            </a:extLst>
-          </p:cNvPr>
+          <p:cNvPr id="4" name="Date Placeholder 3"/>
           <p:cNvSpPr>
             <a:spLocks noGrp="1"/>
           </p:cNvSpPr>
@@ -1149,13 +1144,7 @@
       </p:sp>
       <p:sp>
         <p:nvSpPr>
-          <p:cNvPr id="5" name="Footer Placeholder 4">
-            <a:extLst>
-              <a:ext uri="{FF2B5EF4-FFF2-40B4-BE49-F238E27FC236}">
-                <a16:creationId xmlns:a16="http://schemas.microsoft.com/office/drawing/2014/main" id="{34EB3F63-6A86-1256-E288-85357D939221}"/>
-              </a:ext>
-            </a:extLst>
-          </p:cNvPr>
+          <p:cNvPr id="5" name="Footer Placeholder 4"/>
           <p:cNvSpPr>
             <a:spLocks noGrp="1"/>
           </p:cNvSpPr>
@@ -1174,13 +1163,7 @@
       </p:sp>
       <p:sp>
         <p:nvSpPr>
-          <p:cNvPr id="6" name="Slide Number Placeholder 5">
-            <a:extLst>
-              <a:ext uri="{FF2B5EF4-FFF2-40B4-BE49-F238E27FC236}">
-                <a16:creationId xmlns:a16="http://schemas.microsoft.com/office/drawing/2014/main" id="{5DB17687-C4E5-730E-6CC8-89D5277A4476}"/>
-              </a:ext>
-            </a:extLst>
-          </p:cNvPr>
+          <p:cNvPr id="6" name="Slide Number Placeholder 5"/>
           <p:cNvSpPr>
             <a:spLocks noGrp="1"/>
           </p:cNvSpPr>
@@ -1201,10 +1184,45 @@
           </a:p>
         </p:txBody>
       </p:sp>
+      <p:cxnSp>
+        <p:nvCxnSpPr>
+          <p:cNvPr id="7" name="Straight Connector 6"/>
+          <p:cNvCxnSpPr/>
+          <p:nvPr/>
+        </p:nvCxnSpPr>
+        <p:spPr>
+          <a:xfrm>
+            <a:off x="1981200" y="4020408"/>
+            <a:ext cx="8229601" cy="0"/>
+          </a:xfrm>
+          <a:prstGeom prst="line">
+            <a:avLst/>
+          </a:prstGeom>
+          <a:ln>
+            <a:solidFill>
+              <a:schemeClr val="accent1"/>
+            </a:solidFill>
+          </a:ln>
+        </p:spPr>
+        <p:style>
+          <a:lnRef idx="1">
+            <a:schemeClr val="accent1"/>
+          </a:lnRef>
+          <a:fillRef idx="0">
+            <a:schemeClr val="accent1"/>
+          </a:fillRef>
+          <a:effectRef idx="0">
+            <a:schemeClr val="accent1"/>
+          </a:effectRef>
+          <a:fontRef idx="minor">
+            <a:schemeClr val="tx1"/>
+          </a:fontRef>
+        </p:style>
+      </p:cxnSp>
     </p:spTree>
     <p:extLst>
       <p:ext uri="{BB962C8B-B14F-4D97-AF65-F5344CB8AC3E}">
-        <p14:creationId xmlns:p14="http://schemas.microsoft.com/office/powerpoint/2010/main" val="1722848414"/>
+        <p14:creationId xmlns:p14="http://schemas.microsoft.com/office/powerpoint/2010/main" val="4216472010"/>
       </p:ext>
     </p:extLst>
   </p:cSld>
@@ -1233,13 +1251,7 @@
       </p:grpSpPr>
       <p:sp>
         <p:nvSpPr>
-          <p:cNvPr id="2" name="Title 1">
-            <a:extLst>
-              <a:ext uri="{FF2B5EF4-FFF2-40B4-BE49-F238E27FC236}">
-                <a16:creationId xmlns:a16="http://schemas.microsoft.com/office/drawing/2014/main" id="{991AE878-2C43-B56B-625D-D2B8C8DD5085}"/>
-              </a:ext>
-            </a:extLst>
-          </p:cNvPr>
+          <p:cNvPr id="8" name="Title 7"/>
           <p:cNvSpPr>
             <a:spLocks noGrp="1"/>
           </p:cNvSpPr>
@@ -1256,18 +1268,13 @@
               <a:rPr lang="en-US"/>
               <a:t>Click to edit Master title style</a:t>
             </a:r>
-          </a:p>
-        </p:txBody>
-      </p:sp>
-      <p:sp>
-        <p:nvSpPr>
-          <p:cNvPr id="3" name="Content Placeholder 2">
-            <a:extLst>
-              <a:ext uri="{FF2B5EF4-FFF2-40B4-BE49-F238E27FC236}">
-                <a16:creationId xmlns:a16="http://schemas.microsoft.com/office/drawing/2014/main" id="{92A0CE18-FCE1-5722-F090-B023072494AE}"/>
-              </a:ext>
-            </a:extLst>
-          </p:cNvPr>
+            <a:endParaRPr lang="en-US" dirty="0"/>
+          </a:p>
+        </p:txBody>
+      </p:sp>
+      <p:sp>
+        <p:nvSpPr>
+          <p:cNvPr id="3" name="Content Placeholder 2"/>
           <p:cNvSpPr>
             <a:spLocks noGrp="1"/>
           </p:cNvSpPr>
@@ -1277,13 +1284,41 @@
         </p:nvSpPr>
         <p:spPr>
           <a:xfrm>
-            <a:off x="838200" y="1825625"/>
-            <a:ext cx="5181600" cy="4351338"/>
+            <a:off x="1143000" y="2057399"/>
+            <a:ext cx="4754880" cy="4023360"/>
           </a:xfrm>
         </p:spPr>
         <p:txBody>
           <a:bodyPr/>
-          <a:lstStyle/>
+          <a:lstStyle>
+            <a:lvl1pPr>
+              <a:defRPr sz="2200"/>
+            </a:lvl1pPr>
+            <a:lvl2pPr>
+              <a:defRPr sz="2000"/>
+            </a:lvl2pPr>
+            <a:lvl3pPr>
+              <a:defRPr sz="1800"/>
+            </a:lvl3pPr>
+            <a:lvl4pPr>
+              <a:defRPr sz="1600"/>
+            </a:lvl4pPr>
+            <a:lvl5pPr>
+              <a:defRPr sz="1600"/>
+            </a:lvl5pPr>
+            <a:lvl6pPr>
+              <a:defRPr sz="1600"/>
+            </a:lvl6pPr>
+            <a:lvl7pPr>
+              <a:defRPr sz="1600"/>
+            </a:lvl7pPr>
+            <a:lvl8pPr>
+              <a:defRPr sz="1600"/>
+            </a:lvl8pPr>
+            <a:lvl9pPr>
+              <a:defRPr sz="1600"/>
+            </a:lvl9pPr>
+          </a:lstStyle>
           <a:p>
             <a:pPr lvl="0"/>
             <a:r>
@@ -1318,18 +1353,13 @@
               <a:rPr lang="en-US"/>
               <a:t>Fifth level</a:t>
             </a:r>
-          </a:p>
-        </p:txBody>
-      </p:sp>
-      <p:sp>
-        <p:nvSpPr>
-          <p:cNvPr id="4" name="Content Placeholder 3">
-            <a:extLst>
-              <a:ext uri="{FF2B5EF4-FFF2-40B4-BE49-F238E27FC236}">
-                <a16:creationId xmlns:a16="http://schemas.microsoft.com/office/drawing/2014/main" id="{CCDDAA63-D6B3-CF2D-07A8-959E2EC1A033}"/>
-              </a:ext>
-            </a:extLst>
-          </p:cNvPr>
+            <a:endParaRPr lang="en-US" dirty="0"/>
+          </a:p>
+        </p:txBody>
+      </p:sp>
+      <p:sp>
+        <p:nvSpPr>
+          <p:cNvPr id="4" name="Content Placeholder 3"/>
           <p:cNvSpPr>
             <a:spLocks noGrp="1"/>
           </p:cNvSpPr>
@@ -1339,13 +1369,41 @@
         </p:nvSpPr>
         <p:spPr>
           <a:xfrm>
-            <a:off x="6172200" y="1825625"/>
-            <a:ext cx="5181600" cy="4351338"/>
+            <a:off x="6267612" y="2057400"/>
+            <a:ext cx="4754880" cy="4023360"/>
           </a:xfrm>
         </p:spPr>
         <p:txBody>
           <a:bodyPr/>
-          <a:lstStyle/>
+          <a:lstStyle>
+            <a:lvl1pPr>
+              <a:defRPr sz="2200"/>
+            </a:lvl1pPr>
+            <a:lvl2pPr>
+              <a:defRPr sz="2000"/>
+            </a:lvl2pPr>
+            <a:lvl3pPr>
+              <a:defRPr sz="1800"/>
+            </a:lvl3pPr>
+            <a:lvl4pPr>
+              <a:defRPr sz="1600"/>
+            </a:lvl4pPr>
+            <a:lvl5pPr>
+              <a:defRPr sz="1600"/>
+            </a:lvl5pPr>
+            <a:lvl6pPr>
+              <a:defRPr sz="1600"/>
+            </a:lvl6pPr>
+            <a:lvl7pPr>
+              <a:defRPr sz="1600"/>
+            </a:lvl7pPr>
+            <a:lvl8pPr>
+              <a:defRPr sz="1600"/>
+            </a:lvl8pPr>
+            <a:lvl9pPr>
+              <a:defRPr sz="1600"/>
+            </a:lvl9pPr>
+          </a:lstStyle>
           <a:p>
             <a:pPr lvl="0"/>
             <a:r>
@@ -1380,18 +1438,13 @@
               <a:rPr lang="en-US"/>
               <a:t>Fifth level</a:t>
             </a:r>
-          </a:p>
-        </p:txBody>
-      </p:sp>
-      <p:sp>
-        <p:nvSpPr>
-          <p:cNvPr id="5" name="Date Placeholder 4">
-            <a:extLst>
-              <a:ext uri="{FF2B5EF4-FFF2-40B4-BE49-F238E27FC236}">
-                <a16:creationId xmlns:a16="http://schemas.microsoft.com/office/drawing/2014/main" id="{ABF3CCE0-BB63-CD0B-F6C0-A48A896694A0}"/>
-              </a:ext>
-            </a:extLst>
-          </p:cNvPr>
+            <a:endParaRPr lang="en-US" dirty="0"/>
+          </a:p>
+        </p:txBody>
+      </p:sp>
+      <p:sp>
+        <p:nvSpPr>
+          <p:cNvPr id="5" name="Date Placeholder 4"/>
           <p:cNvSpPr>
             <a:spLocks noGrp="1"/>
           </p:cNvSpPr>
@@ -1414,13 +1467,7 @@
       </p:sp>
       <p:sp>
         <p:nvSpPr>
-          <p:cNvPr id="6" name="Footer Placeholder 5">
-            <a:extLst>
-              <a:ext uri="{FF2B5EF4-FFF2-40B4-BE49-F238E27FC236}">
-                <a16:creationId xmlns:a16="http://schemas.microsoft.com/office/drawing/2014/main" id="{CB47ED2C-EE4D-346D-C02F-003DAA1892B4}"/>
-              </a:ext>
-            </a:extLst>
-          </p:cNvPr>
+          <p:cNvPr id="6" name="Footer Placeholder 5"/>
           <p:cNvSpPr>
             <a:spLocks noGrp="1"/>
           </p:cNvSpPr>
@@ -1439,13 +1486,7 @@
       </p:sp>
       <p:sp>
         <p:nvSpPr>
-          <p:cNvPr id="7" name="Slide Number Placeholder 6">
-            <a:extLst>
-              <a:ext uri="{FF2B5EF4-FFF2-40B4-BE49-F238E27FC236}">
-                <a16:creationId xmlns:a16="http://schemas.microsoft.com/office/drawing/2014/main" id="{D8BAC240-32DE-5B1B-3482-21AB50E60568}"/>
-              </a:ext>
-            </a:extLst>
-          </p:cNvPr>
+          <p:cNvPr id="7" name="Slide Number Placeholder 6"/>
           <p:cNvSpPr>
             <a:spLocks noGrp="1"/>
           </p:cNvSpPr>
@@ -1469,7 +1510,7 @@
     </p:spTree>
     <p:extLst>
       <p:ext uri="{BB962C8B-B14F-4D97-AF65-F5344CB8AC3E}">
-        <p14:creationId xmlns:p14="http://schemas.microsoft.com/office/powerpoint/2010/main" val="3931603752"/>
+        <p14:creationId xmlns:p14="http://schemas.microsoft.com/office/powerpoint/2010/main" val="1822092676"/>
       </p:ext>
     </p:extLst>
   </p:cSld>
@@ -1498,63 +1539,50 @@
       </p:grpSpPr>
       <p:sp>
         <p:nvSpPr>
-          <p:cNvPr id="2" name="Title 1">
-            <a:extLst>
-              <a:ext uri="{FF2B5EF4-FFF2-40B4-BE49-F238E27FC236}">
-                <a16:creationId xmlns:a16="http://schemas.microsoft.com/office/drawing/2014/main" id="{D7BFDC70-A812-3A08-1E10-F5EDC378019D}"/>
-              </a:ext>
-            </a:extLst>
-          </p:cNvPr>
+          <p:cNvPr id="10" name="Title 9"/>
           <p:cNvSpPr>
             <a:spLocks noGrp="1"/>
           </p:cNvSpPr>
           <p:nvPr>
             <p:ph type="title"/>
+          </p:nvPr>
+        </p:nvSpPr>
+        <p:spPr/>
+        <p:txBody>
+          <a:bodyPr/>
+          <a:lstStyle/>
+          <a:p>
+            <a:r>
+              <a:rPr lang="en-US"/>
+              <a:t>Click to edit Master title style</a:t>
+            </a:r>
+            <a:endParaRPr lang="en-US" dirty="0"/>
+          </a:p>
+        </p:txBody>
+      </p:sp>
+      <p:sp>
+        <p:nvSpPr>
+          <p:cNvPr id="3" name="Text Placeholder 2"/>
+          <p:cNvSpPr>
+            <a:spLocks noGrp="1"/>
+          </p:cNvSpPr>
+          <p:nvPr>
+            <p:ph type="body" idx="1"/>
           </p:nvPr>
         </p:nvSpPr>
         <p:spPr>
           <a:xfrm>
-            <a:off x="839788" y="365125"/>
-            <a:ext cx="10515600" cy="1325563"/>
+            <a:off x="1143000" y="2001511"/>
+            <a:ext cx="4754880" cy="777240"/>
           </a:xfrm>
         </p:spPr>
         <p:txBody>
-          <a:bodyPr/>
-          <a:lstStyle/>
-          <a:p>
-            <a:r>
-              <a:rPr lang="en-US"/>
-              <a:t>Click to edit Master title style</a:t>
-            </a:r>
-          </a:p>
-        </p:txBody>
-      </p:sp>
-      <p:sp>
-        <p:nvSpPr>
-          <p:cNvPr id="3" name="Text Placeholder 2">
-            <a:extLst>
-              <a:ext uri="{FF2B5EF4-FFF2-40B4-BE49-F238E27FC236}">
-                <a16:creationId xmlns:a16="http://schemas.microsoft.com/office/drawing/2014/main" id="{983A9ADE-4288-F666-1ED0-16371DE1F22B}"/>
-              </a:ext>
-            </a:extLst>
-          </p:cNvPr>
-          <p:cNvSpPr>
-            <a:spLocks noGrp="1"/>
-          </p:cNvSpPr>
-          <p:nvPr>
-            <p:ph type="body" idx="1"/>
-          </p:nvPr>
-        </p:nvSpPr>
-        <p:spPr>
-          <a:xfrm>
-            <a:off x="839788" y="1681163"/>
-            <a:ext cx="5157787" cy="823912"/>
-          </a:xfrm>
-        </p:spPr>
-        <p:txBody>
-          <a:bodyPr anchor="b"/>
+          <a:bodyPr anchor="ctr"/>
           <a:lstStyle>
             <a:lvl1pPr marL="0" indent="0">
+              <a:spcBef>
+                <a:spcPts val="0"/>
+              </a:spcBef>
               <a:buNone/>
               <a:defRPr sz="2400" b="1"/>
             </a:lvl1pPr>
@@ -1602,13 +1630,7 @@
       </p:sp>
       <p:sp>
         <p:nvSpPr>
-          <p:cNvPr id="4" name="Content Placeholder 3">
-            <a:extLst>
-              <a:ext uri="{FF2B5EF4-FFF2-40B4-BE49-F238E27FC236}">
-                <a16:creationId xmlns:a16="http://schemas.microsoft.com/office/drawing/2014/main" id="{A4D6B245-4349-D5E0-E8E9-050702138065}"/>
-              </a:ext>
-            </a:extLst>
-          </p:cNvPr>
+          <p:cNvPr id="4" name="Content Placeholder 3"/>
           <p:cNvSpPr>
             <a:spLocks noGrp="1"/>
           </p:cNvSpPr>
@@ -1618,13 +1640,41 @@
         </p:nvSpPr>
         <p:spPr>
           <a:xfrm>
-            <a:off x="839788" y="2505075"/>
-            <a:ext cx="5157787" cy="3684588"/>
+            <a:off x="1143000" y="2721483"/>
+            <a:ext cx="4754880" cy="3383280"/>
           </a:xfrm>
         </p:spPr>
         <p:txBody>
           <a:bodyPr/>
-          <a:lstStyle/>
+          <a:lstStyle>
+            <a:lvl1pPr>
+              <a:defRPr sz="2200"/>
+            </a:lvl1pPr>
+            <a:lvl2pPr>
+              <a:defRPr sz="2000"/>
+            </a:lvl2pPr>
+            <a:lvl3pPr>
+              <a:defRPr sz="1800"/>
+            </a:lvl3pPr>
+            <a:lvl4pPr>
+              <a:defRPr sz="1600"/>
+            </a:lvl4pPr>
+            <a:lvl5pPr>
+              <a:defRPr sz="1600"/>
+            </a:lvl5pPr>
+            <a:lvl6pPr>
+              <a:defRPr sz="1600"/>
+            </a:lvl6pPr>
+            <a:lvl7pPr>
+              <a:defRPr sz="1600"/>
+            </a:lvl7pPr>
+            <a:lvl8pPr>
+              <a:defRPr sz="1600"/>
+            </a:lvl8pPr>
+            <a:lvl9pPr>
+              <a:defRPr sz="1600"/>
+            </a:lvl9pPr>
+          </a:lstStyle>
           <a:p>
             <a:pPr lvl="0"/>
             <a:r>
@@ -1659,18 +1709,13 @@
               <a:rPr lang="en-US"/>
               <a:t>Fifth level</a:t>
             </a:r>
-          </a:p>
-        </p:txBody>
-      </p:sp>
-      <p:sp>
-        <p:nvSpPr>
-          <p:cNvPr id="5" name="Text Placeholder 4">
-            <a:extLst>
-              <a:ext uri="{FF2B5EF4-FFF2-40B4-BE49-F238E27FC236}">
-                <a16:creationId xmlns:a16="http://schemas.microsoft.com/office/drawing/2014/main" id="{EB298097-2A5C-446D-F28E-07A34C69B967}"/>
-              </a:ext>
-            </a:extLst>
-          </p:cNvPr>
+            <a:endParaRPr lang="en-US" dirty="0"/>
+          </a:p>
+        </p:txBody>
+      </p:sp>
+      <p:sp>
+        <p:nvSpPr>
+          <p:cNvPr id="5" name="Text Placeholder 4"/>
           <p:cNvSpPr>
             <a:spLocks noGrp="1"/>
           </p:cNvSpPr>
@@ -1680,14 +1725,17 @@
         </p:nvSpPr>
         <p:spPr>
           <a:xfrm>
-            <a:off x="6172200" y="1681163"/>
-            <a:ext cx="5183188" cy="823912"/>
+            <a:off x="6269173" y="1999032"/>
+            <a:ext cx="4754880" cy="777240"/>
           </a:xfrm>
         </p:spPr>
         <p:txBody>
-          <a:bodyPr anchor="b"/>
+          <a:bodyPr anchor="ctr"/>
           <a:lstStyle>
             <a:lvl1pPr marL="0" indent="0">
+              <a:spcBef>
+                <a:spcPts val="0"/>
+              </a:spcBef>
               <a:buNone/>
               <a:defRPr sz="2400" b="1"/>
             </a:lvl1pPr>
@@ -1735,13 +1783,7 @@
       </p:sp>
       <p:sp>
         <p:nvSpPr>
-          <p:cNvPr id="6" name="Content Placeholder 5">
-            <a:extLst>
-              <a:ext uri="{FF2B5EF4-FFF2-40B4-BE49-F238E27FC236}">
-                <a16:creationId xmlns:a16="http://schemas.microsoft.com/office/drawing/2014/main" id="{352BE0F8-76D9-936E-8CCF-88BE9E3EBDB3}"/>
-              </a:ext>
-            </a:extLst>
-          </p:cNvPr>
+          <p:cNvPr id="6" name="Content Placeholder 5"/>
           <p:cNvSpPr>
             <a:spLocks noGrp="1"/>
           </p:cNvSpPr>
@@ -1751,13 +1793,41 @@
         </p:nvSpPr>
         <p:spPr>
           <a:xfrm>
-            <a:off x="6172200" y="2505075"/>
-            <a:ext cx="5183188" cy="3684588"/>
+            <a:off x="6269173" y="2719322"/>
+            <a:ext cx="4754880" cy="3383280"/>
           </a:xfrm>
         </p:spPr>
         <p:txBody>
           <a:bodyPr/>
-          <a:lstStyle/>
+          <a:lstStyle>
+            <a:lvl1pPr>
+              <a:defRPr sz="2200"/>
+            </a:lvl1pPr>
+            <a:lvl2pPr>
+              <a:defRPr sz="2000"/>
+            </a:lvl2pPr>
+            <a:lvl3pPr>
+              <a:defRPr sz="1800"/>
+            </a:lvl3pPr>
+            <a:lvl4pPr>
+              <a:defRPr sz="1600"/>
+            </a:lvl4pPr>
+            <a:lvl5pPr>
+              <a:defRPr sz="1600"/>
+            </a:lvl5pPr>
+            <a:lvl6pPr>
+              <a:defRPr sz="1600"/>
+            </a:lvl6pPr>
+            <a:lvl7pPr>
+              <a:defRPr sz="1600"/>
+            </a:lvl7pPr>
+            <a:lvl8pPr>
+              <a:defRPr sz="1600"/>
+            </a:lvl8pPr>
+            <a:lvl9pPr>
+              <a:defRPr sz="1600"/>
+            </a:lvl9pPr>
+          </a:lstStyle>
           <a:p>
             <a:pPr lvl="0"/>
             <a:r>
@@ -1792,18 +1862,13 @@
               <a:rPr lang="en-US"/>
               <a:t>Fifth level</a:t>
             </a:r>
-          </a:p>
-        </p:txBody>
-      </p:sp>
-      <p:sp>
-        <p:nvSpPr>
-          <p:cNvPr id="7" name="Date Placeholder 6">
-            <a:extLst>
-              <a:ext uri="{FF2B5EF4-FFF2-40B4-BE49-F238E27FC236}">
-                <a16:creationId xmlns:a16="http://schemas.microsoft.com/office/drawing/2014/main" id="{6EC6EA68-B807-27BD-D5CD-3759E13A69A2}"/>
-              </a:ext>
-            </a:extLst>
-          </p:cNvPr>
+            <a:endParaRPr lang="en-US" dirty="0"/>
+          </a:p>
+        </p:txBody>
+      </p:sp>
+      <p:sp>
+        <p:nvSpPr>
+          <p:cNvPr id="7" name="Date Placeholder 6"/>
           <p:cNvSpPr>
             <a:spLocks noGrp="1"/>
           </p:cNvSpPr>
@@ -1826,13 +1891,7 @@
       </p:sp>
       <p:sp>
         <p:nvSpPr>
-          <p:cNvPr id="8" name="Footer Placeholder 7">
-            <a:extLst>
-              <a:ext uri="{FF2B5EF4-FFF2-40B4-BE49-F238E27FC236}">
-                <a16:creationId xmlns:a16="http://schemas.microsoft.com/office/drawing/2014/main" id="{FB03AA06-E233-FE91-2046-CCF2652573C1}"/>
-              </a:ext>
-            </a:extLst>
-          </p:cNvPr>
+          <p:cNvPr id="8" name="Footer Placeholder 7"/>
           <p:cNvSpPr>
             <a:spLocks noGrp="1"/>
           </p:cNvSpPr>
@@ -1851,13 +1910,7 @@
       </p:sp>
       <p:sp>
         <p:nvSpPr>
-          <p:cNvPr id="9" name="Slide Number Placeholder 8">
-            <a:extLst>
-              <a:ext uri="{FF2B5EF4-FFF2-40B4-BE49-F238E27FC236}">
-                <a16:creationId xmlns:a16="http://schemas.microsoft.com/office/drawing/2014/main" id="{A222634E-22BE-B0DC-2506-CD97C3A43A0F}"/>
-              </a:ext>
-            </a:extLst>
-          </p:cNvPr>
+          <p:cNvPr id="9" name="Slide Number Placeholder 8"/>
           <p:cNvSpPr>
             <a:spLocks noGrp="1"/>
           </p:cNvSpPr>
@@ -1881,7 +1934,7 @@
     </p:spTree>
     <p:extLst>
       <p:ext uri="{BB962C8B-B14F-4D97-AF65-F5344CB8AC3E}">
-        <p14:creationId xmlns:p14="http://schemas.microsoft.com/office/powerpoint/2010/main" val="3619876514"/>
+        <p14:creationId xmlns:p14="http://schemas.microsoft.com/office/powerpoint/2010/main" val="924770434"/>
       </p:ext>
     </p:extLst>
   </p:cSld>
@@ -1910,13 +1963,7 @@
       </p:grpSpPr>
       <p:sp>
         <p:nvSpPr>
-          <p:cNvPr id="2" name="Title 1">
-            <a:extLst>
-              <a:ext uri="{FF2B5EF4-FFF2-40B4-BE49-F238E27FC236}">
-                <a16:creationId xmlns:a16="http://schemas.microsoft.com/office/drawing/2014/main" id="{4EE28FC0-B2BF-FBCE-9C66-FD8B63E81D63}"/>
-              </a:ext>
-            </a:extLst>
-          </p:cNvPr>
+          <p:cNvPr id="2" name="Title 1"/>
           <p:cNvSpPr>
             <a:spLocks noGrp="1"/>
           </p:cNvSpPr>
@@ -1933,18 +1980,13 @@
               <a:rPr lang="en-US"/>
               <a:t>Click to edit Master title style</a:t>
             </a:r>
-          </a:p>
-        </p:txBody>
-      </p:sp>
-      <p:sp>
-        <p:nvSpPr>
-          <p:cNvPr id="3" name="Date Placeholder 2">
-            <a:extLst>
-              <a:ext uri="{FF2B5EF4-FFF2-40B4-BE49-F238E27FC236}">
-                <a16:creationId xmlns:a16="http://schemas.microsoft.com/office/drawing/2014/main" id="{6E9B4E2B-D23F-0526-D7FD-BCE3EDA2B239}"/>
-              </a:ext>
-            </a:extLst>
-          </p:cNvPr>
+            <a:endParaRPr lang="en-US" dirty="0"/>
+          </a:p>
+        </p:txBody>
+      </p:sp>
+      <p:sp>
+        <p:nvSpPr>
+          <p:cNvPr id="3" name="Date Placeholder 2"/>
           <p:cNvSpPr>
             <a:spLocks noGrp="1"/>
           </p:cNvSpPr>
@@ -1967,13 +2009,7 @@
       </p:sp>
       <p:sp>
         <p:nvSpPr>
-          <p:cNvPr id="4" name="Footer Placeholder 3">
-            <a:extLst>
-              <a:ext uri="{FF2B5EF4-FFF2-40B4-BE49-F238E27FC236}">
-                <a16:creationId xmlns:a16="http://schemas.microsoft.com/office/drawing/2014/main" id="{0366AC2A-22A2-146A-BEC3-418B96F444B5}"/>
-              </a:ext>
-            </a:extLst>
-          </p:cNvPr>
+          <p:cNvPr id="4" name="Footer Placeholder 3"/>
           <p:cNvSpPr>
             <a:spLocks noGrp="1"/>
           </p:cNvSpPr>
@@ -1992,13 +2028,7 @@
       </p:sp>
       <p:sp>
         <p:nvSpPr>
-          <p:cNvPr id="5" name="Slide Number Placeholder 4">
-            <a:extLst>
-              <a:ext uri="{FF2B5EF4-FFF2-40B4-BE49-F238E27FC236}">
-                <a16:creationId xmlns:a16="http://schemas.microsoft.com/office/drawing/2014/main" id="{621629B9-B81B-284A-C11C-4948A80A890C}"/>
-              </a:ext>
-            </a:extLst>
-          </p:cNvPr>
+          <p:cNvPr id="5" name="Slide Number Placeholder 4"/>
           <p:cNvSpPr>
             <a:spLocks noGrp="1"/>
           </p:cNvSpPr>
@@ -2022,7 +2052,7 @@
     </p:spTree>
     <p:extLst>
       <p:ext uri="{BB962C8B-B14F-4D97-AF65-F5344CB8AC3E}">
-        <p14:creationId xmlns:p14="http://schemas.microsoft.com/office/powerpoint/2010/main" val="666476745"/>
+        <p14:creationId xmlns:p14="http://schemas.microsoft.com/office/powerpoint/2010/main" val="3490309829"/>
       </p:ext>
     </p:extLst>
   </p:cSld>
@@ -2051,13 +2081,7 @@
       </p:grpSpPr>
       <p:sp>
         <p:nvSpPr>
-          <p:cNvPr id="2" name="Date Placeholder 1">
-            <a:extLst>
-              <a:ext uri="{FF2B5EF4-FFF2-40B4-BE49-F238E27FC236}">
-                <a16:creationId xmlns:a16="http://schemas.microsoft.com/office/drawing/2014/main" id="{0F08707D-92CE-D1D5-2077-3A7E1528D7E6}"/>
-              </a:ext>
-            </a:extLst>
-          </p:cNvPr>
+          <p:cNvPr id="2" name="Date Placeholder 1"/>
           <p:cNvSpPr>
             <a:spLocks noGrp="1"/>
           </p:cNvSpPr>
@@ -2080,13 +2104,7 @@
       </p:sp>
       <p:sp>
         <p:nvSpPr>
-          <p:cNvPr id="3" name="Footer Placeholder 2">
-            <a:extLst>
-              <a:ext uri="{FF2B5EF4-FFF2-40B4-BE49-F238E27FC236}">
-                <a16:creationId xmlns:a16="http://schemas.microsoft.com/office/drawing/2014/main" id="{9E863C92-3D1A-1734-5274-DD7D65E224A5}"/>
-              </a:ext>
-            </a:extLst>
-          </p:cNvPr>
+          <p:cNvPr id="3" name="Footer Placeholder 2"/>
           <p:cNvSpPr>
             <a:spLocks noGrp="1"/>
           </p:cNvSpPr>
@@ -2105,13 +2123,7 @@
       </p:sp>
       <p:sp>
         <p:nvSpPr>
-          <p:cNvPr id="4" name="Slide Number Placeholder 3">
-            <a:extLst>
-              <a:ext uri="{FF2B5EF4-FFF2-40B4-BE49-F238E27FC236}">
-                <a16:creationId xmlns:a16="http://schemas.microsoft.com/office/drawing/2014/main" id="{CF1593C5-0F84-A7A2-B380-71A1FD96E016}"/>
-              </a:ext>
-            </a:extLst>
-          </p:cNvPr>
+          <p:cNvPr id="4" name="Slide Number Placeholder 3"/>
           <p:cNvSpPr>
             <a:spLocks noGrp="1"/>
           </p:cNvSpPr>
@@ -2135,7 +2147,7 @@
     </p:spTree>
     <p:extLst>
       <p:ext uri="{BB962C8B-B14F-4D97-AF65-F5344CB8AC3E}">
-        <p14:creationId xmlns:p14="http://schemas.microsoft.com/office/powerpoint/2010/main" val="3056728735"/>
+        <p14:creationId xmlns:p14="http://schemas.microsoft.com/office/powerpoint/2010/main" val="3172678930"/>
       </p:ext>
     </p:extLst>
   </p:cSld>
@@ -2164,13 +2176,7 @@
       </p:grpSpPr>
       <p:sp>
         <p:nvSpPr>
-          <p:cNvPr id="2" name="Title 1">
-            <a:extLst>
-              <a:ext uri="{FF2B5EF4-FFF2-40B4-BE49-F238E27FC236}">
-                <a16:creationId xmlns:a16="http://schemas.microsoft.com/office/drawing/2014/main" id="{325D4156-F922-E1CC-21AB-982CA37CF17C}"/>
-              </a:ext>
-            </a:extLst>
-          </p:cNvPr>
+          <p:cNvPr id="2" name="Title 1"/>
           <p:cNvSpPr>
             <a:spLocks noGrp="1"/>
           </p:cNvSpPr>
@@ -2180,15 +2186,20 @@
         </p:nvSpPr>
         <p:spPr>
           <a:xfrm>
-            <a:off x="839788" y="457200"/>
-            <a:ext cx="3932237" cy="1600200"/>
+            <a:off x="1143000" y="1097280"/>
+            <a:ext cx="3931920" cy="1737360"/>
           </a:xfrm>
         </p:spPr>
         <p:txBody>
-          <a:bodyPr anchor="b"/>
+          <a:bodyPr anchor="b">
+            <a:noAutofit/>
+          </a:bodyPr>
           <a:lstStyle>
             <a:lvl1pPr>
-              <a:defRPr sz="3200"/>
+              <a:lnSpc>
+                <a:spcPct val="90000"/>
+              </a:lnSpc>
+              <a:defRPr sz="4000" b="0"/>
             </a:lvl1pPr>
           </a:lstStyle>
           <a:p>
@@ -2196,18 +2207,13 @@
               <a:rPr lang="en-US"/>
               <a:t>Click to edit Master title style</a:t>
             </a:r>
-          </a:p>
-        </p:txBody>
-      </p:sp>
-      <p:sp>
-        <p:nvSpPr>
-          <p:cNvPr id="3" name="Content Placeholder 2">
-            <a:extLst>
-              <a:ext uri="{FF2B5EF4-FFF2-40B4-BE49-F238E27FC236}">
-                <a16:creationId xmlns:a16="http://schemas.microsoft.com/office/drawing/2014/main" id="{FB1CE762-E3D0-C9D2-2374-55E29DCD8D9C}"/>
-              </a:ext>
-            </a:extLst>
-          </p:cNvPr>
+            <a:endParaRPr lang="en-US" dirty="0"/>
+          </a:p>
+        </p:txBody>
+      </p:sp>
+      <p:sp>
+        <p:nvSpPr>
+          <p:cNvPr id="3" name="Content Placeholder 2"/>
           <p:cNvSpPr>
             <a:spLocks noGrp="1"/>
           </p:cNvSpPr>
@@ -2217,8 +2223,8 @@
         </p:nvSpPr>
         <p:spPr>
           <a:xfrm>
-            <a:off x="5183188" y="987425"/>
-            <a:ext cx="6172200" cy="4873625"/>
+            <a:off x="5852159" y="1097280"/>
+            <a:ext cx="5212080" cy="4663440"/>
           </a:xfrm>
         </p:spPr>
         <p:txBody>
@@ -2286,18 +2292,13 @@
               <a:rPr lang="en-US"/>
               <a:t>Fifth level</a:t>
             </a:r>
-          </a:p>
-        </p:txBody>
-      </p:sp>
-      <p:sp>
-        <p:nvSpPr>
-          <p:cNvPr id="4" name="Text Placeholder 3">
-            <a:extLst>
-              <a:ext uri="{FF2B5EF4-FFF2-40B4-BE49-F238E27FC236}">
-                <a16:creationId xmlns:a16="http://schemas.microsoft.com/office/drawing/2014/main" id="{2538334B-CDC2-5065-CE8A-B3D20D3051E7}"/>
-              </a:ext>
-            </a:extLst>
-          </p:cNvPr>
+            <a:endParaRPr lang="en-US" dirty="0"/>
+          </a:p>
+        </p:txBody>
+      </p:sp>
+      <p:sp>
+        <p:nvSpPr>
+          <p:cNvPr id="4" name="Text Placeholder 3"/>
           <p:cNvSpPr>
             <a:spLocks noGrp="1"/>
           </p:cNvSpPr>
@@ -2307,48 +2308,56 @@
         </p:nvSpPr>
         <p:spPr>
           <a:xfrm>
-            <a:off x="839788" y="2057400"/>
-            <a:ext cx="3932237" cy="3811588"/>
+            <a:off x="1143000" y="2834640"/>
+            <a:ext cx="3931920" cy="3017520"/>
           </a:xfrm>
         </p:spPr>
         <p:txBody>
-          <a:bodyPr/>
+          <a:bodyPr>
+            <a:normAutofit/>
+          </a:bodyPr>
           <a:lstStyle>
             <a:lvl1pPr marL="0" indent="0">
-              <a:buNone/>
-              <a:defRPr sz="1600"/>
+              <a:lnSpc>
+                <a:spcPct val="100000"/>
+              </a:lnSpc>
+              <a:spcBef>
+                <a:spcPts val="1000"/>
+              </a:spcBef>
+              <a:buNone/>
+              <a:defRPr sz="1700"/>
             </a:lvl1pPr>
             <a:lvl2pPr marL="457200" indent="0">
               <a:buNone/>
-              <a:defRPr sz="1400"/>
+              <a:defRPr sz="1200"/>
             </a:lvl2pPr>
             <a:lvl3pPr marL="914400" indent="0">
               <a:buNone/>
-              <a:defRPr sz="1200"/>
+              <a:defRPr sz="1000"/>
             </a:lvl3pPr>
             <a:lvl4pPr marL="1371600" indent="0">
               <a:buNone/>
-              <a:defRPr sz="1000"/>
+              <a:defRPr sz="900"/>
             </a:lvl4pPr>
             <a:lvl5pPr marL="1828800" indent="0">
               <a:buNone/>
-              <a:defRPr sz="1000"/>
+              <a:defRPr sz="900"/>
             </a:lvl5pPr>
             <a:lvl6pPr marL="2286000" indent="0">
               <a:buNone/>
-              <a:defRPr sz="1000"/>
+              <a:defRPr sz="900"/>
             </a:lvl6pPr>
             <a:lvl7pPr marL="2743200" indent="0">
               <a:buNone/>
-              <a:defRPr sz="1000"/>
+              <a:defRPr sz="900"/>
             </a:lvl7pPr>
             <a:lvl8pPr marL="3200400" indent="0">
               <a:buNone/>
-              <a:defRPr sz="1000"/>
+              <a:defRPr sz="900"/>
             </a:lvl8pPr>
             <a:lvl9pPr marL="3657600" indent="0">
               <a:buNone/>
-              <a:defRPr sz="1000"/>
+              <a:defRPr sz="900"/>
             </a:lvl9pPr>
           </a:lstStyle>
           <a:p>
@@ -2362,13 +2371,7 @@
       </p:sp>
       <p:sp>
         <p:nvSpPr>
-          <p:cNvPr id="5" name="Date Placeholder 4">
-            <a:extLst>
-              <a:ext uri="{FF2B5EF4-FFF2-40B4-BE49-F238E27FC236}">
-                <a16:creationId xmlns:a16="http://schemas.microsoft.com/office/drawing/2014/main" id="{58458508-777B-3BF8-8998-5FE59AB1EF98}"/>
-              </a:ext>
-            </a:extLst>
-          </p:cNvPr>
+          <p:cNvPr id="5" name="Date Placeholder 4"/>
           <p:cNvSpPr>
             <a:spLocks noGrp="1"/>
           </p:cNvSpPr>
@@ -2391,13 +2394,7 @@
       </p:sp>
       <p:sp>
         <p:nvSpPr>
-          <p:cNvPr id="6" name="Footer Placeholder 5">
-            <a:extLst>
-              <a:ext uri="{FF2B5EF4-FFF2-40B4-BE49-F238E27FC236}">
-                <a16:creationId xmlns:a16="http://schemas.microsoft.com/office/drawing/2014/main" id="{700CBAF4-4839-1A8C-7C19-B72057FFAF84}"/>
-              </a:ext>
-            </a:extLst>
-          </p:cNvPr>
+          <p:cNvPr id="6" name="Footer Placeholder 5"/>
           <p:cNvSpPr>
             <a:spLocks noGrp="1"/>
           </p:cNvSpPr>
@@ -2416,13 +2413,7 @@
       </p:sp>
       <p:sp>
         <p:nvSpPr>
-          <p:cNvPr id="7" name="Slide Number Placeholder 6">
-            <a:extLst>
-              <a:ext uri="{FF2B5EF4-FFF2-40B4-BE49-F238E27FC236}">
-                <a16:creationId xmlns:a16="http://schemas.microsoft.com/office/drawing/2014/main" id="{0A7D8FB4-4C8D-186F-1AE3-D454EA360B6F}"/>
-              </a:ext>
-            </a:extLst>
-          </p:cNvPr>
+          <p:cNvPr id="7" name="Slide Number Placeholder 6"/>
           <p:cNvSpPr>
             <a:spLocks noGrp="1"/>
           </p:cNvSpPr>
@@ -2446,7 +2437,7 @@
     </p:spTree>
     <p:extLst>
       <p:ext uri="{BB962C8B-B14F-4D97-AF65-F5344CB8AC3E}">
-        <p14:creationId xmlns:p14="http://schemas.microsoft.com/office/powerpoint/2010/main" val="3592707532"/>
+        <p14:creationId xmlns:p14="http://schemas.microsoft.com/office/powerpoint/2010/main" val="685303021"/>
       </p:ext>
     </p:extLst>
   </p:cSld>
@@ -2475,13 +2466,7 @@
       </p:grpSpPr>
       <p:sp>
         <p:nvSpPr>
-          <p:cNvPr id="2" name="Title 1">
-            <a:extLst>
-              <a:ext uri="{FF2B5EF4-FFF2-40B4-BE49-F238E27FC236}">
-                <a16:creationId xmlns:a16="http://schemas.microsoft.com/office/drawing/2014/main" id="{A83C6AEE-6CDC-F431-30FD-379CB0545696}"/>
-              </a:ext>
-            </a:extLst>
-          </p:cNvPr>
+          <p:cNvPr id="2" name="Title 1"/>
           <p:cNvSpPr>
             <a:spLocks noGrp="1"/>
           </p:cNvSpPr>
@@ -2491,15 +2476,20 @@
         </p:nvSpPr>
         <p:spPr>
           <a:xfrm>
-            <a:off x="839788" y="457200"/>
-            <a:ext cx="3932237" cy="1600200"/>
+            <a:off x="1143000" y="1097280"/>
+            <a:ext cx="3931920" cy="1737360"/>
           </a:xfrm>
         </p:spPr>
         <p:txBody>
-          <a:bodyPr anchor="b"/>
+          <a:bodyPr anchor="b">
+            <a:noAutofit/>
+          </a:bodyPr>
           <a:lstStyle>
             <a:lvl1pPr>
-              <a:defRPr sz="3200"/>
+              <a:lnSpc>
+                <a:spcPct val="90000"/>
+              </a:lnSpc>
+              <a:defRPr sz="4000" b="0"/>
             </a:lvl1pPr>
           </a:lstStyle>
           <a:p>
@@ -2507,20 +2497,15 @@
               <a:rPr lang="en-US"/>
               <a:t>Click to edit Master title style</a:t>
             </a:r>
-          </a:p>
-        </p:txBody>
-      </p:sp>
-      <p:sp>
-        <p:nvSpPr>
-          <p:cNvPr id="3" name="Picture Placeholder 2">
-            <a:extLst>
-              <a:ext uri="{FF2B5EF4-FFF2-40B4-BE49-F238E27FC236}">
-                <a16:creationId xmlns:a16="http://schemas.microsoft.com/office/drawing/2014/main" id="{1F068002-7405-7DB1-2860-28B9380B9097}"/>
-              </a:ext>
-            </a:extLst>
-          </p:cNvPr>
-          <p:cNvSpPr>
-            <a:spLocks noGrp="1"/>
+            <a:endParaRPr lang="en-US" dirty="0"/>
+          </a:p>
+        </p:txBody>
+      </p:sp>
+      <p:sp>
+        <p:nvSpPr>
+          <p:cNvPr id="3" name="Picture Placeholder 2"/>
+          <p:cNvSpPr>
+            <a:spLocks noGrp="1" noChangeAspect="1"/>
           </p:cNvSpPr>
           <p:nvPr>
             <p:ph type="pic" idx="1"/>
@@ -2528,16 +2513,18 @@
         </p:nvSpPr>
         <p:spPr>
           <a:xfrm>
-            <a:off x="5183188" y="987425"/>
-            <a:ext cx="6172200" cy="4873625"/>
+            <a:off x="5413248" y="1069847"/>
+            <a:ext cx="6099048" cy="4800600"/>
           </a:xfrm>
         </p:spPr>
         <p:txBody>
-          <a:bodyPr/>
+          <a:bodyPr lIns="274320" tIns="182880" anchor="t">
+            <a:normAutofit/>
+          </a:bodyPr>
           <a:lstStyle>
             <a:lvl1pPr marL="0" indent="0">
               <a:buNone/>
-              <a:defRPr sz="3200"/>
+              <a:defRPr sz="2800"/>
             </a:lvl1pPr>
             <a:lvl2pPr marL="457200" indent="0">
               <a:buNone/>
@@ -2573,19 +2560,17 @@
             </a:lvl9pPr>
           </a:lstStyle>
           <a:p>
-            <a:endParaRPr lang="en-US"/>
-          </a:p>
-        </p:txBody>
-      </p:sp>
-      <p:sp>
-        <p:nvSpPr>
-          <p:cNvPr id="4" name="Text Placeholder 3">
-            <a:extLst>
-              <a:ext uri="{FF2B5EF4-FFF2-40B4-BE49-F238E27FC236}">
-                <a16:creationId xmlns:a16="http://schemas.microsoft.com/office/drawing/2014/main" id="{D197A143-E248-6A55-EA28-AC334BA7B3CA}"/>
-              </a:ext>
-            </a:extLst>
-          </p:cNvPr>
+            <a:r>
+              <a:rPr lang="en-US"/>
+              <a:t>Click icon to add picture</a:t>
+            </a:r>
+            <a:endParaRPr lang="en-US" dirty="0"/>
+          </a:p>
+        </p:txBody>
+      </p:sp>
+      <p:sp>
+        <p:nvSpPr>
+          <p:cNvPr id="4" name="Text Placeholder 3"/>
           <p:cNvSpPr>
             <a:spLocks noGrp="1"/>
           </p:cNvSpPr>
@@ -2595,48 +2580,56 @@
         </p:nvSpPr>
         <p:spPr>
           <a:xfrm>
-            <a:off x="839788" y="2057400"/>
-            <a:ext cx="3932237" cy="3811588"/>
+            <a:off x="1143000" y="2834640"/>
+            <a:ext cx="3931920" cy="2880360"/>
           </a:xfrm>
         </p:spPr>
         <p:txBody>
-          <a:bodyPr/>
+          <a:bodyPr>
+            <a:normAutofit/>
+          </a:bodyPr>
           <a:lstStyle>
             <a:lvl1pPr marL="0" indent="0">
-              <a:buNone/>
-              <a:defRPr sz="1600"/>
+              <a:lnSpc>
+                <a:spcPct val="100000"/>
+              </a:lnSpc>
+              <a:spcBef>
+                <a:spcPts val="1000"/>
+              </a:spcBef>
+              <a:buNone/>
+              <a:defRPr sz="1700"/>
             </a:lvl1pPr>
             <a:lvl2pPr marL="457200" indent="0">
               <a:buNone/>
-              <a:defRPr sz="1400"/>
+              <a:defRPr sz="1200"/>
             </a:lvl2pPr>
             <a:lvl3pPr marL="914400" indent="0">
               <a:buNone/>
-              <a:defRPr sz="1200"/>
+              <a:defRPr sz="1000"/>
             </a:lvl3pPr>
             <a:lvl4pPr marL="1371600" indent="0">
               <a:buNone/>
-              <a:defRPr sz="1000"/>
+              <a:defRPr sz="900"/>
             </a:lvl4pPr>
             <a:lvl5pPr marL="1828800" indent="0">
               <a:buNone/>
-              <a:defRPr sz="1000"/>
+              <a:defRPr sz="900"/>
             </a:lvl5pPr>
             <a:lvl6pPr marL="2286000" indent="0">
               <a:buNone/>
-              <a:defRPr sz="1000"/>
+              <a:defRPr sz="900"/>
             </a:lvl6pPr>
             <a:lvl7pPr marL="2743200" indent="0">
               <a:buNone/>
-              <a:defRPr sz="1000"/>
+              <a:defRPr sz="900"/>
             </a:lvl7pPr>
             <a:lvl8pPr marL="3200400" indent="0">
               <a:buNone/>
-              <a:defRPr sz="1000"/>
+              <a:defRPr sz="900"/>
             </a:lvl8pPr>
             <a:lvl9pPr marL="3657600" indent="0">
               <a:buNone/>
-              <a:defRPr sz="1000"/>
+              <a:defRPr sz="900"/>
             </a:lvl9pPr>
           </a:lstStyle>
           <a:p>
@@ -2650,13 +2643,7 @@
       </p:sp>
       <p:sp>
         <p:nvSpPr>
-          <p:cNvPr id="5" name="Date Placeholder 4">
-            <a:extLst>
-              <a:ext uri="{FF2B5EF4-FFF2-40B4-BE49-F238E27FC236}">
-                <a16:creationId xmlns:a16="http://schemas.microsoft.com/office/drawing/2014/main" id="{79074BFB-E32E-657B-81B8-167F16082566}"/>
-              </a:ext>
-            </a:extLst>
-          </p:cNvPr>
+          <p:cNvPr id="5" name="Date Placeholder 4"/>
           <p:cNvSpPr>
             <a:spLocks noGrp="1"/>
           </p:cNvSpPr>
@@ -2679,13 +2666,7 @@
       </p:sp>
       <p:sp>
         <p:nvSpPr>
-          <p:cNvPr id="6" name="Footer Placeholder 5">
-            <a:extLst>
-              <a:ext uri="{FF2B5EF4-FFF2-40B4-BE49-F238E27FC236}">
-                <a16:creationId xmlns:a16="http://schemas.microsoft.com/office/drawing/2014/main" id="{ABB73319-4C4A-B5FF-9526-738D69E6A3E9}"/>
-              </a:ext>
-            </a:extLst>
-          </p:cNvPr>
+          <p:cNvPr id="6" name="Footer Placeholder 5"/>
           <p:cNvSpPr>
             <a:spLocks noGrp="1"/>
           </p:cNvSpPr>
@@ -2704,13 +2685,7 @@
       </p:sp>
       <p:sp>
         <p:nvSpPr>
-          <p:cNvPr id="7" name="Slide Number Placeholder 6">
-            <a:extLst>
-              <a:ext uri="{FF2B5EF4-FFF2-40B4-BE49-F238E27FC236}">
-                <a16:creationId xmlns:a16="http://schemas.microsoft.com/office/drawing/2014/main" id="{F13E319A-F2BF-6AAB-6CE2-04B15CA9EC5C}"/>
-              </a:ext>
-            </a:extLst>
-          </p:cNvPr>
+          <p:cNvPr id="7" name="Slide Number Placeholder 6"/>
           <p:cNvSpPr>
             <a:spLocks noGrp="1"/>
           </p:cNvSpPr>
@@ -2734,7 +2709,7 @@
     </p:spTree>
     <p:extLst>
       <p:ext uri="{BB962C8B-B14F-4D97-AF65-F5344CB8AC3E}">
-        <p14:creationId xmlns:p14="http://schemas.microsoft.com/office/powerpoint/2010/main" val="2663744810"/>
+        <p14:creationId xmlns:p14="http://schemas.microsoft.com/office/powerpoint/2010/main" val="840726966"/>
       </p:ext>
     </p:extLst>
   </p:cSld>
@@ -2748,9 +2723,12 @@
 <p:sldMaster xmlns:a="http://schemas.openxmlformats.org/drawingml/2006/main" xmlns:r="http://schemas.openxmlformats.org/officeDocument/2006/relationships" xmlns:p="http://schemas.openxmlformats.org/presentationml/2006/main">
   <p:cSld>
     <p:bg>
-      <p:bgRef idx="1001">
-        <a:schemeClr val="bg1"/>
-      </p:bgRef>
+      <p:bgPr>
+        <a:solidFill>
+          <a:schemeClr val="accent1"/>
+        </a:solidFill>
+        <a:effectLst/>
+      </p:bgPr>
     </p:bg>
     <p:spTree>
       <p:nvGrpSpPr>
@@ -2768,24 +2746,58 @@
       </p:grpSpPr>
       <p:sp>
         <p:nvSpPr>
-          <p:cNvPr id="2" name="Title Placeholder 1">
-            <a:extLst>
-              <a:ext uri="{FF2B5EF4-FFF2-40B4-BE49-F238E27FC236}">
-                <a16:creationId xmlns:a16="http://schemas.microsoft.com/office/drawing/2014/main" id="{7D836643-81AB-3BCB-FFFD-76BD9D5DC13E}"/>
-              </a:ext>
-            </a:extLst>
-          </p:cNvPr>
-          <p:cNvSpPr>
-            <a:spLocks noGrp="1"/>
-          </p:cNvSpPr>
-          <p:nvPr>
-            <p:ph type="title"/>
-          </p:nvPr>
+          <p:cNvPr id="7" name="Rectangle 6"/>
+          <p:cNvSpPr>
+            <a:spLocks noChangeAspect="1"/>
+          </p:cNvSpPr>
+          <p:nvPr/>
         </p:nvSpPr>
         <p:spPr>
           <a:xfrm>
-            <a:off x="838200" y="365125"/>
-            <a:ext cx="10515600" cy="1325563"/>
+            <a:off x="231140" y="243840"/>
+            <a:ext cx="11724640" cy="6377939"/>
+          </a:xfrm>
+          <a:prstGeom prst="rect">
+            <a:avLst/>
+          </a:prstGeom>
+          <a:solidFill>
+            <a:schemeClr val="bg1"/>
+          </a:solidFill>
+          <a:ln w="12700">
+            <a:noFill/>
+          </a:ln>
+        </p:spPr>
+        <p:style>
+          <a:lnRef idx="2">
+            <a:schemeClr val="accent1">
+              <a:shade val="50000"/>
+            </a:schemeClr>
+          </a:lnRef>
+          <a:fillRef idx="1">
+            <a:schemeClr val="accent1"/>
+          </a:fillRef>
+          <a:effectRef idx="0">
+            <a:schemeClr val="accent1"/>
+          </a:effectRef>
+          <a:fontRef idx="minor">
+            <a:schemeClr val="lt1"/>
+          </a:fontRef>
+        </p:style>
+      </p:sp>
+      <p:sp>
+        <p:nvSpPr>
+          <p:cNvPr id="2" name="Title Placeholder 1"/>
+          <p:cNvSpPr>
+            <a:spLocks noGrp="1"/>
+          </p:cNvSpPr>
+          <p:nvPr>
+            <p:ph type="title"/>
+          </p:nvPr>
+        </p:nvSpPr>
+        <p:spPr>
+          <a:xfrm>
+            <a:off x="1143000" y="609600"/>
+            <a:ext cx="9875520" cy="1356360"/>
           </a:xfrm>
           <a:prstGeom prst="rect">
             <a:avLst/>
@@ -2801,18 +2813,13 @@
               <a:rPr lang="en-US"/>
               <a:t>Click to edit Master title style</a:t>
             </a:r>
-          </a:p>
-        </p:txBody>
-      </p:sp>
-      <p:sp>
-        <p:nvSpPr>
-          <p:cNvPr id="3" name="Text Placeholder 2">
-            <a:extLst>
-              <a:ext uri="{FF2B5EF4-FFF2-40B4-BE49-F238E27FC236}">
-                <a16:creationId xmlns:a16="http://schemas.microsoft.com/office/drawing/2014/main" id="{92C59A80-A06F-1BA2-715D-03EEC396D4E5}"/>
-              </a:ext>
-            </a:extLst>
-          </p:cNvPr>
+            <a:endParaRPr lang="en-US" dirty="0"/>
+          </a:p>
+        </p:txBody>
+      </p:sp>
+      <p:sp>
+        <p:nvSpPr>
+          <p:cNvPr id="3" name="Text Placeholder 2"/>
           <p:cNvSpPr>
             <a:spLocks noGrp="1"/>
           </p:cNvSpPr>
@@ -2822,8 +2829,8 @@
         </p:nvSpPr>
         <p:spPr>
           <a:xfrm>
-            <a:off x="838200" y="1825625"/>
-            <a:ext cx="10515600" cy="4351338"/>
+            <a:off x="1143000" y="2057400"/>
+            <a:ext cx="9872871" cy="4038600"/>
           </a:xfrm>
           <a:prstGeom prst="rect">
             <a:avLst/>
@@ -2868,18 +2875,13 @@
               <a:rPr lang="en-US"/>
               <a:t>Fifth level</a:t>
             </a:r>
-          </a:p>
-        </p:txBody>
-      </p:sp>
-      <p:sp>
-        <p:nvSpPr>
-          <p:cNvPr id="4" name="Date Placeholder 3">
-            <a:extLst>
-              <a:ext uri="{FF2B5EF4-FFF2-40B4-BE49-F238E27FC236}">
-                <a16:creationId xmlns:a16="http://schemas.microsoft.com/office/drawing/2014/main" id="{7D5F3D5A-B72B-258E-62BC-D485B93AF75B}"/>
-              </a:ext>
-            </a:extLst>
-          </p:cNvPr>
+            <a:endParaRPr lang="en-US" dirty="0"/>
+          </a:p>
+        </p:txBody>
+      </p:sp>
+      <p:sp>
+        <p:nvSpPr>
+          <p:cNvPr id="4" name="Date Placeholder 3"/>
           <p:cNvSpPr>
             <a:spLocks noGrp="1"/>
           </p:cNvSpPr>
@@ -2889,8 +2891,8 @@
         </p:nvSpPr>
         <p:spPr>
           <a:xfrm>
-            <a:off x="838200" y="6356350"/>
-            <a:ext cx="2743200" cy="365125"/>
+            <a:off x="1142996" y="6223828"/>
+            <a:ext cx="2329074" cy="365125"/>
           </a:xfrm>
           <a:prstGeom prst="rect">
             <a:avLst/>
@@ -2902,9 +2904,7 @@
             <a:lvl1pPr algn="l">
               <a:defRPr sz="1200">
                 <a:solidFill>
-                  <a:schemeClr val="tx1">
-                    <a:tint val="75000"/>
-                  </a:schemeClr>
+                  <a:schemeClr val="accent1"/>
                 </a:solidFill>
               </a:defRPr>
             </a:lvl1pPr>
@@ -2920,13 +2920,7 @@
       </p:sp>
       <p:sp>
         <p:nvSpPr>
-          <p:cNvPr id="5" name="Footer Placeholder 4">
-            <a:extLst>
-              <a:ext uri="{FF2B5EF4-FFF2-40B4-BE49-F238E27FC236}">
-                <a16:creationId xmlns:a16="http://schemas.microsoft.com/office/drawing/2014/main" id="{19F21200-4980-0D51-5C4F-B9B09D96937E}"/>
-              </a:ext>
-            </a:extLst>
-          </p:cNvPr>
+          <p:cNvPr id="5" name="Footer Placeholder 4"/>
           <p:cNvSpPr>
             <a:spLocks noGrp="1"/>
           </p:cNvSpPr>
@@ -2936,8 +2930,8 @@
         </p:nvSpPr>
         <p:spPr>
           <a:xfrm>
-            <a:off x="4038600" y="6356350"/>
-            <a:ext cx="4114800" cy="365125"/>
+            <a:off x="3949148" y="6223828"/>
+            <a:ext cx="4717774" cy="365125"/>
           </a:xfrm>
           <a:prstGeom prst="rect">
             <a:avLst/>
@@ -2949,9 +2943,7 @@
             <a:lvl1pPr algn="ctr">
               <a:defRPr sz="1200">
                 <a:solidFill>
-                  <a:schemeClr val="tx1">
-                    <a:tint val="75000"/>
-                  </a:schemeClr>
+                  <a:schemeClr val="accent1"/>
                 </a:solidFill>
               </a:defRPr>
             </a:lvl1pPr>
@@ -2963,13 +2955,7 @@
       </p:sp>
       <p:sp>
         <p:nvSpPr>
-          <p:cNvPr id="6" name="Slide Number Placeholder 5">
-            <a:extLst>
-              <a:ext uri="{FF2B5EF4-FFF2-40B4-BE49-F238E27FC236}">
-                <a16:creationId xmlns:a16="http://schemas.microsoft.com/office/drawing/2014/main" id="{1C313F90-E18E-9495-B7EC-1477D14664F8}"/>
-              </a:ext>
-            </a:extLst>
-          </p:cNvPr>
+          <p:cNvPr id="6" name="Slide Number Placeholder 5"/>
           <p:cNvSpPr>
             <a:spLocks noGrp="1"/>
           </p:cNvSpPr>
@@ -2979,8 +2965,8 @@
         </p:nvSpPr>
         <p:spPr>
           <a:xfrm>
-            <a:off x="8610600" y="6356350"/>
-            <a:ext cx="2743200" cy="365125"/>
+            <a:off x="9329530" y="6223828"/>
+            <a:ext cx="1706217" cy="365125"/>
           </a:xfrm>
           <a:prstGeom prst="rect">
             <a:avLst/>
@@ -2992,9 +2978,7 @@
             <a:lvl1pPr algn="r">
               <a:defRPr sz="1200">
                 <a:solidFill>
-                  <a:schemeClr val="tx1">
-                    <a:tint val="75000"/>
-                  </a:schemeClr>
+                  <a:schemeClr val="accent1"/>
                 </a:solidFill>
               </a:defRPr>
             </a:lvl1pPr>
@@ -3011,23 +2995,23 @@
     </p:spTree>
     <p:extLst>
       <p:ext uri="{BB962C8B-B14F-4D97-AF65-F5344CB8AC3E}">
-        <p14:creationId xmlns:p14="http://schemas.microsoft.com/office/powerpoint/2010/main" val="2348283569"/>
+        <p14:creationId xmlns:p14="http://schemas.microsoft.com/office/powerpoint/2010/main" val="176897042"/>
       </p:ext>
     </p:extLst>
   </p:cSld>
   <p:clrMap bg1="lt1" tx1="dk1" bg2="lt2" tx2="dk2" accent1="accent1" accent2="accent2" accent3="accent3" accent4="accent4" accent5="accent5" accent6="accent6" hlink="hlink" folHlink="folHlink"/>
   <p:sldLayoutIdLst>
-    <p:sldLayoutId id="2147483649" r:id="rId1"/>
-    <p:sldLayoutId id="2147483650" r:id="rId2"/>
-    <p:sldLayoutId id="2147483651" r:id="rId3"/>
-    <p:sldLayoutId id="2147483652" r:id="rId4"/>
-    <p:sldLayoutId id="2147483653" r:id="rId5"/>
-    <p:sldLayoutId id="2147483654" r:id="rId6"/>
-    <p:sldLayoutId id="2147483655" r:id="rId7"/>
-    <p:sldLayoutId id="2147483656" r:id="rId8"/>
-    <p:sldLayoutId id="2147483657" r:id="rId9"/>
-    <p:sldLayoutId id="2147483658" r:id="rId10"/>
-    <p:sldLayoutId id="2147483659" r:id="rId11"/>
+    <p:sldLayoutId id="2147483947" r:id="rId1"/>
+    <p:sldLayoutId id="2147483948" r:id="rId2"/>
+    <p:sldLayoutId id="2147483949" r:id="rId3"/>
+    <p:sldLayoutId id="2147483950" r:id="rId4"/>
+    <p:sldLayoutId id="2147483951" r:id="rId5"/>
+    <p:sldLayoutId id="2147483952" r:id="rId6"/>
+    <p:sldLayoutId id="2147483953" r:id="rId7"/>
+    <p:sldLayoutId id="2147483954" r:id="rId8"/>
+    <p:sldLayoutId id="2147483955" r:id="rId9"/>
+    <p:sldLayoutId id="2147483956" r:id="rId10"/>
+    <p:sldLayoutId id="2147483957" r:id="rId11"/>
   </p:sldLayoutIdLst>
   <p:txStyles>
     <p:titleStyle>
@@ -3041,7 +3025,7 @@
         <a:buNone/>
         <a:defRPr sz="4400" kern="1200">
           <a:solidFill>
-            <a:schemeClr val="tx1"/>
+            <a:schemeClr val="accent1"/>
           </a:solidFill>
           <a:latin typeface="+mj-lt"/>
           <a:ea typeface="+mj-ea"/>
@@ -3050,162 +3034,222 @@
       </a:lvl1pPr>
     </p:titleStyle>
     <p:bodyStyle>
-      <a:lvl1pPr marL="228600" indent="-228600" algn="l" defTabSz="914400" rtl="0" eaLnBrk="1" latinLnBrk="0" hangingPunct="1">
+      <a:lvl1pPr marL="228600" indent="-182880" algn="l" defTabSz="914400" rtl="0" eaLnBrk="1" latinLnBrk="0" hangingPunct="1">
         <a:lnSpc>
           <a:spcPct val="90000"/>
         </a:lnSpc>
         <a:spcBef>
-          <a:spcPts val="1000"/>
+          <a:spcPts val="1400"/>
         </a:spcBef>
-        <a:buFont typeface="Arial" panose="020B0604020202020204" pitchFamily="34" charset="0"/>
+        <a:buClr>
+          <a:schemeClr val="accent1"/>
+        </a:buClr>
+        <a:buSzPct val="80000"/>
+        <a:buFont typeface="Corbel" pitchFamily="34" charset="0"/>
         <a:buChar char="•"/>
-        <a:defRPr sz="2800" kern="1200">
+        <a:defRPr sz="2200" kern="1200">
           <a:solidFill>
-            <a:schemeClr val="tx1"/>
+            <a:schemeClr val="accent1"/>
           </a:solidFill>
           <a:latin typeface="+mn-lt"/>
           <a:ea typeface="+mn-ea"/>
           <a:cs typeface="+mn-cs"/>
         </a:defRPr>
       </a:lvl1pPr>
-      <a:lvl2pPr marL="685800" indent="-228600" algn="l" defTabSz="914400" rtl="0" eaLnBrk="1" latinLnBrk="0" hangingPunct="1">
+      <a:lvl2pPr marL="457200" indent="-182880" algn="l" defTabSz="914400" rtl="0" eaLnBrk="1" latinLnBrk="0" hangingPunct="1">
         <a:lnSpc>
           <a:spcPct val="90000"/>
         </a:lnSpc>
         <a:spcBef>
-          <a:spcPts val="500"/>
+          <a:spcPts val="200"/>
         </a:spcBef>
-        <a:buFont typeface="Arial" panose="020B0604020202020204" pitchFamily="34" charset="0"/>
+        <a:spcAft>
+          <a:spcPts val="400"/>
+        </a:spcAft>
+        <a:buClr>
+          <a:schemeClr val="accent1"/>
+        </a:buClr>
+        <a:buSzPct val="80000"/>
+        <a:buFont typeface="Corbel" pitchFamily="34" charset="0"/>
         <a:buChar char="•"/>
-        <a:defRPr sz="2400" kern="1200">
+        <a:defRPr sz="2000" kern="1200">
           <a:solidFill>
-            <a:schemeClr val="tx1"/>
+            <a:schemeClr val="accent1"/>
           </a:solidFill>
           <a:latin typeface="+mn-lt"/>
           <a:ea typeface="+mn-ea"/>
           <a:cs typeface="+mn-cs"/>
         </a:defRPr>
       </a:lvl2pPr>
-      <a:lvl3pPr marL="1143000" indent="-228600" algn="l" defTabSz="914400" rtl="0" eaLnBrk="1" latinLnBrk="0" hangingPunct="1">
+      <a:lvl3pPr marL="731520" indent="-182880" algn="l" defTabSz="914400" rtl="0" eaLnBrk="1" latinLnBrk="0" hangingPunct="1">
         <a:lnSpc>
           <a:spcPct val="90000"/>
         </a:lnSpc>
         <a:spcBef>
-          <a:spcPts val="500"/>
+          <a:spcPts val="200"/>
         </a:spcBef>
-        <a:buFont typeface="Arial" panose="020B0604020202020204" pitchFamily="34" charset="0"/>
+        <a:spcAft>
+          <a:spcPts val="400"/>
+        </a:spcAft>
+        <a:buClr>
+          <a:schemeClr val="accent1"/>
+        </a:buClr>
+        <a:buSzPct val="80000"/>
+        <a:buFont typeface="Corbel" pitchFamily="34" charset="0"/>
         <a:buChar char="•"/>
-        <a:defRPr sz="2000" kern="1200">
+        <a:defRPr sz="1800" kern="1200">
           <a:solidFill>
-            <a:schemeClr val="tx1"/>
+            <a:schemeClr val="accent1"/>
           </a:solidFill>
           <a:latin typeface="+mn-lt"/>
           <a:ea typeface="+mn-ea"/>
           <a:cs typeface="+mn-cs"/>
         </a:defRPr>
       </a:lvl3pPr>
-      <a:lvl4pPr marL="1600200" indent="-228600" algn="l" defTabSz="914400" rtl="0" eaLnBrk="1" latinLnBrk="0" hangingPunct="1">
+      <a:lvl4pPr marL="1005840" indent="-182880" algn="l" defTabSz="914400" rtl="0" eaLnBrk="1" latinLnBrk="0" hangingPunct="1">
         <a:lnSpc>
           <a:spcPct val="90000"/>
         </a:lnSpc>
         <a:spcBef>
-          <a:spcPts val="500"/>
+          <a:spcPts val="200"/>
         </a:spcBef>
-        <a:buFont typeface="Arial" panose="020B0604020202020204" pitchFamily="34" charset="0"/>
+        <a:spcAft>
+          <a:spcPts val="400"/>
+        </a:spcAft>
+        <a:buClr>
+          <a:schemeClr val="accent1"/>
+        </a:buClr>
+        <a:buSzPct val="80000"/>
+        <a:buFont typeface="Corbel" pitchFamily="34" charset="0"/>
         <a:buChar char="•"/>
-        <a:defRPr sz="1800" kern="1200">
+        <a:defRPr sz="1600" kern="1200">
           <a:solidFill>
-            <a:schemeClr val="tx1"/>
+            <a:schemeClr val="accent1"/>
           </a:solidFill>
           <a:latin typeface="+mn-lt"/>
           <a:ea typeface="+mn-ea"/>
           <a:cs typeface="+mn-cs"/>
         </a:defRPr>
       </a:lvl4pPr>
-      <a:lvl5pPr marL="2057400" indent="-228600" algn="l" defTabSz="914400" rtl="0" eaLnBrk="1" latinLnBrk="0" hangingPunct="1">
+      <a:lvl5pPr marL="1280160" indent="-182880" algn="l" defTabSz="914400" rtl="0" eaLnBrk="1" latinLnBrk="0" hangingPunct="1">
         <a:lnSpc>
           <a:spcPct val="90000"/>
         </a:lnSpc>
         <a:spcBef>
-          <a:spcPts val="500"/>
+          <a:spcPts val="200"/>
         </a:spcBef>
-        <a:buFont typeface="Arial" panose="020B0604020202020204" pitchFamily="34" charset="0"/>
+        <a:spcAft>
+          <a:spcPts val="400"/>
+        </a:spcAft>
+        <a:buClr>
+          <a:schemeClr val="accent1"/>
+        </a:buClr>
+        <a:buSzPct val="80000"/>
+        <a:buFont typeface="Corbel" pitchFamily="34" charset="0"/>
         <a:buChar char="•"/>
-        <a:defRPr sz="1800" kern="1200">
+        <a:defRPr sz="1600" kern="1200">
           <a:solidFill>
-            <a:schemeClr val="tx1"/>
+            <a:schemeClr val="accent1"/>
           </a:solidFill>
           <a:latin typeface="+mn-lt"/>
           <a:ea typeface="+mn-ea"/>
           <a:cs typeface="+mn-cs"/>
         </a:defRPr>
       </a:lvl5pPr>
-      <a:lvl6pPr marL="2514600" indent="-228600" algn="l" defTabSz="914400" rtl="0" eaLnBrk="1" latinLnBrk="0" hangingPunct="1">
+      <a:lvl6pPr marL="1600000" indent="-228600" algn="l" defTabSz="914400" rtl="0" eaLnBrk="1" latinLnBrk="0" hangingPunct="1">
         <a:lnSpc>
           <a:spcPct val="90000"/>
         </a:lnSpc>
         <a:spcBef>
-          <a:spcPts val="500"/>
+          <a:spcPts val="200"/>
         </a:spcBef>
-        <a:buFont typeface="Arial" panose="020B0604020202020204" pitchFamily="34" charset="0"/>
+        <a:spcAft>
+          <a:spcPts val="400"/>
+        </a:spcAft>
+        <a:buClr>
+          <a:schemeClr val="accent1"/>
+        </a:buClr>
+        <a:buSzPct val="80000"/>
+        <a:buFont typeface="Corbel" pitchFamily="34" charset="0"/>
         <a:buChar char="•"/>
-        <a:defRPr sz="1800" kern="1200">
+        <a:defRPr sz="1600" kern="1200">
           <a:solidFill>
-            <a:schemeClr val="tx1"/>
+            <a:schemeClr val="accent1"/>
           </a:solidFill>
           <a:latin typeface="+mn-lt"/>
           <a:ea typeface="+mn-ea"/>
           <a:cs typeface="+mn-cs"/>
         </a:defRPr>
       </a:lvl6pPr>
-      <a:lvl7pPr marL="2971800" indent="-228600" algn="l" defTabSz="914400" rtl="0" eaLnBrk="1" latinLnBrk="0" hangingPunct="1">
+      <a:lvl7pPr marL="1900000" indent="-228600" algn="l" defTabSz="914400" rtl="0" eaLnBrk="1" latinLnBrk="0" hangingPunct="1">
         <a:lnSpc>
           <a:spcPct val="90000"/>
         </a:lnSpc>
         <a:spcBef>
-          <a:spcPts val="500"/>
+          <a:spcPts val="200"/>
         </a:spcBef>
-        <a:buFont typeface="Arial" panose="020B0604020202020204" pitchFamily="34" charset="0"/>
+        <a:spcAft>
+          <a:spcPts val="400"/>
+        </a:spcAft>
+        <a:buClr>
+          <a:schemeClr val="accent1"/>
+        </a:buClr>
+        <a:buSzPct val="80000"/>
+        <a:buFont typeface="Corbel" pitchFamily="34" charset="0"/>
         <a:buChar char="•"/>
-        <a:defRPr sz="1800" kern="1200">
+        <a:defRPr sz="1600" kern="1200">
           <a:solidFill>
-            <a:schemeClr val="tx1"/>
+            <a:schemeClr val="accent1"/>
           </a:solidFill>
           <a:latin typeface="+mn-lt"/>
           <a:ea typeface="+mn-ea"/>
           <a:cs typeface="+mn-cs"/>
         </a:defRPr>
       </a:lvl7pPr>
-      <a:lvl8pPr marL="3429000" indent="-228600" algn="l" defTabSz="914400" rtl="0" eaLnBrk="1" latinLnBrk="0" hangingPunct="1">
+      <a:lvl8pPr marL="2200000" indent="-228600" algn="l" defTabSz="914400" rtl="0" eaLnBrk="1" latinLnBrk="0" hangingPunct="1">
         <a:lnSpc>
           <a:spcPct val="90000"/>
         </a:lnSpc>
         <a:spcBef>
-          <a:spcPts val="500"/>
+          <a:spcPts val="200"/>
         </a:spcBef>
-        <a:buFont typeface="Arial" panose="020B0604020202020204" pitchFamily="34" charset="0"/>
+        <a:spcAft>
+          <a:spcPts val="400"/>
+        </a:spcAft>
+        <a:buClr>
+          <a:schemeClr val="accent1"/>
+        </a:buClr>
+        <a:buSzPct val="80000"/>
+        <a:buFont typeface="Corbel" pitchFamily="34" charset="0"/>
         <a:buChar char="•"/>
-        <a:defRPr sz="1800" kern="1200">
+        <a:defRPr sz="1600" kern="1200">
           <a:solidFill>
-            <a:schemeClr val="tx1"/>
+            <a:schemeClr val="accent1"/>
           </a:solidFill>
           <a:latin typeface="+mn-lt"/>
           <a:ea typeface="+mn-ea"/>
           <a:cs typeface="+mn-cs"/>
         </a:defRPr>
       </a:lvl8pPr>
-      <a:lvl9pPr marL="3886200" indent="-228600" algn="l" defTabSz="914400" rtl="0" eaLnBrk="1" latinLnBrk="0" hangingPunct="1">
+      <a:lvl9pPr marL="2500000" indent="-228600" algn="l" defTabSz="914400" rtl="0" eaLnBrk="1" latinLnBrk="0" hangingPunct="1">
         <a:lnSpc>
           <a:spcPct val="90000"/>
         </a:lnSpc>
         <a:spcBef>
-          <a:spcPts val="500"/>
+          <a:spcPts val="200"/>
         </a:spcBef>
-        <a:buFont typeface="Arial" panose="020B0604020202020204" pitchFamily="34" charset="0"/>
+        <a:spcAft>
+          <a:spcPts val="400"/>
+        </a:spcAft>
+        <a:buClr>
+          <a:schemeClr val="accent1"/>
+        </a:buClr>
+        <a:buSzPct val="80000"/>
+        <a:buFont typeface="Corbel" pitchFamily="34" charset="0"/>
         <a:buChar char="•"/>
-        <a:defRPr sz="1800" kern="1200">
+        <a:defRPr sz="1600" kern="1200">
           <a:solidFill>
-            <a:schemeClr val="tx1"/>
+            <a:schemeClr val="accent1"/>
           </a:solidFill>
           <a:latin typeface="+mn-lt"/>
           <a:ea typeface="+mn-ea"/>
@@ -3331,10 +3375,10 @@
       </p:grpSpPr>
       <p:sp>
         <p:nvSpPr>
-          <p:cNvPr id="4" name="Title 3">
+          <p:cNvPr id="2" name="Title 1">
             <a:extLst>
               <a:ext uri="{FF2B5EF4-FFF2-40B4-BE49-F238E27FC236}">
-                <a16:creationId xmlns:a16="http://schemas.microsoft.com/office/drawing/2014/main" id="{5852FFCE-1216-DCCD-6D92-42B7099FE4F5}"/>
+                <a16:creationId xmlns:a16="http://schemas.microsoft.com/office/drawing/2014/main" id="{396C7DEF-F846-0D2F-95C9-18DA21AA5D46}"/>
               </a:ext>
             </a:extLst>
           </p:cNvPr>
@@ -3342,67 +3386,104 @@
             <a:spLocks noGrp="1"/>
           </p:cNvSpPr>
           <p:nvPr>
-            <p:ph type="title"/>
-          </p:nvPr>
-        </p:nvSpPr>
-        <p:spPr>
-          <a:xfrm>
-            <a:off x="838200" y="365126"/>
-            <a:ext cx="9962322" cy="1110836"/>
-          </a:xfrm>
-        </p:spPr>
-        <p:txBody>
-          <a:bodyPr>
-            <a:normAutofit/>
-          </a:bodyPr>
-          <a:lstStyle/>
-          <a:p>
-            <a:r>
-              <a:rPr lang="en-US" sz="2000" dirty="0">
-                <a:latin typeface="Arial" panose="020B0604020202020204" pitchFamily="34" charset="0"/>
-                <a:cs typeface="Arial" panose="020B0604020202020204" pitchFamily="34" charset="0"/>
+            <p:ph type="ctrTitle"/>
+          </p:nvPr>
+        </p:nvSpPr>
+        <p:spPr/>
+        <p:txBody>
+          <a:bodyPr/>
+          <a:lstStyle/>
+          <a:p>
+            <a:r>
+              <a:rPr lang="en-US" sz="4800" b="1" i="0" dirty="0" err="1">
+                <a:solidFill>
+                  <a:srgbClr val="E6EDF3"/>
+                </a:solidFill>
+                <a:effectLst/>
+                <a:latin typeface="-apple-system"/>
               </a:rPr>
-              <a:t>     Investigate the relationship between incident frequency and time of the day</a:t>
-            </a:r>
-          </a:p>
-        </p:txBody>
-      </p:sp>
-      <p:pic>
-        <p:nvPicPr>
-          <p:cNvPr id="8" name="Content Placeholder 7">
+              <a:t>TrafFic</a:t>
+            </a:r>
+            <a:r>
+              <a:rPr lang="en-US" sz="4800" dirty="0">
+                <a:solidFill>
+                  <a:srgbClr val="E6EDF3"/>
+                </a:solidFill>
+                <a:latin typeface="-apple-system"/>
+              </a:rPr>
+              <a:t> </a:t>
+            </a:r>
+            <a:r>
+              <a:rPr lang="en-US" sz="4800" b="1" i="0" dirty="0">
+                <a:solidFill>
+                  <a:srgbClr val="E6EDF3"/>
+                </a:solidFill>
+                <a:effectLst/>
+                <a:latin typeface="-apple-system"/>
+              </a:rPr>
+              <a:t>Safety Enhancement</a:t>
+            </a:r>
+            <a:br>
+              <a:rPr lang="en-US" b="1" i="0" dirty="0">
+                <a:solidFill>
+                  <a:srgbClr val="E6EDF3"/>
+                </a:solidFill>
+                <a:effectLst/>
+                <a:latin typeface="-apple-system"/>
+              </a:rPr>
+            </a:br>
+            <a:endParaRPr lang="en-US" dirty="0"/>
+          </a:p>
+        </p:txBody>
+      </p:sp>
+      <p:sp>
+        <p:nvSpPr>
+          <p:cNvPr id="3" name="Subtitle 2">
             <a:extLst>
               <a:ext uri="{FF2B5EF4-FFF2-40B4-BE49-F238E27FC236}">
-                <a16:creationId xmlns:a16="http://schemas.microsoft.com/office/drawing/2014/main" id="{1DA753DF-D0E5-674B-988C-8BFD9756D8FE}"/>
+                <a16:creationId xmlns:a16="http://schemas.microsoft.com/office/drawing/2014/main" id="{188DF3F4-8C05-5302-364B-F550384B6E6D}"/>
               </a:ext>
             </a:extLst>
           </p:cNvPr>
-          <p:cNvPicPr>
-            <a:picLocks noGrp="1" noChangeAspect="1"/>
-          </p:cNvPicPr>
-          <p:nvPr>
-            <p:ph idx="1"/>
-          </p:nvPr>
-        </p:nvPicPr>
-        <p:blipFill>
-          <a:blip r:embed="rId2"/>
-          <a:stretch>
-            <a:fillRect/>
-          </a:stretch>
-        </p:blipFill>
-        <p:spPr>
-          <a:xfrm>
-            <a:off x="871329" y="1719470"/>
-            <a:ext cx="9929193" cy="4486275"/>
-          </a:xfrm>
-          <a:prstGeom prst="rect">
-            <a:avLst/>
-          </a:prstGeom>
-        </p:spPr>
-      </p:pic>
+          <p:cNvSpPr>
+            <a:spLocks noGrp="1"/>
+          </p:cNvSpPr>
+          <p:nvPr>
+            <p:ph type="subTitle" idx="1"/>
+          </p:nvPr>
+        </p:nvSpPr>
+        <p:spPr/>
+        <p:txBody>
+          <a:bodyPr/>
+          <a:lstStyle/>
+          <a:p>
+            <a:endParaRPr lang="en-US" b="0" i="0" dirty="0">
+              <a:solidFill>
+                <a:srgbClr val="E6EDF3"/>
+              </a:solidFill>
+              <a:effectLst/>
+              <a:latin typeface="-apple-system"/>
+            </a:endParaRPr>
+          </a:p>
+          <a:p>
+            <a:r>
+              <a:rPr lang="en-US" b="0" i="0" dirty="0">
+                <a:solidFill>
+                  <a:srgbClr val="E6EDF3"/>
+                </a:solidFill>
+                <a:effectLst/>
+                <a:latin typeface="-apple-system"/>
+              </a:rPr>
+              <a:t>Transportation and Traffic Safety Enhancement in Austin, Texas</a:t>
+            </a:r>
+            <a:endParaRPr lang="en-US" dirty="0"/>
+          </a:p>
+        </p:txBody>
+      </p:sp>
     </p:spTree>
     <p:extLst>
       <p:ext uri="{BB962C8B-B14F-4D97-AF65-F5344CB8AC3E}">
-        <p14:creationId xmlns:p14="http://schemas.microsoft.com/office/powerpoint/2010/main" val="1173213764"/>
+        <p14:creationId xmlns:p14="http://schemas.microsoft.com/office/powerpoint/2010/main" val="565094552"/>
       </p:ext>
     </p:extLst>
   </p:cSld>
@@ -3431,10 +3512,10 @@
       </p:grpSpPr>
       <p:sp>
         <p:nvSpPr>
-          <p:cNvPr id="2" name="Title 1">
+          <p:cNvPr id="3" name="Content Placeholder 2">
             <a:extLst>
               <a:ext uri="{FF2B5EF4-FFF2-40B4-BE49-F238E27FC236}">
-                <a16:creationId xmlns:a16="http://schemas.microsoft.com/office/drawing/2014/main" id="{879E291D-1768-E2F0-301C-6F10B686F38F}"/>
+                <a16:creationId xmlns:a16="http://schemas.microsoft.com/office/drawing/2014/main" id="{8526CB7F-AC5B-6FBA-FD4A-82CBA0CFCB2F}"/>
               </a:ext>
             </a:extLst>
           </p:cNvPr>
@@ -3442,64 +3523,405 @@
             <a:spLocks noGrp="1"/>
           </p:cNvSpPr>
           <p:nvPr>
-            <p:ph type="title"/>
+            <p:ph idx="1"/>
           </p:nvPr>
         </p:nvSpPr>
         <p:spPr>
           <a:xfrm>
-            <a:off x="838200" y="365125"/>
-            <a:ext cx="10522226" cy="544305"/>
+            <a:off x="1143000" y="1068457"/>
+            <a:ext cx="9872871" cy="5027543"/>
           </a:xfrm>
         </p:spPr>
         <p:txBody>
           <a:bodyPr>
-            <a:normAutofit fontScale="90000"/>
+            <a:normAutofit fontScale="92500" lnSpcReduction="10000"/>
           </a:bodyPr>
           <a:lstStyle/>
           <a:p>
-            <a:r>
-              <a:rPr lang="en-US" dirty="0"/>
-              <a:t>Both the plots are same, just the size is different</a:t>
-            </a:r>
-          </a:p>
-        </p:txBody>
-      </p:sp>
-      <p:pic>
-        <p:nvPicPr>
-          <p:cNvPr id="4" name="Content Placeholder 3">
-            <a:extLst>
-              <a:ext uri="{FF2B5EF4-FFF2-40B4-BE49-F238E27FC236}">
-                <a16:creationId xmlns:a16="http://schemas.microsoft.com/office/drawing/2014/main" id="{B1F02CFB-B2B2-5BC9-E82D-79944026C0E4}"/>
-              </a:ext>
-            </a:extLst>
-          </p:cNvPr>
-          <p:cNvPicPr>
-            <a:picLocks noGrp="1" noChangeAspect="1"/>
-          </p:cNvPicPr>
-          <p:nvPr>
-            <p:ph idx="1"/>
-          </p:nvPr>
-        </p:nvPicPr>
-        <p:blipFill>
-          <a:blip r:embed="rId2"/>
-          <a:stretch>
-            <a:fillRect/>
-          </a:stretch>
-        </p:blipFill>
-        <p:spPr>
-          <a:xfrm>
-            <a:off x="3263346" y="1825625"/>
-            <a:ext cx="5665308" cy="4351338"/>
-          </a:xfrm>
-          <a:prstGeom prst="rect">
-            <a:avLst/>
-          </a:prstGeom>
-        </p:spPr>
-      </p:pic>
+            <a:pPr marL="45720" indent="0" algn="l">
+              <a:buNone/>
+            </a:pPr>
+            <a:r>
+              <a:rPr lang="en-US" sz="2600" b="1" i="0" dirty="0">
+                <a:solidFill>
+                  <a:schemeClr val="accent1">
+                    <a:lumMod val="60000"/>
+                    <a:lumOff val="40000"/>
+                  </a:schemeClr>
+                </a:solidFill>
+                <a:effectLst/>
+                <a:latin typeface="Calibri" panose="020F0502020204030204" pitchFamily="34" charset="0"/>
+                <a:ea typeface="Calibri" panose="020F0502020204030204" pitchFamily="34" charset="0"/>
+                <a:cs typeface="Calibri" panose="020F0502020204030204" pitchFamily="34" charset="0"/>
+              </a:rPr>
+              <a:t>Project Scope and Objectives:</a:t>
+            </a:r>
+            <a:endParaRPr lang="en-US" sz="2600" b="0" i="0" dirty="0">
+              <a:solidFill>
+                <a:schemeClr val="accent1">
+                  <a:lumMod val="60000"/>
+                  <a:lumOff val="40000"/>
+                </a:schemeClr>
+              </a:solidFill>
+              <a:effectLst/>
+              <a:latin typeface="Calibri" panose="020F0502020204030204" pitchFamily="34" charset="0"/>
+              <a:ea typeface="Calibri" panose="020F0502020204030204" pitchFamily="34" charset="0"/>
+              <a:cs typeface="Calibri" panose="020F0502020204030204" pitchFamily="34" charset="0"/>
+            </a:endParaRPr>
+          </a:p>
+          <a:p>
+            <a:pPr marL="45720" indent="0" algn="l">
+              <a:buNone/>
+            </a:pPr>
+            <a:r>
+              <a:rPr lang="en-US" b="1" i="0" dirty="0">
+                <a:solidFill>
+                  <a:srgbClr val="0070C0"/>
+                </a:solidFill>
+                <a:effectLst/>
+                <a:latin typeface="Calibri" panose="020F0502020204030204" pitchFamily="34" charset="0"/>
+                <a:ea typeface="Calibri" panose="020F0502020204030204" pitchFamily="34" charset="0"/>
+                <a:cs typeface="Calibri" panose="020F0502020204030204" pitchFamily="34" charset="0"/>
+              </a:rPr>
+              <a:t>Introduction:</a:t>
+            </a:r>
+          </a:p>
+          <a:p>
+            <a:pPr marL="45720" indent="0" algn="l">
+              <a:buNone/>
+            </a:pPr>
+            <a:r>
+              <a:rPr lang="en-US" b="0" i="0" dirty="0">
+                <a:solidFill>
+                  <a:schemeClr val="accent1">
+                    <a:lumMod val="60000"/>
+                    <a:lumOff val="40000"/>
+                  </a:schemeClr>
+                </a:solidFill>
+                <a:effectLst/>
+                <a:latin typeface="Calibri" panose="020F0502020204030204" pitchFamily="34" charset="0"/>
+                <a:ea typeface="Calibri" panose="020F0502020204030204" pitchFamily="34" charset="0"/>
+                <a:cs typeface="Calibri" panose="020F0502020204030204" pitchFamily="34" charset="0"/>
+              </a:rPr>
+              <a:t>Transportation and Traffic Safety Enhancement in Austin, Texas</a:t>
+            </a:r>
+          </a:p>
+          <a:p>
+            <a:pPr marL="45720" indent="0" algn="l">
+              <a:buNone/>
+            </a:pPr>
+            <a:r>
+              <a:rPr lang="en-US" b="1" i="0" dirty="0">
+                <a:solidFill>
+                  <a:schemeClr val="accent1">
+                    <a:lumMod val="60000"/>
+                    <a:lumOff val="40000"/>
+                  </a:schemeClr>
+                </a:solidFill>
+                <a:effectLst/>
+                <a:latin typeface="Calibri" panose="020F0502020204030204" pitchFamily="34" charset="0"/>
+                <a:ea typeface="Calibri" panose="020F0502020204030204" pitchFamily="34" charset="0"/>
+                <a:cs typeface="Calibri" panose="020F0502020204030204" pitchFamily="34" charset="0"/>
+              </a:rPr>
+              <a:t>Proposal Objective:</a:t>
+            </a:r>
+            <a:endParaRPr lang="en-US" b="0" i="0" dirty="0">
+              <a:solidFill>
+                <a:schemeClr val="accent1">
+                  <a:lumMod val="60000"/>
+                  <a:lumOff val="40000"/>
+                </a:schemeClr>
+              </a:solidFill>
+              <a:effectLst/>
+              <a:latin typeface="Calibri" panose="020F0502020204030204" pitchFamily="34" charset="0"/>
+              <a:ea typeface="Calibri" panose="020F0502020204030204" pitchFamily="34" charset="0"/>
+              <a:cs typeface="Calibri" panose="020F0502020204030204" pitchFamily="34" charset="0"/>
+            </a:endParaRPr>
+          </a:p>
+          <a:p>
+            <a:pPr lvl="1" indent="0" algn="l">
+              <a:buNone/>
+            </a:pPr>
+            <a:r>
+              <a:rPr lang="en-US" b="0" i="0" dirty="0">
+                <a:solidFill>
+                  <a:schemeClr val="accent1">
+                    <a:lumMod val="60000"/>
+                    <a:lumOff val="40000"/>
+                  </a:schemeClr>
+                </a:solidFill>
+                <a:effectLst/>
+                <a:latin typeface="Calibri" panose="020F0502020204030204" pitchFamily="34" charset="0"/>
+                <a:ea typeface="Calibri" panose="020F0502020204030204" pitchFamily="34" charset="0"/>
+                <a:cs typeface="Calibri" panose="020F0502020204030204" pitchFamily="34" charset="0"/>
+              </a:rPr>
+              <a:t>Comprehensive plan to enhance transportation and traffic safety in Austin, Texas.</a:t>
+            </a:r>
+          </a:p>
+          <a:p>
+            <a:pPr lvl="1" indent="0" algn="l">
+              <a:buNone/>
+            </a:pPr>
+            <a:r>
+              <a:rPr lang="en-US" b="0" i="0" dirty="0">
+                <a:solidFill>
+                  <a:schemeClr val="accent1">
+                    <a:lumMod val="60000"/>
+                    <a:lumOff val="40000"/>
+                  </a:schemeClr>
+                </a:solidFill>
+                <a:effectLst/>
+                <a:latin typeface="Calibri" panose="020F0502020204030204" pitchFamily="34" charset="0"/>
+                <a:ea typeface="Calibri" panose="020F0502020204030204" pitchFamily="34" charset="0"/>
+                <a:cs typeface="Calibri" panose="020F0502020204030204" pitchFamily="34" charset="0"/>
+              </a:rPr>
+              <a:t>Primary goal: Mitigate the financial burden of traffic incidents.</a:t>
+            </a:r>
+          </a:p>
+          <a:p>
+            <a:pPr marL="45720" indent="0" algn="l">
+              <a:buNone/>
+            </a:pPr>
+            <a:r>
+              <a:rPr lang="en-US" b="1" i="0" dirty="0">
+                <a:solidFill>
+                  <a:schemeClr val="accent1">
+                    <a:lumMod val="60000"/>
+                    <a:lumOff val="40000"/>
+                  </a:schemeClr>
+                </a:solidFill>
+                <a:effectLst/>
+                <a:latin typeface="Calibri" panose="020F0502020204030204" pitchFamily="34" charset="0"/>
+                <a:ea typeface="Calibri" panose="020F0502020204030204" pitchFamily="34" charset="0"/>
+                <a:cs typeface="Calibri" panose="020F0502020204030204" pitchFamily="34" charset="0"/>
+              </a:rPr>
+              <a:t>Project Approach:</a:t>
+            </a:r>
+            <a:endParaRPr lang="en-US" b="0" i="0" dirty="0">
+              <a:solidFill>
+                <a:schemeClr val="accent1">
+                  <a:lumMod val="60000"/>
+                  <a:lumOff val="40000"/>
+                </a:schemeClr>
+              </a:solidFill>
+              <a:effectLst/>
+              <a:latin typeface="Calibri" panose="020F0502020204030204" pitchFamily="34" charset="0"/>
+              <a:ea typeface="Calibri" panose="020F0502020204030204" pitchFamily="34" charset="0"/>
+              <a:cs typeface="Calibri" panose="020F0502020204030204" pitchFamily="34" charset="0"/>
+            </a:endParaRPr>
+          </a:p>
+          <a:p>
+            <a:pPr lvl="1" indent="0" algn="l">
+              <a:buNone/>
+            </a:pPr>
+            <a:r>
+              <a:rPr lang="en-US" b="0" i="0" dirty="0">
+                <a:solidFill>
+                  <a:schemeClr val="accent1">
+                    <a:lumMod val="60000"/>
+                    <a:lumOff val="40000"/>
+                  </a:schemeClr>
+                </a:solidFill>
+                <a:effectLst/>
+                <a:latin typeface="Calibri" panose="020F0502020204030204" pitchFamily="34" charset="0"/>
+                <a:ea typeface="Calibri" panose="020F0502020204030204" pitchFamily="34" charset="0"/>
+                <a:cs typeface="Calibri" panose="020F0502020204030204" pitchFamily="34" charset="0"/>
+              </a:rPr>
+              <a:t>Analyzing historical traffic data to identify trends, patterns, and correlations.</a:t>
+            </a:r>
+          </a:p>
+          <a:p>
+            <a:pPr lvl="1" indent="0" algn="l">
+              <a:buNone/>
+            </a:pPr>
+            <a:r>
+              <a:rPr lang="en-US" b="0" i="0" dirty="0">
+                <a:solidFill>
+                  <a:schemeClr val="accent1">
+                    <a:lumMod val="60000"/>
+                    <a:lumOff val="40000"/>
+                  </a:schemeClr>
+                </a:solidFill>
+                <a:effectLst/>
+                <a:latin typeface="Calibri" panose="020F0502020204030204" pitchFamily="34" charset="0"/>
+                <a:ea typeface="Calibri" panose="020F0502020204030204" pitchFamily="34" charset="0"/>
+                <a:cs typeface="Calibri" panose="020F0502020204030204" pitchFamily="34" charset="0"/>
+              </a:rPr>
+              <a:t>Data-driven insights will guide targeted improvements.</a:t>
+            </a:r>
+          </a:p>
+          <a:p>
+            <a:pPr marL="45720" indent="0" algn="l">
+              <a:buNone/>
+            </a:pPr>
+            <a:r>
+              <a:rPr lang="en-US" b="1" i="0" dirty="0">
+                <a:solidFill>
+                  <a:schemeClr val="accent1">
+                    <a:lumMod val="60000"/>
+                    <a:lumOff val="40000"/>
+                  </a:schemeClr>
+                </a:solidFill>
+                <a:effectLst/>
+                <a:latin typeface="Calibri" panose="020F0502020204030204" pitchFamily="34" charset="0"/>
+                <a:ea typeface="Calibri" panose="020F0502020204030204" pitchFamily="34" charset="0"/>
+                <a:cs typeface="Calibri" panose="020F0502020204030204" pitchFamily="34" charset="0"/>
+              </a:rPr>
+              <a:t>Team Members:</a:t>
+            </a:r>
+            <a:endParaRPr lang="en-US" b="0" i="0" dirty="0">
+              <a:solidFill>
+                <a:schemeClr val="accent1">
+                  <a:lumMod val="60000"/>
+                  <a:lumOff val="40000"/>
+                </a:schemeClr>
+              </a:solidFill>
+              <a:effectLst/>
+              <a:latin typeface="Calibri" panose="020F0502020204030204" pitchFamily="34" charset="0"/>
+              <a:ea typeface="Calibri" panose="020F0502020204030204" pitchFamily="34" charset="0"/>
+              <a:cs typeface="Calibri" panose="020F0502020204030204" pitchFamily="34" charset="0"/>
+            </a:endParaRPr>
+          </a:p>
+          <a:p>
+            <a:pPr marL="274320" lvl="1" indent="0">
+              <a:buNone/>
+            </a:pPr>
+            <a:r>
+              <a:rPr lang="en-US" i="0" dirty="0">
+                <a:solidFill>
+                  <a:schemeClr val="accent1">
+                    <a:lumMod val="60000"/>
+                    <a:lumOff val="40000"/>
+                  </a:schemeClr>
+                </a:solidFill>
+                <a:effectLst/>
+                <a:latin typeface="Calibri" panose="020F0502020204030204" pitchFamily="34" charset="0"/>
+                <a:ea typeface="Calibri" panose="020F0502020204030204" pitchFamily="34" charset="0"/>
+                <a:cs typeface="Calibri" panose="020F0502020204030204" pitchFamily="34" charset="0"/>
+              </a:rPr>
+              <a:t>Charles Quinn</a:t>
+            </a:r>
+          </a:p>
+          <a:p>
+            <a:pPr marL="274320" lvl="1" indent="0">
+              <a:buNone/>
+            </a:pPr>
+            <a:r>
+              <a:rPr lang="en-US" i="0" dirty="0">
+                <a:solidFill>
+                  <a:schemeClr val="accent1">
+                    <a:lumMod val="60000"/>
+                    <a:lumOff val="40000"/>
+                  </a:schemeClr>
+                </a:solidFill>
+                <a:effectLst/>
+                <a:latin typeface="Calibri" panose="020F0502020204030204" pitchFamily="34" charset="0"/>
+                <a:ea typeface="Calibri" panose="020F0502020204030204" pitchFamily="34" charset="0"/>
+                <a:cs typeface="Calibri" panose="020F0502020204030204" pitchFamily="34" charset="0"/>
+              </a:rPr>
+              <a:t>Jackie Larios</a:t>
+            </a:r>
+          </a:p>
+          <a:p>
+            <a:pPr marL="274320" lvl="1" indent="0">
+              <a:buNone/>
+            </a:pPr>
+            <a:r>
+              <a:rPr lang="en-US" i="0" dirty="0">
+                <a:solidFill>
+                  <a:schemeClr val="accent1">
+                    <a:lumMod val="60000"/>
+                    <a:lumOff val="40000"/>
+                  </a:schemeClr>
+                </a:solidFill>
+                <a:effectLst/>
+                <a:latin typeface="Calibri" panose="020F0502020204030204" pitchFamily="34" charset="0"/>
+                <a:ea typeface="Calibri" panose="020F0502020204030204" pitchFamily="34" charset="0"/>
+                <a:cs typeface="Calibri" panose="020F0502020204030204" pitchFamily="34" charset="0"/>
+              </a:rPr>
+              <a:t>Sujatha </a:t>
+            </a:r>
+            <a:r>
+              <a:rPr lang="en-US" i="0" dirty="0" err="1">
+                <a:solidFill>
+                  <a:schemeClr val="accent1">
+                    <a:lumMod val="60000"/>
+                    <a:lumOff val="40000"/>
+                  </a:schemeClr>
+                </a:solidFill>
+                <a:effectLst/>
+                <a:latin typeface="Calibri" panose="020F0502020204030204" pitchFamily="34" charset="0"/>
+                <a:ea typeface="Calibri" panose="020F0502020204030204" pitchFamily="34" charset="0"/>
+                <a:cs typeface="Calibri" panose="020F0502020204030204" pitchFamily="34" charset="0"/>
+              </a:rPr>
+              <a:t>Angajala</a:t>
+            </a:r>
+            <a:endParaRPr lang="en-US" i="0" dirty="0">
+              <a:solidFill>
+                <a:schemeClr val="accent1">
+                  <a:lumMod val="60000"/>
+                  <a:lumOff val="40000"/>
+                </a:schemeClr>
+              </a:solidFill>
+              <a:effectLst/>
+              <a:latin typeface="Calibri" panose="020F0502020204030204" pitchFamily="34" charset="0"/>
+              <a:ea typeface="Calibri" panose="020F0502020204030204" pitchFamily="34" charset="0"/>
+              <a:cs typeface="Calibri" panose="020F0502020204030204" pitchFamily="34" charset="0"/>
+            </a:endParaRPr>
+          </a:p>
+          <a:p>
+            <a:pPr marL="274320" lvl="1" indent="0">
+              <a:buNone/>
+            </a:pPr>
+            <a:r>
+              <a:rPr lang="en-US" i="0" dirty="0">
+                <a:solidFill>
+                  <a:schemeClr val="accent1">
+                    <a:lumMod val="60000"/>
+                    <a:lumOff val="40000"/>
+                  </a:schemeClr>
+                </a:solidFill>
+                <a:effectLst/>
+                <a:latin typeface="Calibri" panose="020F0502020204030204" pitchFamily="34" charset="0"/>
+                <a:ea typeface="Calibri" panose="020F0502020204030204" pitchFamily="34" charset="0"/>
+                <a:cs typeface="Calibri" panose="020F0502020204030204" pitchFamily="34" charset="0"/>
+              </a:rPr>
+              <a:t>Joshna </a:t>
+            </a:r>
+            <a:r>
+              <a:rPr lang="en-US" i="0" dirty="0" err="1">
+                <a:solidFill>
+                  <a:schemeClr val="accent1">
+                    <a:lumMod val="60000"/>
+                    <a:lumOff val="40000"/>
+                  </a:schemeClr>
+                </a:solidFill>
+                <a:effectLst/>
+                <a:latin typeface="Calibri" panose="020F0502020204030204" pitchFamily="34" charset="0"/>
+                <a:ea typeface="Calibri" panose="020F0502020204030204" pitchFamily="34" charset="0"/>
+                <a:cs typeface="Calibri" panose="020F0502020204030204" pitchFamily="34" charset="0"/>
+              </a:rPr>
+              <a:t>Rence</a:t>
+            </a:r>
+            <a:endParaRPr lang="en-US" i="0" dirty="0">
+              <a:solidFill>
+                <a:schemeClr val="accent1">
+                  <a:lumMod val="60000"/>
+                  <a:lumOff val="40000"/>
+                </a:schemeClr>
+              </a:solidFill>
+              <a:effectLst/>
+              <a:latin typeface="Calibri" panose="020F0502020204030204" pitchFamily="34" charset="0"/>
+              <a:ea typeface="Calibri" panose="020F0502020204030204" pitchFamily="34" charset="0"/>
+              <a:cs typeface="Calibri" panose="020F0502020204030204" pitchFamily="34" charset="0"/>
+            </a:endParaRPr>
+          </a:p>
+        </p:txBody>
+      </p:sp>
     </p:spTree>
     <p:extLst>
       <p:ext uri="{BB962C8B-B14F-4D97-AF65-F5344CB8AC3E}">
-        <p14:creationId xmlns:p14="http://schemas.microsoft.com/office/powerpoint/2010/main" val="2829739406"/>
+        <p14:creationId xmlns:p14="http://schemas.microsoft.com/office/powerpoint/2010/main" val="167232258"/>
       </p:ext>
     </p:extLst>
   </p:cSld>
@@ -3531,7 +3953,7 @@
           <p:cNvPr id="2" name="Title 1">
             <a:extLst>
               <a:ext uri="{FF2B5EF4-FFF2-40B4-BE49-F238E27FC236}">
-                <a16:creationId xmlns:a16="http://schemas.microsoft.com/office/drawing/2014/main" id="{91AE724F-6A5E-FEFB-DE33-7127F7468308}"/>
+                <a16:creationId xmlns:a16="http://schemas.microsoft.com/office/drawing/2014/main" id="{C51EFAE7-362C-2DBC-A7B8-14E59F4A15B2}"/>
               </a:ext>
             </a:extLst>
           </p:cNvPr>
@@ -3542,84 +3964,136 @@
             <p:ph type="title"/>
           </p:nvPr>
         </p:nvSpPr>
-        <p:spPr/>
-        <p:txBody>
-          <a:bodyPr/>
-          <a:lstStyle/>
-          <a:p>
-            <a:r>
-              <a:rPr lang="en-US" dirty="0"/>
-              <a:t>Observations</a:t>
-            </a:r>
-          </a:p>
-        </p:txBody>
-      </p:sp>
-      <p:sp>
-        <p:nvSpPr>
-          <p:cNvPr id="3" name="Content Placeholder 2">
+        <p:spPr>
+          <a:xfrm>
+            <a:off x="839788" y="457201"/>
+            <a:ext cx="4015477" cy="551622"/>
+          </a:xfrm>
+        </p:spPr>
+        <p:txBody>
+          <a:bodyPr>
+            <a:normAutofit/>
+          </a:bodyPr>
+          <a:lstStyle/>
+          <a:p>
+            <a:r>
+              <a:rPr lang="en-US" sz="2400" dirty="0">
+                <a:latin typeface="Calibri" panose="020F0502020204030204" pitchFamily="34" charset="0"/>
+                <a:ea typeface="Calibri" panose="020F0502020204030204" pitchFamily="34" charset="0"/>
+                <a:cs typeface="Calibri" panose="020F0502020204030204" pitchFamily="34" charset="0"/>
+              </a:rPr>
+              <a:t>Total incidents over 5 years</a:t>
+            </a:r>
+          </a:p>
+        </p:txBody>
+      </p:sp>
+      <p:pic>
+        <p:nvPicPr>
+          <p:cNvPr id="6" name="Content Placeholder 5">
             <a:extLst>
               <a:ext uri="{FF2B5EF4-FFF2-40B4-BE49-F238E27FC236}">
-                <a16:creationId xmlns:a16="http://schemas.microsoft.com/office/drawing/2014/main" id="{C2759112-79B3-4053-DB4B-6F1A0BBF127E}"/>
+                <a16:creationId xmlns:a16="http://schemas.microsoft.com/office/drawing/2014/main" id="{23DBBFCC-5552-92D9-7AEF-3A5AF6132A38}"/>
               </a:ext>
             </a:extLst>
           </p:cNvPr>
-          <p:cNvSpPr>
-            <a:spLocks noGrp="1"/>
-          </p:cNvSpPr>
+          <p:cNvPicPr>
+            <a:picLocks noGrp="1" noChangeAspect="1"/>
+          </p:cNvPicPr>
           <p:nvPr>
             <p:ph idx="1"/>
           </p:nvPr>
-        </p:nvSpPr>
-        <p:spPr/>
+        </p:nvPicPr>
+        <p:blipFill>
+          <a:blip r:embed="rId2"/>
+          <a:stretch>
+            <a:fillRect/>
+          </a:stretch>
+        </p:blipFill>
+        <p:spPr>
+          <a:xfrm>
+            <a:off x="5015758" y="338110"/>
+            <a:ext cx="6617993" cy="6181780"/>
+          </a:xfrm>
+        </p:spPr>
+      </p:pic>
+      <p:sp>
+        <p:nvSpPr>
+          <p:cNvPr id="4" name="Text Placeholder 3">
+            <a:extLst>
+              <a:ext uri="{FF2B5EF4-FFF2-40B4-BE49-F238E27FC236}">
+                <a16:creationId xmlns:a16="http://schemas.microsoft.com/office/drawing/2014/main" id="{20368B21-FA46-02A0-51B4-743CF2CDD5D9}"/>
+              </a:ext>
+            </a:extLst>
+          </p:cNvPr>
+          <p:cNvSpPr>
+            <a:spLocks noGrp="1"/>
+          </p:cNvSpPr>
+          <p:nvPr>
+            <p:ph type="body" sz="half" idx="2"/>
+          </p:nvPr>
+        </p:nvSpPr>
+        <p:spPr>
+          <a:xfrm>
+            <a:off x="665853" y="1416326"/>
+            <a:ext cx="4015477" cy="4522236"/>
+          </a:xfrm>
+        </p:spPr>
         <p:txBody>
           <a:bodyPr>
             <a:normAutofit/>
           </a:bodyPr>
           <a:lstStyle/>
           <a:p>
-            <a:pPr marL="0" indent="0">
-              <a:buNone/>
+            <a:pPr marL="342900" indent="-342900">
+              <a:buFont typeface="Arial" panose="020B0604020202020204" pitchFamily="34" charset="0"/>
+              <a:buChar char="•"/>
             </a:pPr>
-            <a:endParaRPr lang="en-US" sz="1800" dirty="0">
-              <a:latin typeface="Arial" panose="020B0604020202020204" pitchFamily="34" charset="0"/>
-              <a:cs typeface="Arial" panose="020B0604020202020204" pitchFamily="34" charset="0"/>
+            <a:endParaRPr lang="en-US" sz="2000" dirty="0"/>
+          </a:p>
+          <a:p>
+            <a:endParaRPr lang="en-US" sz="2000" dirty="0">
+              <a:latin typeface="Calibri" panose="020F0502020204030204" pitchFamily="34" charset="0"/>
+              <a:ea typeface="Calibri" panose="020F0502020204030204" pitchFamily="34" charset="0"/>
+              <a:cs typeface="Calibri" panose="020F0502020204030204" pitchFamily="34" charset="0"/>
             </a:endParaRPr>
           </a:p>
           <a:p>
-            <a:pPr marL="0" indent="0">
-              <a:buNone/>
+            <a:pPr marL="342900" indent="-342900">
+              <a:buFont typeface="Arial" panose="020B0604020202020204" pitchFamily="34" charset="0"/>
+              <a:buChar char="•"/>
             </a:pPr>
             <a:r>
-              <a:rPr lang="en-US" sz="1800" dirty="0">
-                <a:latin typeface="Arial" panose="020B0604020202020204" pitchFamily="34" charset="0"/>
-                <a:cs typeface="Arial" panose="020B0604020202020204" pitchFamily="34" charset="0"/>
+              <a:rPr lang="en-US" sz="2000" dirty="0">
+                <a:latin typeface="Calibri" panose="020F0502020204030204" pitchFamily="34" charset="0"/>
+                <a:ea typeface="Calibri" panose="020F0502020204030204" pitchFamily="34" charset="0"/>
+                <a:cs typeface="Calibri" panose="020F0502020204030204" pitchFamily="34" charset="0"/>
               </a:rPr>
-              <a:t>Investigate the relationship between incident frequency and time of the day:</a:t>
-            </a:r>
-            <a:endParaRPr lang="en-US" sz="1800" dirty="0"/>
-          </a:p>
-          <a:p>
-            <a:r>
-              <a:rPr lang="en-US" sz="1800" dirty="0"/>
-              <a:t>The frequency of incidents is significantly lower during morning commute hours. In contrast, it tends to be higher during the evening rush hour. Moreover, incidents are significantly more frequent during nighttime</a:t>
-            </a:r>
-          </a:p>
-          <a:p>
-            <a:endParaRPr lang="en-US" sz="1800" dirty="0"/>
-          </a:p>
-          <a:p>
-            <a:r>
-              <a:rPr lang="en-US" sz="1800" dirty="0"/>
-              <a:t>In a span of 5 years, incident frequencies show the following trends across time periods: low during evening, gradually increasing in the afternoon, further rising in the evening, and reaching their highest point at night.</a:t>
-            </a:r>
-          </a:p>
-          <a:p>
-            <a:endParaRPr lang="en-US" sz="1800" dirty="0"/>
-          </a:p>
-          <a:p>
-            <a:r>
-              <a:rPr lang="en-US" sz="1800" dirty="0"/>
-              <a:t>Checking out a bar chart that shows the total incidents over 5 years, you can see that in 2020 and 2021, there were fewer accidents because of the pandemic</a:t>
+              <a:t>Fewer accidents in 2020 and 2021 due to the pandemic.</a:t>
+            </a:r>
+          </a:p>
+          <a:p>
+            <a:pPr marL="342900" indent="-342900">
+              <a:buFont typeface="Arial" panose="020B0604020202020204" pitchFamily="34" charset="0"/>
+              <a:buChar char="•"/>
+            </a:pPr>
+            <a:endParaRPr lang="en-US" sz="2000" dirty="0">
+              <a:latin typeface="Calibri" panose="020F0502020204030204" pitchFamily="34" charset="0"/>
+              <a:ea typeface="Calibri" panose="020F0502020204030204" pitchFamily="34" charset="0"/>
+              <a:cs typeface="Calibri" panose="020F0502020204030204" pitchFamily="34" charset="0"/>
+            </a:endParaRPr>
+          </a:p>
+          <a:p>
+            <a:pPr marL="342900" indent="-342900">
+              <a:buFont typeface="Arial" panose="020B0604020202020204" pitchFamily="34" charset="0"/>
+              <a:buChar char="•"/>
+            </a:pPr>
+            <a:r>
+              <a:rPr lang="en-US" sz="2000" dirty="0">
+                <a:latin typeface="Calibri" panose="020F0502020204030204" pitchFamily="34" charset="0"/>
+                <a:ea typeface="Calibri" panose="020F0502020204030204" pitchFamily="34" charset="0"/>
+                <a:cs typeface="Calibri" panose="020F0502020204030204" pitchFamily="34" charset="0"/>
+              </a:rPr>
+              <a:t>The frequency of accidents gradually decreased over the years</a:t>
             </a:r>
           </a:p>
         </p:txBody>
@@ -3627,7 +4101,7 @@
     </p:spTree>
     <p:extLst>
       <p:ext uri="{BB962C8B-B14F-4D97-AF65-F5344CB8AC3E}">
-        <p14:creationId xmlns:p14="http://schemas.microsoft.com/office/powerpoint/2010/main" val="1201265760"/>
+        <p14:creationId xmlns:p14="http://schemas.microsoft.com/office/powerpoint/2010/main" val="3814173859"/>
       </p:ext>
     </p:extLst>
   </p:cSld>
@@ -3659,6 +4133,638 @@
           <p:cNvPr id="2" name="Title 1">
             <a:extLst>
               <a:ext uri="{FF2B5EF4-FFF2-40B4-BE49-F238E27FC236}">
+                <a16:creationId xmlns:a16="http://schemas.microsoft.com/office/drawing/2014/main" id="{C51EFAE7-362C-2DBC-A7B8-14E59F4A15B2}"/>
+              </a:ext>
+            </a:extLst>
+          </p:cNvPr>
+          <p:cNvSpPr>
+            <a:spLocks noGrp="1"/>
+          </p:cNvSpPr>
+          <p:nvPr>
+            <p:ph type="title"/>
+          </p:nvPr>
+        </p:nvSpPr>
+        <p:spPr>
+          <a:xfrm>
+            <a:off x="839788" y="457201"/>
+            <a:ext cx="4015477" cy="551622"/>
+          </a:xfrm>
+        </p:spPr>
+        <p:txBody>
+          <a:bodyPr>
+            <a:normAutofit/>
+          </a:bodyPr>
+          <a:lstStyle/>
+          <a:p>
+            <a:r>
+              <a:rPr lang="en-US" sz="2400" dirty="0"/>
+              <a:t>Trends across </a:t>
+            </a:r>
+            <a:r>
+              <a:rPr lang="en-US" sz="2400" dirty="0">
+                <a:latin typeface="Calibri" panose="020F0502020204030204" pitchFamily="34" charset="0"/>
+                <a:ea typeface="Calibri" panose="020F0502020204030204" pitchFamily="34" charset="0"/>
+                <a:cs typeface="Calibri" panose="020F0502020204030204" pitchFamily="34" charset="0"/>
+              </a:rPr>
+              <a:t>time</a:t>
+            </a:r>
+            <a:r>
+              <a:rPr lang="en-US" sz="2400" dirty="0"/>
+              <a:t> periods</a:t>
+            </a:r>
+          </a:p>
+        </p:txBody>
+      </p:sp>
+      <p:sp>
+        <p:nvSpPr>
+          <p:cNvPr id="4" name="Text Placeholder 3">
+            <a:extLst>
+              <a:ext uri="{FF2B5EF4-FFF2-40B4-BE49-F238E27FC236}">
+                <a16:creationId xmlns:a16="http://schemas.microsoft.com/office/drawing/2014/main" id="{20368B21-FA46-02A0-51B4-743CF2CDD5D9}"/>
+              </a:ext>
+            </a:extLst>
+          </p:cNvPr>
+          <p:cNvSpPr>
+            <a:spLocks noGrp="1"/>
+          </p:cNvSpPr>
+          <p:nvPr>
+            <p:ph type="body" sz="half" idx="2"/>
+          </p:nvPr>
+        </p:nvSpPr>
+        <p:spPr>
+          <a:xfrm>
+            <a:off x="665853" y="1416326"/>
+            <a:ext cx="4015477" cy="4621696"/>
+          </a:xfrm>
+        </p:spPr>
+        <p:txBody>
+          <a:bodyPr>
+            <a:normAutofit/>
+          </a:bodyPr>
+          <a:lstStyle/>
+          <a:p>
+            <a:endParaRPr lang="en-US" sz="2000" dirty="0"/>
+          </a:p>
+          <a:p>
+            <a:pPr marL="342900" indent="-342900">
+              <a:buFont typeface="Arial" panose="020B0604020202020204" pitchFamily="34" charset="0"/>
+              <a:buChar char="•"/>
+            </a:pPr>
+            <a:r>
+              <a:rPr lang="en-US" sz="2000" dirty="0">
+                <a:latin typeface="Calibri" panose="020F0502020204030204" pitchFamily="34" charset="0"/>
+                <a:ea typeface="Calibri" panose="020F0502020204030204" pitchFamily="34" charset="0"/>
+                <a:cs typeface="Calibri" panose="020F0502020204030204" pitchFamily="34" charset="0"/>
+              </a:rPr>
+              <a:t>Low incidents during the evening.</a:t>
+            </a:r>
+          </a:p>
+          <a:p>
+            <a:pPr marL="342900" indent="-342900">
+              <a:buFont typeface="Arial" panose="020B0604020202020204" pitchFamily="34" charset="0"/>
+              <a:buChar char="•"/>
+            </a:pPr>
+            <a:endParaRPr lang="en-US" sz="2000" dirty="0">
+              <a:latin typeface="Calibri" panose="020F0502020204030204" pitchFamily="34" charset="0"/>
+              <a:ea typeface="Calibri" panose="020F0502020204030204" pitchFamily="34" charset="0"/>
+              <a:cs typeface="Calibri" panose="020F0502020204030204" pitchFamily="34" charset="0"/>
+            </a:endParaRPr>
+          </a:p>
+          <a:p>
+            <a:pPr marL="342900" indent="-342900">
+              <a:buFont typeface="Arial" panose="020B0604020202020204" pitchFamily="34" charset="0"/>
+              <a:buChar char="•"/>
+            </a:pPr>
+            <a:r>
+              <a:rPr lang="en-US" sz="2000" dirty="0">
+                <a:latin typeface="Calibri" panose="020F0502020204030204" pitchFamily="34" charset="0"/>
+                <a:ea typeface="Calibri" panose="020F0502020204030204" pitchFamily="34" charset="0"/>
+                <a:cs typeface="Calibri" panose="020F0502020204030204" pitchFamily="34" charset="0"/>
+              </a:rPr>
+              <a:t>Gradual increase in the afternoon.</a:t>
+            </a:r>
+          </a:p>
+          <a:p>
+            <a:pPr marL="342900" indent="-342900">
+              <a:buFont typeface="Arial" panose="020B0604020202020204" pitchFamily="34" charset="0"/>
+              <a:buChar char="•"/>
+            </a:pPr>
+            <a:endParaRPr lang="en-US" sz="2000" dirty="0">
+              <a:latin typeface="Calibri" panose="020F0502020204030204" pitchFamily="34" charset="0"/>
+              <a:ea typeface="Calibri" panose="020F0502020204030204" pitchFamily="34" charset="0"/>
+              <a:cs typeface="Calibri" panose="020F0502020204030204" pitchFamily="34" charset="0"/>
+            </a:endParaRPr>
+          </a:p>
+          <a:p>
+            <a:pPr marL="342900" indent="-342900">
+              <a:buFont typeface="Arial" panose="020B0604020202020204" pitchFamily="34" charset="0"/>
+              <a:buChar char="•"/>
+            </a:pPr>
+            <a:r>
+              <a:rPr lang="en-US" sz="2000" dirty="0">
+                <a:latin typeface="Calibri" panose="020F0502020204030204" pitchFamily="34" charset="0"/>
+                <a:ea typeface="Calibri" panose="020F0502020204030204" pitchFamily="34" charset="0"/>
+                <a:cs typeface="Calibri" panose="020F0502020204030204" pitchFamily="34" charset="0"/>
+              </a:rPr>
+              <a:t>Further rise in the evening.</a:t>
+            </a:r>
+          </a:p>
+          <a:p>
+            <a:pPr marL="342900" indent="-342900">
+              <a:buFont typeface="Arial" panose="020B0604020202020204" pitchFamily="34" charset="0"/>
+              <a:buChar char="•"/>
+            </a:pPr>
+            <a:endParaRPr lang="en-US" sz="2000" dirty="0">
+              <a:latin typeface="Calibri" panose="020F0502020204030204" pitchFamily="34" charset="0"/>
+              <a:ea typeface="Calibri" panose="020F0502020204030204" pitchFamily="34" charset="0"/>
+              <a:cs typeface="Calibri" panose="020F0502020204030204" pitchFamily="34" charset="0"/>
+            </a:endParaRPr>
+          </a:p>
+          <a:p>
+            <a:pPr marL="342900" indent="-342900">
+              <a:buFont typeface="Arial" panose="020B0604020202020204" pitchFamily="34" charset="0"/>
+              <a:buChar char="•"/>
+            </a:pPr>
+            <a:r>
+              <a:rPr lang="en-US" sz="2000" dirty="0">
+                <a:latin typeface="Calibri" panose="020F0502020204030204" pitchFamily="34" charset="0"/>
+                <a:ea typeface="Calibri" panose="020F0502020204030204" pitchFamily="34" charset="0"/>
+                <a:cs typeface="Calibri" panose="020F0502020204030204" pitchFamily="34" charset="0"/>
+              </a:rPr>
+              <a:t>Peak frequency reached at night</a:t>
+            </a:r>
+            <a:r>
+              <a:rPr lang="en-US" sz="2000" dirty="0"/>
+              <a:t>.</a:t>
+            </a:r>
+          </a:p>
+        </p:txBody>
+      </p:sp>
+      <p:pic>
+        <p:nvPicPr>
+          <p:cNvPr id="16" name="Content Placeholder 15">
+            <a:extLst>
+              <a:ext uri="{FF2B5EF4-FFF2-40B4-BE49-F238E27FC236}">
+                <a16:creationId xmlns:a16="http://schemas.microsoft.com/office/drawing/2014/main" id="{D0DC2FCA-158D-CC67-FB9D-79C06D397C4F}"/>
+              </a:ext>
+            </a:extLst>
+          </p:cNvPr>
+          <p:cNvPicPr>
+            <a:picLocks noGrp="1" noChangeAspect="1"/>
+          </p:cNvPicPr>
+          <p:nvPr>
+            <p:ph idx="1"/>
+          </p:nvPr>
+        </p:nvPicPr>
+        <p:blipFill>
+          <a:blip r:embed="rId2"/>
+          <a:stretch>
+            <a:fillRect/>
+          </a:stretch>
+        </p:blipFill>
+        <p:spPr>
+          <a:xfrm>
+            <a:off x="4502426" y="685800"/>
+            <a:ext cx="7310231" cy="5411855"/>
+          </a:xfrm>
+        </p:spPr>
+      </p:pic>
+    </p:spTree>
+    <p:extLst>
+      <p:ext uri="{BB962C8B-B14F-4D97-AF65-F5344CB8AC3E}">
+        <p14:creationId xmlns:p14="http://schemas.microsoft.com/office/powerpoint/2010/main" val="1147470872"/>
+      </p:ext>
+    </p:extLst>
+  </p:cSld>
+  <p:clrMapOvr>
+    <a:masterClrMapping/>
+  </p:clrMapOvr>
+</p:sld>
+</file>
+
+<file path=ppt/slides/slide5.xml><?xml version="1.0" encoding="utf-8"?>
+<p:sld xmlns:a="http://schemas.openxmlformats.org/drawingml/2006/main" xmlns:r="http://schemas.openxmlformats.org/officeDocument/2006/relationships" xmlns:p="http://schemas.openxmlformats.org/presentationml/2006/main">
+  <p:cSld>
+    <p:spTree>
+      <p:nvGrpSpPr>
+        <p:cNvPr id="1" name=""/>
+        <p:cNvGrpSpPr/>
+        <p:nvPr/>
+      </p:nvGrpSpPr>
+      <p:grpSpPr>
+        <a:xfrm>
+          <a:off x="0" y="0"/>
+          <a:ext cx="0" cy="0"/>
+          <a:chOff x="0" y="0"/>
+          <a:chExt cx="0" cy="0"/>
+        </a:xfrm>
+      </p:grpSpPr>
+      <p:sp>
+        <p:nvSpPr>
+          <p:cNvPr id="2" name="Title 1">
+            <a:extLst>
+              <a:ext uri="{FF2B5EF4-FFF2-40B4-BE49-F238E27FC236}">
+                <a16:creationId xmlns:a16="http://schemas.microsoft.com/office/drawing/2014/main" id="{C51EFAE7-362C-2DBC-A7B8-14E59F4A15B2}"/>
+              </a:ext>
+            </a:extLst>
+          </p:cNvPr>
+          <p:cNvSpPr>
+            <a:spLocks noGrp="1"/>
+          </p:cNvSpPr>
+          <p:nvPr>
+            <p:ph type="title"/>
+          </p:nvPr>
+        </p:nvSpPr>
+        <p:spPr>
+          <a:xfrm>
+            <a:off x="839788" y="457201"/>
+            <a:ext cx="4015477" cy="551622"/>
+          </a:xfrm>
+        </p:spPr>
+        <p:txBody>
+          <a:bodyPr>
+            <a:normAutofit/>
+          </a:bodyPr>
+          <a:lstStyle/>
+          <a:p>
+            <a:r>
+              <a:rPr lang="en-US" sz="2400" dirty="0">
+                <a:latin typeface="Calibri" panose="020F0502020204030204" pitchFamily="34" charset="0"/>
+                <a:ea typeface="Calibri" panose="020F0502020204030204" pitchFamily="34" charset="0"/>
+                <a:cs typeface="Calibri" panose="020F0502020204030204" pitchFamily="34" charset="0"/>
+              </a:rPr>
+              <a:t>Incident Frequency Patterns</a:t>
+            </a:r>
+          </a:p>
+        </p:txBody>
+      </p:sp>
+      <p:sp>
+        <p:nvSpPr>
+          <p:cNvPr id="4" name="Text Placeholder 3">
+            <a:extLst>
+              <a:ext uri="{FF2B5EF4-FFF2-40B4-BE49-F238E27FC236}">
+                <a16:creationId xmlns:a16="http://schemas.microsoft.com/office/drawing/2014/main" id="{20368B21-FA46-02A0-51B4-743CF2CDD5D9}"/>
+              </a:ext>
+            </a:extLst>
+          </p:cNvPr>
+          <p:cNvSpPr>
+            <a:spLocks noGrp="1"/>
+          </p:cNvSpPr>
+          <p:nvPr>
+            <p:ph type="body" sz="half" idx="2"/>
+          </p:nvPr>
+        </p:nvSpPr>
+        <p:spPr>
+          <a:xfrm>
+            <a:off x="665853" y="1416326"/>
+            <a:ext cx="4015477" cy="4522236"/>
+          </a:xfrm>
+        </p:spPr>
+        <p:txBody>
+          <a:bodyPr>
+            <a:normAutofit/>
+          </a:bodyPr>
+          <a:lstStyle/>
+          <a:p>
+            <a:endParaRPr lang="en-US" sz="2000" dirty="0"/>
+          </a:p>
+          <a:p>
+            <a:pPr marL="342900" indent="-342900">
+              <a:buFont typeface="Arial" panose="020B0604020202020204" pitchFamily="34" charset="0"/>
+              <a:buChar char="•"/>
+            </a:pPr>
+            <a:r>
+              <a:rPr lang="en-US" sz="2000" dirty="0">
+                <a:latin typeface="Calibri" panose="020F0502020204030204" pitchFamily="34" charset="0"/>
+                <a:ea typeface="Calibri" panose="020F0502020204030204" pitchFamily="34" charset="0"/>
+                <a:cs typeface="Calibri" panose="020F0502020204030204" pitchFamily="34" charset="0"/>
+              </a:rPr>
+              <a:t>Significantly lower incidents during morning commute hours.</a:t>
+            </a:r>
+          </a:p>
+          <a:p>
+            <a:pPr marL="342900" indent="-342900">
+              <a:buFont typeface="Arial" panose="020B0604020202020204" pitchFamily="34" charset="0"/>
+              <a:buChar char="•"/>
+            </a:pPr>
+            <a:endParaRPr lang="en-US" sz="2000" dirty="0">
+              <a:latin typeface="Calibri" panose="020F0502020204030204" pitchFamily="34" charset="0"/>
+              <a:ea typeface="Calibri" panose="020F0502020204030204" pitchFamily="34" charset="0"/>
+              <a:cs typeface="Calibri" panose="020F0502020204030204" pitchFamily="34" charset="0"/>
+            </a:endParaRPr>
+          </a:p>
+          <a:p>
+            <a:pPr marL="342900" indent="-342900">
+              <a:buFont typeface="Arial" panose="020B0604020202020204" pitchFamily="34" charset="0"/>
+              <a:buChar char="•"/>
+            </a:pPr>
+            <a:r>
+              <a:rPr lang="en-US" sz="2000" dirty="0">
+                <a:latin typeface="Calibri" panose="020F0502020204030204" pitchFamily="34" charset="0"/>
+                <a:ea typeface="Calibri" panose="020F0502020204030204" pitchFamily="34" charset="0"/>
+                <a:cs typeface="Calibri" panose="020F0502020204030204" pitchFamily="34" charset="0"/>
+              </a:rPr>
+              <a:t>Higher incidents during evening rush hour.</a:t>
+            </a:r>
+          </a:p>
+          <a:p>
+            <a:pPr marL="342900" indent="-342900">
+              <a:buFont typeface="Arial" panose="020B0604020202020204" pitchFamily="34" charset="0"/>
+              <a:buChar char="•"/>
+            </a:pPr>
+            <a:endParaRPr lang="en-US" sz="2000" dirty="0">
+              <a:latin typeface="Calibri" panose="020F0502020204030204" pitchFamily="34" charset="0"/>
+              <a:ea typeface="Calibri" panose="020F0502020204030204" pitchFamily="34" charset="0"/>
+              <a:cs typeface="Calibri" panose="020F0502020204030204" pitchFamily="34" charset="0"/>
+            </a:endParaRPr>
+          </a:p>
+          <a:p>
+            <a:pPr marL="342900" indent="-342900">
+              <a:buFont typeface="Arial" panose="020B0604020202020204" pitchFamily="34" charset="0"/>
+              <a:buChar char="•"/>
+            </a:pPr>
+            <a:r>
+              <a:rPr lang="en-US" sz="2000" dirty="0">
+                <a:latin typeface="Calibri" panose="020F0502020204030204" pitchFamily="34" charset="0"/>
+                <a:ea typeface="Calibri" panose="020F0502020204030204" pitchFamily="34" charset="0"/>
+                <a:cs typeface="Calibri" panose="020F0502020204030204" pitchFamily="34" charset="0"/>
+              </a:rPr>
+              <a:t>More frequent incidents during nighttime.</a:t>
+            </a:r>
+          </a:p>
+        </p:txBody>
+      </p:sp>
+      <p:pic>
+        <p:nvPicPr>
+          <p:cNvPr id="8" name="Content Placeholder 7">
+            <a:extLst>
+              <a:ext uri="{FF2B5EF4-FFF2-40B4-BE49-F238E27FC236}">
+                <a16:creationId xmlns:a16="http://schemas.microsoft.com/office/drawing/2014/main" id="{685BBFDE-7C0A-E3D5-7359-609C81D07583}"/>
+              </a:ext>
+            </a:extLst>
+          </p:cNvPr>
+          <p:cNvPicPr>
+            <a:picLocks noGrp="1" noChangeAspect="1"/>
+          </p:cNvPicPr>
+          <p:nvPr>
+            <p:ph idx="1"/>
+          </p:nvPr>
+        </p:nvPicPr>
+        <p:blipFill>
+          <a:blip r:embed="rId2"/>
+          <a:stretch>
+            <a:fillRect/>
+          </a:stretch>
+        </p:blipFill>
+        <p:spPr>
+          <a:xfrm>
+            <a:off x="4445275" y="1242391"/>
+            <a:ext cx="7372351" cy="4293705"/>
+          </a:xfrm>
+        </p:spPr>
+      </p:pic>
+    </p:spTree>
+    <p:extLst>
+      <p:ext uri="{BB962C8B-B14F-4D97-AF65-F5344CB8AC3E}">
+        <p14:creationId xmlns:p14="http://schemas.microsoft.com/office/powerpoint/2010/main" val="1768768818"/>
+      </p:ext>
+    </p:extLst>
+  </p:cSld>
+  <p:clrMapOvr>
+    <a:masterClrMapping/>
+  </p:clrMapOvr>
+</p:sld>
+</file>
+
+<file path=ppt/slides/slide6.xml><?xml version="1.0" encoding="utf-8"?>
+<p:sld xmlns:a="http://schemas.openxmlformats.org/drawingml/2006/main" xmlns:r="http://schemas.openxmlformats.org/officeDocument/2006/relationships" xmlns:p="http://schemas.openxmlformats.org/presentationml/2006/main">
+  <p:cSld>
+    <p:spTree>
+      <p:nvGrpSpPr>
+        <p:cNvPr id="1" name=""/>
+        <p:cNvGrpSpPr/>
+        <p:nvPr/>
+      </p:nvGrpSpPr>
+      <p:grpSpPr>
+        <a:xfrm>
+          <a:off x="0" y="0"/>
+          <a:ext cx="0" cy="0"/>
+          <a:chOff x="0" y="0"/>
+          <a:chExt cx="0" cy="0"/>
+        </a:xfrm>
+      </p:grpSpPr>
+      <p:sp>
+        <p:nvSpPr>
+          <p:cNvPr id="2" name="Title 1">
+            <a:extLst>
+              <a:ext uri="{FF2B5EF4-FFF2-40B4-BE49-F238E27FC236}">
+                <a16:creationId xmlns:a16="http://schemas.microsoft.com/office/drawing/2014/main" id="{C51EFAE7-362C-2DBC-A7B8-14E59F4A15B2}"/>
+              </a:ext>
+            </a:extLst>
+          </p:cNvPr>
+          <p:cNvSpPr>
+            <a:spLocks noGrp="1"/>
+          </p:cNvSpPr>
+          <p:nvPr>
+            <p:ph type="title"/>
+          </p:nvPr>
+        </p:nvSpPr>
+        <p:spPr>
+          <a:xfrm>
+            <a:off x="839788" y="457201"/>
+            <a:ext cx="4015477" cy="551622"/>
+          </a:xfrm>
+        </p:spPr>
+        <p:txBody>
+          <a:bodyPr>
+            <a:normAutofit/>
+          </a:bodyPr>
+          <a:lstStyle/>
+          <a:p>
+            <a:r>
+              <a:rPr lang="en-US" sz="2400" dirty="0"/>
+              <a:t>Incident Frequency </a:t>
+            </a:r>
+            <a:r>
+              <a:rPr lang="en-US" sz="2400" dirty="0">
+                <a:latin typeface="Calibri" panose="020F0502020204030204" pitchFamily="34" charset="0"/>
+                <a:ea typeface="Calibri" panose="020F0502020204030204" pitchFamily="34" charset="0"/>
+                <a:cs typeface="Calibri" panose="020F0502020204030204" pitchFamily="34" charset="0"/>
+              </a:rPr>
+              <a:t>Patterns</a:t>
+            </a:r>
+          </a:p>
+        </p:txBody>
+      </p:sp>
+      <p:sp>
+        <p:nvSpPr>
+          <p:cNvPr id="4" name="Text Placeholder 3">
+            <a:extLst>
+              <a:ext uri="{FF2B5EF4-FFF2-40B4-BE49-F238E27FC236}">
+                <a16:creationId xmlns:a16="http://schemas.microsoft.com/office/drawing/2014/main" id="{20368B21-FA46-02A0-51B4-743CF2CDD5D9}"/>
+              </a:ext>
+            </a:extLst>
+          </p:cNvPr>
+          <p:cNvSpPr>
+            <a:spLocks noGrp="1"/>
+          </p:cNvSpPr>
+          <p:nvPr>
+            <p:ph type="body" sz="half" idx="2"/>
+          </p:nvPr>
+        </p:nvSpPr>
+        <p:spPr>
+          <a:xfrm>
+            <a:off x="665853" y="1416326"/>
+            <a:ext cx="4015477" cy="4522236"/>
+          </a:xfrm>
+        </p:spPr>
+        <p:txBody>
+          <a:bodyPr>
+            <a:normAutofit/>
+          </a:bodyPr>
+          <a:lstStyle/>
+          <a:p>
+            <a:pPr marL="342900" indent="-342900">
+              <a:buFont typeface="Arial" panose="020B0604020202020204" pitchFamily="34" charset="0"/>
+              <a:buChar char="•"/>
+            </a:pPr>
+            <a:r>
+              <a:rPr lang="en-US" sz="2000" dirty="0">
+                <a:latin typeface="Calibri" panose="020F0502020204030204" pitchFamily="34" charset="0"/>
+                <a:ea typeface="Calibri" panose="020F0502020204030204" pitchFamily="34" charset="0"/>
+                <a:cs typeface="Calibri" panose="020F0502020204030204" pitchFamily="34" charset="0"/>
+              </a:rPr>
+              <a:t>Main problems: pedestrians, stalled vehicles, debris, inoperative traffic signals.</a:t>
+            </a:r>
+          </a:p>
+          <a:p>
+            <a:pPr marL="342900" indent="-342900">
+              <a:buFont typeface="Arial" panose="020B0604020202020204" pitchFamily="34" charset="0"/>
+              <a:buChar char="•"/>
+            </a:pPr>
+            <a:r>
+              <a:rPr lang="en-US" sz="2000" dirty="0">
+                <a:latin typeface="Calibri" panose="020F0502020204030204" pitchFamily="34" charset="0"/>
+                <a:ea typeface="Calibri" panose="020F0502020204030204" pitchFamily="34" charset="0"/>
+                <a:cs typeface="Calibri" panose="020F0502020204030204" pitchFamily="34" charset="0"/>
+              </a:rPr>
+              <a:t>During COVID-19: all reported problems decreased.</a:t>
+            </a:r>
+          </a:p>
+          <a:p>
+            <a:pPr marL="342900" indent="-342900">
+              <a:buFont typeface="Arial" panose="020B0604020202020204" pitchFamily="34" charset="0"/>
+              <a:buChar char="•"/>
+            </a:pPr>
+            <a:r>
+              <a:rPr lang="en-US" sz="2000" dirty="0">
+                <a:latin typeface="Calibri" panose="020F0502020204030204" pitchFamily="34" charset="0"/>
+                <a:ea typeface="Calibri" panose="020F0502020204030204" pitchFamily="34" charset="0"/>
+                <a:cs typeface="Calibri" panose="020F0502020204030204" pitchFamily="34" charset="0"/>
+              </a:rPr>
+              <a:t>Remote work, closed schools/offices contributed.</a:t>
+            </a:r>
+          </a:p>
+          <a:p>
+            <a:pPr marL="342900" indent="-342900">
+              <a:buFont typeface="Arial" panose="020B0604020202020204" pitchFamily="34" charset="0"/>
+              <a:buChar char="•"/>
+            </a:pPr>
+            <a:r>
+              <a:rPr lang="en-US" sz="2000" dirty="0">
+                <a:latin typeface="Calibri" panose="020F0502020204030204" pitchFamily="34" charset="0"/>
+                <a:ea typeface="Calibri" panose="020F0502020204030204" pitchFamily="34" charset="0"/>
+                <a:cs typeface="Calibri" panose="020F0502020204030204" pitchFamily="34" charset="0"/>
+              </a:rPr>
+              <a:t>Increase in collisions noticed.</a:t>
+            </a:r>
+          </a:p>
+          <a:p>
+            <a:pPr marL="342900" indent="-342900">
+              <a:buFont typeface="Arial" panose="020B0604020202020204" pitchFamily="34" charset="0"/>
+              <a:buChar char="•"/>
+            </a:pPr>
+            <a:r>
+              <a:rPr lang="en-US" sz="2000" dirty="0">
+                <a:latin typeface="Calibri" panose="020F0502020204030204" pitchFamily="34" charset="0"/>
+                <a:ea typeface="Calibri" panose="020F0502020204030204" pitchFamily="34" charset="0"/>
+                <a:cs typeface="Calibri" panose="020F0502020204030204" pitchFamily="34" charset="0"/>
+              </a:rPr>
+              <a:t>More people in Austin → higher traffic, more accidents.</a:t>
+            </a:r>
+          </a:p>
+        </p:txBody>
+      </p:sp>
+      <p:pic>
+        <p:nvPicPr>
+          <p:cNvPr id="10" name="Content Placeholder 4" descr="A graph of different colored lines">
+            <a:extLst>
+              <a:ext uri="{FF2B5EF4-FFF2-40B4-BE49-F238E27FC236}">
+                <a16:creationId xmlns:a16="http://schemas.microsoft.com/office/drawing/2014/main" id="{DC5663B7-C25C-6755-07FB-ECC8DBFEA17D}"/>
+              </a:ext>
+            </a:extLst>
+          </p:cNvPr>
+          <p:cNvPicPr>
+            <a:picLocks noGrp="1" noChangeAspect="1"/>
+          </p:cNvPicPr>
+          <p:nvPr>
+            <p:ph idx="1"/>
+          </p:nvPr>
+        </p:nvPicPr>
+        <p:blipFill>
+          <a:blip r:embed="rId2">
+            <a:extLst>
+              <a:ext uri="{28A0092B-C50C-407E-A947-70E740481C1C}">
+                <a14:useLocalDpi xmlns:a14="http://schemas.microsoft.com/office/drawing/2010/main" val="0"/>
+              </a:ext>
+            </a:extLst>
+          </a:blip>
+          <a:stretch>
+            <a:fillRect/>
+          </a:stretch>
+        </p:blipFill>
+        <p:spPr>
+          <a:xfrm>
+            <a:off x="4452731" y="641072"/>
+            <a:ext cx="7404508" cy="5068957"/>
+          </a:xfrm>
+        </p:spPr>
+      </p:pic>
+    </p:spTree>
+    <p:extLst>
+      <p:ext uri="{BB962C8B-B14F-4D97-AF65-F5344CB8AC3E}">
+        <p14:creationId xmlns:p14="http://schemas.microsoft.com/office/powerpoint/2010/main" val="605769590"/>
+      </p:ext>
+    </p:extLst>
+  </p:cSld>
+  <p:clrMapOvr>
+    <a:masterClrMapping/>
+  </p:clrMapOvr>
+</p:sld>
+</file>
+
+<file path=ppt/slides/slide7.xml><?xml version="1.0" encoding="utf-8"?>
+<p:sld xmlns:a="http://schemas.openxmlformats.org/drawingml/2006/main" xmlns:r="http://schemas.openxmlformats.org/officeDocument/2006/relationships" xmlns:p="http://schemas.openxmlformats.org/presentationml/2006/main">
+  <p:cSld>
+    <p:spTree>
+      <p:nvGrpSpPr>
+        <p:cNvPr id="1" name=""/>
+        <p:cNvGrpSpPr/>
+        <p:nvPr/>
+      </p:nvGrpSpPr>
+      <p:grpSpPr>
+        <a:xfrm>
+          <a:off x="0" y="0"/>
+          <a:ext cx="0" cy="0"/>
+          <a:chOff x="0" y="0"/>
+          <a:chExt cx="0" cy="0"/>
+        </a:xfrm>
+      </p:grpSpPr>
+      <p:sp>
+        <p:nvSpPr>
+          <p:cNvPr id="2" name="Title 1">
+            <a:extLst>
+              <a:ext uri="{FF2B5EF4-FFF2-40B4-BE49-F238E27FC236}">
                 <a16:creationId xmlns:a16="http://schemas.microsoft.com/office/drawing/2014/main" id="{7668B4BD-1BA0-8D1B-81E3-F3FD5C48E507}"/>
               </a:ext>
             </a:extLst>
@@ -3831,9 +4937,9 @@
 </file>
 
 <file path=ppt/theme/theme1.xml><?xml version="1.0" encoding="utf-8"?>
-<a:theme xmlns:a="http://schemas.openxmlformats.org/drawingml/2006/main" name="Office Theme">
+<a:theme xmlns:a="http://schemas.openxmlformats.org/drawingml/2006/main" name="Basis">
   <a:themeElements>
-    <a:clrScheme name="Office">
+    <a:clrScheme name="Basis">
       <a:dk1>
         <a:sysClr val="windowText" lastClr="000000"/>
       </a:dk1>
@@ -3841,100 +4947,48 @@
         <a:sysClr val="window" lastClr="FFFFFF"/>
       </a:lt1>
       <a:dk2>
-        <a:srgbClr val="44546A"/>
+        <a:srgbClr val="335B74"/>
       </a:dk2>
       <a:lt2>
-        <a:srgbClr val="E7E6E6"/>
+        <a:srgbClr val="DFE3E5"/>
       </a:lt2>
       <a:accent1>
-        <a:srgbClr val="4472C4"/>
+        <a:srgbClr val="1CADE4"/>
       </a:accent1>
       <a:accent2>
-        <a:srgbClr val="ED7D31"/>
+        <a:srgbClr val="2683C6"/>
       </a:accent2>
       <a:accent3>
-        <a:srgbClr val="A5A5A5"/>
+        <a:srgbClr val="27CED7"/>
       </a:accent3>
       <a:accent4>
-        <a:srgbClr val="FFC000"/>
+        <a:srgbClr val="42BA97"/>
       </a:accent4>
       <a:accent5>
-        <a:srgbClr val="5B9BD5"/>
+        <a:srgbClr val="3E8853"/>
       </a:accent5>
       <a:accent6>
-        <a:srgbClr val="70AD47"/>
+        <a:srgbClr val="62A39F"/>
       </a:accent6>
       <a:hlink>
-        <a:srgbClr val="0563C1"/>
+        <a:srgbClr val="6EAC1C"/>
       </a:hlink>
       <a:folHlink>
-        <a:srgbClr val="954F72"/>
+        <a:srgbClr val="B26B02"/>
       </a:folHlink>
     </a:clrScheme>
-    <a:fontScheme name="Office">
+    <a:fontScheme name="Basis">
       <a:majorFont>
-        <a:latin typeface="Calibri Light" panose="020F0302020204030204"/>
+        <a:latin typeface="Corbel" panose="020B0503020204020204"/>
         <a:ea typeface=""/>
         <a:cs typeface=""/>
-        <a:font script="Jpan" typeface="游ゴシック Light"/>
+        <a:font script="Jpan" typeface="ＭＳ ゴシック"/>
         <a:font script="Hang" typeface="맑은 고딕"/>
-        <a:font script="Hans" typeface="等线 Light"/>
+        <a:font script="Hans" typeface="宋体"/>
         <a:font script="Hant" typeface="新細明體"/>
-        <a:font script="Arab" typeface="Times New Roman"/>
-        <a:font script="Hebr" typeface="Times New Roman"/>
-        <a:font script="Thai" typeface="Angsana New"/>
-        <a:font script="Ethi" typeface="Nyala"/>
-        <a:font script="Beng" typeface="Vrinda"/>
-        <a:font script="Gujr" typeface="Shruti"/>
-        <a:font script="Khmr" typeface="MoolBoran"/>
-        <a:font script="Knda" typeface="Tunga"/>
-        <a:font script="Guru" typeface="Raavi"/>
-        <a:font script="Cans" typeface="Euphemia"/>
-        <a:font script="Cher" typeface="Plantagenet Cherokee"/>
-        <a:font script="Yiii" typeface="Microsoft Yi Baiti"/>
-        <a:font script="Tibt" typeface="Microsoft Himalaya"/>
-        <a:font script="Thaa" typeface="MV Boli"/>
-        <a:font script="Deva" typeface="Mangal"/>
-        <a:font script="Telu" typeface="Gautami"/>
-        <a:font script="Taml" typeface="Latha"/>
-        <a:font script="Syrc" typeface="Estrangelo Edessa"/>
-        <a:font script="Orya" typeface="Kalinga"/>
-        <a:font script="Mlym" typeface="Kartika"/>
-        <a:font script="Laoo" typeface="DokChampa"/>
-        <a:font script="Sinh" typeface="Iskoola Pota"/>
-        <a:font script="Mong" typeface="Mongolian Baiti"/>
-        <a:font script="Viet" typeface="Times New Roman"/>
-        <a:font script="Uigh" typeface="Microsoft Uighur"/>
-        <a:font script="Geor" typeface="Sylfaen"/>
-        <a:font script="Armn" typeface="Arial"/>
-        <a:font script="Bugi" typeface="Leelawadee UI"/>
-        <a:font script="Bopo" typeface="Microsoft JhengHei"/>
-        <a:font script="Java" typeface="Javanese Text"/>
-        <a:font script="Lisu" typeface="Segoe UI"/>
-        <a:font script="Mymr" typeface="Myanmar Text"/>
-        <a:font script="Nkoo" typeface="Ebrima"/>
-        <a:font script="Olck" typeface="Nirmala UI"/>
-        <a:font script="Osma" typeface="Ebrima"/>
-        <a:font script="Phag" typeface="Phagspa"/>
-        <a:font script="Syrn" typeface="Estrangelo Edessa"/>
-        <a:font script="Syrj" typeface="Estrangelo Edessa"/>
-        <a:font script="Syre" typeface="Estrangelo Edessa"/>
-        <a:font script="Sora" typeface="Nirmala UI"/>
-        <a:font script="Tale" typeface="Microsoft Tai Le"/>
-        <a:font script="Talu" typeface="Microsoft New Tai Lue"/>
-        <a:font script="Tfng" typeface="Ebrima"/>
-      </a:majorFont>
-      <a:minorFont>
-        <a:latin typeface="Calibri" panose="020F0502020204030204"/>
-        <a:ea typeface=""/>
-        <a:cs typeface=""/>
-        <a:font script="Jpan" typeface="游ゴシック"/>
-        <a:font script="Hang" typeface="맑은 고딕"/>
-        <a:font script="Hans" typeface="等线"/>
-        <a:font script="Hant" typeface="新細明體"/>
-        <a:font script="Arab" typeface="Arial"/>
-        <a:font script="Hebr" typeface="Arial"/>
-        <a:font script="Thai" typeface="Cordia New"/>
+        <a:font script="Arab" typeface="Tahoma"/>
+        <a:font script="Hebr" typeface="Gisha"/>
+        <a:font script="Thai" typeface="DilleniaUPC"/>
         <a:font script="Ethi" typeface="Nyala"/>
         <a:font script="Beng" typeface="Vrinda"/>
         <a:font script="Gujr" typeface="Shruti"/>
@@ -3955,107 +5009,98 @@
         <a:font script="Laoo" typeface="DokChampa"/>
         <a:font script="Sinh" typeface="Iskoola Pota"/>
         <a:font script="Mong" typeface="Mongolian Baiti"/>
-        <a:font script="Viet" typeface="Arial"/>
+        <a:font script="Viet" typeface="Tahoma"/>
         <a:font script="Uigh" typeface="Microsoft Uighur"/>
         <a:font script="Geor" typeface="Sylfaen"/>
-        <a:font script="Armn" typeface="Arial"/>
-        <a:font script="Bugi" typeface="Leelawadee UI"/>
-        <a:font script="Bopo" typeface="Microsoft JhengHei"/>
-        <a:font script="Java" typeface="Javanese Text"/>
-        <a:font script="Lisu" typeface="Segoe UI"/>
-        <a:font script="Mymr" typeface="Myanmar Text"/>
-        <a:font script="Nkoo" typeface="Ebrima"/>
-        <a:font script="Olck" typeface="Nirmala UI"/>
-        <a:font script="Osma" typeface="Ebrima"/>
-        <a:font script="Phag" typeface="Phagspa"/>
-        <a:font script="Syrn" typeface="Estrangelo Edessa"/>
-        <a:font script="Syrj" typeface="Estrangelo Edessa"/>
-        <a:font script="Syre" typeface="Estrangelo Edessa"/>
-        <a:font script="Sora" typeface="Nirmala UI"/>
-        <a:font script="Tale" typeface="Microsoft Tai Le"/>
-        <a:font script="Talu" typeface="Microsoft New Tai Lue"/>
-        <a:font script="Tfng" typeface="Ebrima"/>
+      </a:majorFont>
+      <a:minorFont>
+        <a:latin typeface="Corbel" panose="020B0503020204020204"/>
+        <a:ea typeface=""/>
+        <a:cs typeface=""/>
+        <a:font script="Jpan" typeface="ＭＳ ゴシック"/>
+        <a:font script="Hang" typeface="맑은 고딕"/>
+        <a:font script="Hans" typeface="宋体"/>
+        <a:font script="Hant" typeface="新細明體"/>
+        <a:font script="Arab" typeface="Tahoma"/>
+        <a:font script="Hebr" typeface="Gisha"/>
+        <a:font script="Thai" typeface="DilleniaUPC"/>
+        <a:font script="Ethi" typeface="Nyala"/>
+        <a:font script="Beng" typeface="Vrinda"/>
+        <a:font script="Gujr" typeface="Shruti"/>
+        <a:font script="Khmr" typeface="DaunPenh"/>
+        <a:font script="Knda" typeface="Tunga"/>
+        <a:font script="Guru" typeface="Raavi"/>
+        <a:font script="Cans" typeface="Euphemia"/>
+        <a:font script="Cher" typeface="Plantagenet Cherokee"/>
+        <a:font script="Yiii" typeface="Microsoft Yi Baiti"/>
+        <a:font script="Tibt" typeface="Microsoft Himalaya"/>
+        <a:font script="Thaa" typeface="MV Boli"/>
+        <a:font script="Deva" typeface="Mangal"/>
+        <a:font script="Telu" typeface="Gautami"/>
+        <a:font script="Taml" typeface="Latha"/>
+        <a:font script="Syrc" typeface="Estrangelo Edessa"/>
+        <a:font script="Orya" typeface="Kalinga"/>
+        <a:font script="Mlym" typeface="Kartika"/>
+        <a:font script="Laoo" typeface="DokChampa"/>
+        <a:font script="Sinh" typeface="Iskoola Pota"/>
+        <a:font script="Mong" typeface="Mongolian Baiti"/>
+        <a:font script="Viet" typeface="Verdana"/>
+        <a:font script="Uigh" typeface="Microsoft Uighur"/>
+        <a:font script="Geor" typeface="Sylfaen"/>
       </a:minorFont>
     </a:fontScheme>
-    <a:fmtScheme name="Office">
+    <a:fmtScheme name="Basis">
       <a:fillStyleLst>
         <a:solidFill>
           <a:schemeClr val="phClr"/>
         </a:solidFill>
+        <a:solidFill>
+          <a:schemeClr val="phClr">
+            <a:tint val="55000"/>
+            <a:satMod val="130000"/>
+          </a:schemeClr>
+        </a:solidFill>
         <a:gradFill rotWithShape="1">
           <a:gsLst>
             <a:gs pos="0">
+              <a:schemeClr val="phClr"/>
+            </a:gs>
+            <a:gs pos="90000">
               <a:schemeClr val="phClr">
-                <a:lumMod val="110000"/>
+                <a:shade val="100000"/>
                 <a:satMod val="105000"/>
-                <a:tint val="67000"/>
-              </a:schemeClr>
-            </a:gs>
-            <a:gs pos="50000">
-              <a:schemeClr val="phClr">
-                <a:lumMod val="105000"/>
-                <a:satMod val="103000"/>
-                <a:tint val="73000"/>
               </a:schemeClr>
             </a:gs>
             <a:gs pos="100000">
               <a:schemeClr val="phClr">
-                <a:lumMod val="105000"/>
-                <a:satMod val="109000"/>
-                <a:tint val="81000"/>
+                <a:shade val="80000"/>
+                <a:satMod val="120000"/>
               </a:schemeClr>
             </a:gs>
           </a:gsLst>
-          <a:lin ang="5400000" scaled="0"/>
-        </a:gradFill>
-        <a:gradFill rotWithShape="1">
-          <a:gsLst>
-            <a:gs pos="0">
-              <a:schemeClr val="phClr">
-                <a:satMod val="103000"/>
-                <a:lumMod val="102000"/>
-                <a:tint val="94000"/>
-              </a:schemeClr>
-            </a:gs>
-            <a:gs pos="50000">
-              <a:schemeClr val="phClr">
-                <a:satMod val="110000"/>
-                <a:lumMod val="100000"/>
-                <a:shade val="100000"/>
-              </a:schemeClr>
-            </a:gs>
-            <a:gs pos="100000">
-              <a:schemeClr val="phClr">
-                <a:lumMod val="99000"/>
-                <a:satMod val="120000"/>
-                <a:shade val="78000"/>
-              </a:schemeClr>
-            </a:gs>
-          </a:gsLst>
-          <a:lin ang="5400000" scaled="0"/>
+          <a:path path="circle">
+            <a:fillToRect l="100000" t="100000" r="100000" b="100000"/>
+          </a:path>
         </a:gradFill>
       </a:fillStyleLst>
       <a:lnStyleLst>
-        <a:ln w="6350" cap="flat" cmpd="sng" algn="ctr">
+        <a:ln w="10000" cap="flat" cmpd="sng" algn="ctr">
           <a:solidFill>
             <a:schemeClr val="phClr"/>
           </a:solidFill>
           <a:prstDash val="solid"/>
-          <a:miter lim="800000"/>
-        </a:ln>
-        <a:ln w="12700" cap="flat" cmpd="sng" algn="ctr">
-          <a:solidFill>
-            <a:schemeClr val="phClr"/>
-          </a:solidFill>
-          <a:prstDash val="solid"/>
-          <a:miter lim="800000"/>
         </a:ln>
         <a:ln w="19050" cap="flat" cmpd="sng" algn="ctr">
           <a:solidFill>
             <a:schemeClr val="phClr"/>
           </a:solidFill>
           <a:prstDash val="solid"/>
-          <a:miter lim="800000"/>
+        </a:ln>
+        <a:ln w="53975" cap="flat" cmpd="dbl" algn="ctr">
+          <a:solidFill>
+            <a:schemeClr val="phClr"/>
+          </a:solidFill>
+          <a:prstDash val="solid"/>
         </a:ln>
       </a:lnStyleLst>
       <a:effectStyleLst>
@@ -4063,16 +5108,37 @@
           <a:effectLst/>
         </a:effectStyle>
         <a:effectStyle>
-          <a:effectLst/>
+          <a:effectLst>
+            <a:outerShdw blurRad="38100" dist="25400" dir="5400000" rotWithShape="0">
+              <a:srgbClr val="000000">
+                <a:alpha val="45000"/>
+              </a:srgbClr>
+            </a:outerShdw>
+          </a:effectLst>
         </a:effectStyle>
         <a:effectStyle>
           <a:effectLst>
-            <a:outerShdw blurRad="57150" dist="19050" dir="5400000" algn="ctr" rotWithShape="0">
+            <a:outerShdw blurRad="38100" dist="25400" dir="5400000" rotWithShape="0">
               <a:srgbClr val="000000">
-                <a:alpha val="63000"/>
+                <a:alpha val="45000"/>
               </a:srgbClr>
             </a:outerShdw>
           </a:effectLst>
+          <a:scene3d>
+            <a:camera prst="orthographicFront">
+              <a:rot lat="0" lon="0" rev="0"/>
+            </a:camera>
+            <a:lightRig rig="brightRoom" dir="t"/>
+          </a:scene3d>
+          <a:sp3d extrusionH="12700" contourW="25400" prstMaterial="flat">
+            <a:bevelT w="63500" h="152400" prst="angle"/>
+            <a:contourClr>
+              <a:schemeClr val="phClr">
+                <a:shade val="27000"/>
+                <a:satMod val="120000"/>
+              </a:schemeClr>
+            </a:contourClr>
+          </a:sp3d>
         </a:effectStyle>
       </a:effectStyleLst>
       <a:bgFillStyleLst>
@@ -4082,36 +5148,18 @@
         <a:solidFill>
           <a:schemeClr val="phClr">
             <a:tint val="95000"/>
-            <a:satMod val="170000"/>
+            <a:shade val="95000"/>
+            <a:satMod val="140000"/>
           </a:schemeClr>
         </a:solidFill>
-        <a:gradFill rotWithShape="1">
-          <a:gsLst>
-            <a:gs pos="0">
-              <a:schemeClr val="phClr">
-                <a:tint val="93000"/>
-                <a:satMod val="150000"/>
-                <a:shade val="98000"/>
-                <a:lumMod val="102000"/>
-              </a:schemeClr>
-            </a:gs>
-            <a:gs pos="50000">
-              <a:schemeClr val="phClr">
-                <a:tint val="98000"/>
-                <a:satMod val="130000"/>
-                <a:shade val="90000"/>
-                <a:lumMod val="103000"/>
-              </a:schemeClr>
-            </a:gs>
-            <a:gs pos="100000">
-              <a:schemeClr val="phClr">
-                <a:shade val="63000"/>
-                <a:satMod val="120000"/>
-              </a:schemeClr>
-            </a:gs>
-          </a:gsLst>
-          <a:lin ang="5400000" scaled="0"/>
-        </a:gradFill>
+        <a:solidFill>
+          <a:schemeClr val="phClr">
+            <a:tint val="90000"/>
+            <a:shade val="85000"/>
+            <a:satMod val="160000"/>
+            <a:lumMod val="110000"/>
+          </a:schemeClr>
+        </a:solidFill>
       </a:bgFillStyleLst>
     </a:fmtScheme>
   </a:themeElements>
@@ -4119,7 +5167,7 @@
   <a:extraClrSchemeLst/>
   <a:extLst>
     <a:ext uri="{05A4C25C-085E-4340-85A3-A5531E510DB2}">
-      <thm15:themeFamily xmlns:thm15="http://schemas.microsoft.com/office/thememl/2012/main" name="Office Theme" id="{62F939B6-93AF-4DB8-9C6B-D6C7DFDC589F}" vid="{4A3C46E8-61CC-4603-A589-7422A47A8E4A}"/>
+      <thm15:themeFamily xmlns:thm15="http://schemas.microsoft.com/office/thememl/2012/main" name="Basis" id="{5665723A-49BA-4B57-8411-A56F8F207965}" vid="{D9D01AC2-EE7D-4E49-99EE-8E62E4E7E8A7}"/>
     </a:ext>
   </a:extLst>
 </a:theme>

--- a/Presentation/Sujatha.pptx
+++ b/Presentation/Sujatha.pptx
@@ -10,8 +10,9 @@
     <p:sldId id="264" r:id="rId4"/>
     <p:sldId id="261" r:id="rId5"/>
     <p:sldId id="266" r:id="rId6"/>
-    <p:sldId id="267" r:id="rId7"/>
-    <p:sldId id="259" r:id="rId8"/>
+    <p:sldId id="270" r:id="rId7"/>
+    <p:sldId id="267" r:id="rId8"/>
+    <p:sldId id="259" r:id="rId9"/>
   </p:sldIdLst>
   <p:sldSz cx="12192000" cy="6858000"/>
   <p:notesSz cx="6858000" cy="9144000"/>
@@ -4558,6 +4559,329 @@
           <p:cNvPr id="2" name="Title 1">
             <a:extLst>
               <a:ext uri="{FF2B5EF4-FFF2-40B4-BE49-F238E27FC236}">
+                <a16:creationId xmlns:a16="http://schemas.microsoft.com/office/drawing/2014/main" id="{91AE724F-6A5E-FEFB-DE33-7127F7468308}"/>
+              </a:ext>
+            </a:extLst>
+          </p:cNvPr>
+          <p:cNvSpPr>
+            <a:spLocks noGrp="1"/>
+          </p:cNvSpPr>
+          <p:nvPr/>
+        </p:nvSpPr>
+        <p:spPr>
+          <a:xfrm>
+            <a:off x="838200" y="523081"/>
+            <a:ext cx="10515600" cy="1325563"/>
+          </a:xfrm>
+          <a:prstGeom prst="rect">
+            <a:avLst/>
+          </a:prstGeom>
+        </p:spPr>
+        <p:txBody>
+          <a:bodyPr vert="horz" lIns="91440" tIns="45720" rIns="91440" bIns="45720" rtlCol="0" anchor="ctr">
+            <a:normAutofit/>
+          </a:bodyPr>
+          <a:lstStyle>
+            <a:lvl1pPr algn="l" defTabSz="914400" rtl="0" eaLnBrk="1" latinLnBrk="0" hangingPunct="1">
+              <a:lnSpc>
+                <a:spcPct val="90000"/>
+              </a:lnSpc>
+              <a:spcBef>
+                <a:spcPct val="0"/>
+              </a:spcBef>
+              <a:buNone/>
+              <a:defRPr sz="4400" kern="1200">
+                <a:solidFill>
+                  <a:schemeClr val="tx1"/>
+                </a:solidFill>
+                <a:latin typeface="+mj-lt"/>
+                <a:ea typeface="+mj-ea"/>
+                <a:cs typeface="+mj-cs"/>
+              </a:defRPr>
+            </a:lvl1pPr>
+          </a:lstStyle>
+          <a:p>
+            <a:r>
+              <a:rPr lang="en-US" dirty="0"/>
+              <a:t>Observations</a:t>
+            </a:r>
+          </a:p>
+        </p:txBody>
+      </p:sp>
+      <p:sp>
+        <p:nvSpPr>
+          <p:cNvPr id="3" name="Content Placeholder 2">
+            <a:extLst>
+              <a:ext uri="{FF2B5EF4-FFF2-40B4-BE49-F238E27FC236}">
+                <a16:creationId xmlns:a16="http://schemas.microsoft.com/office/drawing/2014/main" id="{C2759112-79B3-4053-DB4B-6F1A0BBF127E}"/>
+              </a:ext>
+            </a:extLst>
+          </p:cNvPr>
+          <p:cNvSpPr>
+            <a:spLocks noGrp="1"/>
+          </p:cNvSpPr>
+          <p:nvPr/>
+        </p:nvSpPr>
+        <p:spPr>
+          <a:xfrm>
+            <a:off x="838200" y="1983581"/>
+            <a:ext cx="10515600" cy="4351338"/>
+          </a:xfrm>
+          <a:prstGeom prst="rect">
+            <a:avLst/>
+          </a:prstGeom>
+        </p:spPr>
+        <p:txBody>
+          <a:bodyPr vert="horz" lIns="91440" tIns="45720" rIns="91440" bIns="45720" rtlCol="0">
+            <a:normAutofit/>
+          </a:bodyPr>
+          <a:lstStyle>
+            <a:lvl1pPr marL="228600" indent="-228600" algn="l" defTabSz="914400" rtl="0" eaLnBrk="1" latinLnBrk="0" hangingPunct="1">
+              <a:lnSpc>
+                <a:spcPct val="90000"/>
+              </a:lnSpc>
+              <a:spcBef>
+                <a:spcPts val="1000"/>
+              </a:spcBef>
+              <a:buFont typeface="Arial" panose="020B0604020202020204" pitchFamily="34" charset="0"/>
+              <a:buChar char="•"/>
+              <a:defRPr sz="2800" kern="1200">
+                <a:solidFill>
+                  <a:schemeClr val="tx1"/>
+                </a:solidFill>
+                <a:latin typeface="+mn-lt"/>
+                <a:ea typeface="+mn-ea"/>
+                <a:cs typeface="+mn-cs"/>
+              </a:defRPr>
+            </a:lvl1pPr>
+            <a:lvl2pPr marL="685800" indent="-228600" algn="l" defTabSz="914400" rtl="0" eaLnBrk="1" latinLnBrk="0" hangingPunct="1">
+              <a:lnSpc>
+                <a:spcPct val="90000"/>
+              </a:lnSpc>
+              <a:spcBef>
+                <a:spcPts val="500"/>
+              </a:spcBef>
+              <a:buFont typeface="Arial" panose="020B0604020202020204" pitchFamily="34" charset="0"/>
+              <a:buChar char="•"/>
+              <a:defRPr sz="2400" kern="1200">
+                <a:solidFill>
+                  <a:schemeClr val="tx1"/>
+                </a:solidFill>
+                <a:latin typeface="+mn-lt"/>
+                <a:ea typeface="+mn-ea"/>
+                <a:cs typeface="+mn-cs"/>
+              </a:defRPr>
+            </a:lvl2pPr>
+            <a:lvl3pPr marL="1143000" indent="-228600" algn="l" defTabSz="914400" rtl="0" eaLnBrk="1" latinLnBrk="0" hangingPunct="1">
+              <a:lnSpc>
+                <a:spcPct val="90000"/>
+              </a:lnSpc>
+              <a:spcBef>
+                <a:spcPts val="500"/>
+              </a:spcBef>
+              <a:buFont typeface="Arial" panose="020B0604020202020204" pitchFamily="34" charset="0"/>
+              <a:buChar char="•"/>
+              <a:defRPr sz="2000" kern="1200">
+                <a:solidFill>
+                  <a:schemeClr val="tx1"/>
+                </a:solidFill>
+                <a:latin typeface="+mn-lt"/>
+                <a:ea typeface="+mn-ea"/>
+                <a:cs typeface="+mn-cs"/>
+              </a:defRPr>
+            </a:lvl3pPr>
+            <a:lvl4pPr marL="1600200" indent="-228600" algn="l" defTabSz="914400" rtl="0" eaLnBrk="1" latinLnBrk="0" hangingPunct="1">
+              <a:lnSpc>
+                <a:spcPct val="90000"/>
+              </a:lnSpc>
+              <a:spcBef>
+                <a:spcPts val="500"/>
+              </a:spcBef>
+              <a:buFont typeface="Arial" panose="020B0604020202020204" pitchFamily="34" charset="0"/>
+              <a:buChar char="•"/>
+              <a:defRPr sz="1800" kern="1200">
+                <a:solidFill>
+                  <a:schemeClr val="tx1"/>
+                </a:solidFill>
+                <a:latin typeface="+mn-lt"/>
+                <a:ea typeface="+mn-ea"/>
+                <a:cs typeface="+mn-cs"/>
+              </a:defRPr>
+            </a:lvl4pPr>
+            <a:lvl5pPr marL="2057400" indent="-228600" algn="l" defTabSz="914400" rtl="0" eaLnBrk="1" latinLnBrk="0" hangingPunct="1">
+              <a:lnSpc>
+                <a:spcPct val="90000"/>
+              </a:lnSpc>
+              <a:spcBef>
+                <a:spcPts val="500"/>
+              </a:spcBef>
+              <a:buFont typeface="Arial" panose="020B0604020202020204" pitchFamily="34" charset="0"/>
+              <a:buChar char="•"/>
+              <a:defRPr sz="1800" kern="1200">
+                <a:solidFill>
+                  <a:schemeClr val="tx1"/>
+                </a:solidFill>
+                <a:latin typeface="+mn-lt"/>
+                <a:ea typeface="+mn-ea"/>
+                <a:cs typeface="+mn-cs"/>
+              </a:defRPr>
+            </a:lvl5pPr>
+            <a:lvl6pPr marL="2514600" indent="-228600" algn="l" defTabSz="914400" rtl="0" eaLnBrk="1" latinLnBrk="0" hangingPunct="1">
+              <a:lnSpc>
+                <a:spcPct val="90000"/>
+              </a:lnSpc>
+              <a:spcBef>
+                <a:spcPts val="500"/>
+              </a:spcBef>
+              <a:buFont typeface="Arial" panose="020B0604020202020204" pitchFamily="34" charset="0"/>
+              <a:buChar char="•"/>
+              <a:defRPr sz="1800" kern="1200">
+                <a:solidFill>
+                  <a:schemeClr val="tx1"/>
+                </a:solidFill>
+                <a:latin typeface="+mn-lt"/>
+                <a:ea typeface="+mn-ea"/>
+                <a:cs typeface="+mn-cs"/>
+              </a:defRPr>
+            </a:lvl6pPr>
+            <a:lvl7pPr marL="2971800" indent="-228600" algn="l" defTabSz="914400" rtl="0" eaLnBrk="1" latinLnBrk="0" hangingPunct="1">
+              <a:lnSpc>
+                <a:spcPct val="90000"/>
+              </a:lnSpc>
+              <a:spcBef>
+                <a:spcPts val="500"/>
+              </a:spcBef>
+              <a:buFont typeface="Arial" panose="020B0604020202020204" pitchFamily="34" charset="0"/>
+              <a:buChar char="•"/>
+              <a:defRPr sz="1800" kern="1200">
+                <a:solidFill>
+                  <a:schemeClr val="tx1"/>
+                </a:solidFill>
+                <a:latin typeface="+mn-lt"/>
+                <a:ea typeface="+mn-ea"/>
+                <a:cs typeface="+mn-cs"/>
+              </a:defRPr>
+            </a:lvl7pPr>
+            <a:lvl8pPr marL="3429000" indent="-228600" algn="l" defTabSz="914400" rtl="0" eaLnBrk="1" latinLnBrk="0" hangingPunct="1">
+              <a:lnSpc>
+                <a:spcPct val="90000"/>
+              </a:lnSpc>
+              <a:spcBef>
+                <a:spcPts val="500"/>
+              </a:spcBef>
+              <a:buFont typeface="Arial" panose="020B0604020202020204" pitchFamily="34" charset="0"/>
+              <a:buChar char="•"/>
+              <a:defRPr sz="1800" kern="1200">
+                <a:solidFill>
+                  <a:schemeClr val="tx1"/>
+                </a:solidFill>
+                <a:latin typeface="+mn-lt"/>
+                <a:ea typeface="+mn-ea"/>
+                <a:cs typeface="+mn-cs"/>
+              </a:defRPr>
+            </a:lvl8pPr>
+            <a:lvl9pPr marL="3886200" indent="-228600" algn="l" defTabSz="914400" rtl="0" eaLnBrk="1" latinLnBrk="0" hangingPunct="1">
+              <a:lnSpc>
+                <a:spcPct val="90000"/>
+              </a:lnSpc>
+              <a:spcBef>
+                <a:spcPts val="500"/>
+              </a:spcBef>
+              <a:buFont typeface="Arial" panose="020B0604020202020204" pitchFamily="34" charset="0"/>
+              <a:buChar char="•"/>
+              <a:defRPr sz="1800" kern="1200">
+                <a:solidFill>
+                  <a:schemeClr val="tx1"/>
+                </a:solidFill>
+                <a:latin typeface="+mn-lt"/>
+                <a:ea typeface="+mn-ea"/>
+                <a:cs typeface="+mn-cs"/>
+              </a:defRPr>
+            </a:lvl9pPr>
+          </a:lstStyle>
+          <a:p>
+            <a:pPr marL="0" indent="0">
+              <a:buNone/>
+            </a:pPr>
+            <a:endParaRPr lang="en-US" sz="1800" dirty="0">
+              <a:latin typeface="Arial" panose="020B0604020202020204" pitchFamily="34" charset="0"/>
+              <a:cs typeface="Arial" panose="020B0604020202020204" pitchFamily="34" charset="0"/>
+            </a:endParaRPr>
+          </a:p>
+          <a:p>
+            <a:pPr marL="0" indent="0">
+              <a:buNone/>
+            </a:pPr>
+            <a:r>
+              <a:rPr lang="en-US" sz="1800" dirty="0">
+                <a:latin typeface="Arial" panose="020B0604020202020204" pitchFamily="34" charset="0"/>
+                <a:cs typeface="Arial" panose="020B0604020202020204" pitchFamily="34" charset="0"/>
+              </a:rPr>
+              <a:t>Investigate the relationship between incident frequency and time of the day:</a:t>
+            </a:r>
+            <a:endParaRPr lang="en-US" sz="1800" dirty="0"/>
+          </a:p>
+          <a:p>
+            <a:r>
+              <a:rPr lang="en-US" sz="1800" dirty="0"/>
+              <a:t>The frequency of incidents is significantly lower during morning commute hours. In contrast, it tends to be higher during the evening rush hour. Moreover, incidents are significantly more frequent during nighttime</a:t>
+            </a:r>
+          </a:p>
+          <a:p>
+            <a:endParaRPr lang="en-US" sz="1800" dirty="0"/>
+          </a:p>
+          <a:p>
+            <a:r>
+              <a:rPr lang="en-US" sz="1800" dirty="0"/>
+              <a:t>In a span of 5 years, incident frequencies show the following trends across time periods: low during evening, gradually increasing in the afternoon, further rising in the evening, and reaching their highest point at night.</a:t>
+            </a:r>
+          </a:p>
+          <a:p>
+            <a:endParaRPr lang="en-US" sz="1800" dirty="0"/>
+          </a:p>
+          <a:p>
+            <a:r>
+              <a:rPr lang="en-US" sz="1800" dirty="0"/>
+              <a:t>Checking out a bar chart that shows the total incidents over 5 years, you can see that in 2020 and 2021, there were fewer accidents because of the pandemic</a:t>
+            </a:r>
+          </a:p>
+        </p:txBody>
+      </p:sp>
+    </p:spTree>
+    <p:extLst>
+      <p:ext uri="{BB962C8B-B14F-4D97-AF65-F5344CB8AC3E}">
+        <p14:creationId xmlns:p14="http://schemas.microsoft.com/office/powerpoint/2010/main" val="3028110389"/>
+      </p:ext>
+    </p:extLst>
+  </p:cSld>
+  <p:clrMapOvr>
+    <a:masterClrMapping/>
+  </p:clrMapOvr>
+</p:sld>
+</file>
+
+<file path=ppt/slides/slide7.xml><?xml version="1.0" encoding="utf-8"?>
+<p:sld xmlns:a="http://schemas.openxmlformats.org/drawingml/2006/main" xmlns:r="http://schemas.openxmlformats.org/officeDocument/2006/relationships" xmlns:p="http://schemas.openxmlformats.org/presentationml/2006/main">
+  <p:cSld>
+    <p:spTree>
+      <p:nvGrpSpPr>
+        <p:cNvPr id="1" name=""/>
+        <p:cNvGrpSpPr/>
+        <p:nvPr/>
+      </p:nvGrpSpPr>
+      <p:grpSpPr>
+        <a:xfrm>
+          <a:off x="0" y="0"/>
+          <a:ext cx="0" cy="0"/>
+          <a:chOff x="0" y="0"/>
+          <a:chExt cx="0" cy="0"/>
+        </a:xfrm>
+      </p:grpSpPr>
+      <p:sp>
+        <p:nvSpPr>
+          <p:cNvPr id="2" name="Title 1">
+            <a:extLst>
+              <a:ext uri="{FF2B5EF4-FFF2-40B4-BE49-F238E27FC236}">
                 <a16:creationId xmlns:a16="http://schemas.microsoft.com/office/drawing/2014/main" id="{C51EFAE7-362C-2DBC-A7B8-14E59F4A15B2}"/>
               </a:ext>
             </a:extLst>
@@ -4743,7 +5067,7 @@
 </p:sld>
 </file>
 
-<file path=ppt/slides/slide7.xml><?xml version="1.0" encoding="utf-8"?>
+<file path=ppt/slides/slide8.xml><?xml version="1.0" encoding="utf-8"?>
 <p:sld xmlns:a="http://schemas.openxmlformats.org/drawingml/2006/main" xmlns:r="http://schemas.openxmlformats.org/officeDocument/2006/relationships" xmlns:p="http://schemas.openxmlformats.org/presentationml/2006/main">
   <p:cSld>
     <p:spTree>

--- a/Presentation/Sujatha.pptx
+++ b/Presentation/Sujatha.pptx
@@ -315,7 +315,7 @@
           <a:p>
             <a:fld id="{E4F5F9B4-EA4D-4D18-B9F1-994D21645920}" type="datetimeFigureOut">
               <a:rPr lang="en-US" smtClean="0"/>
-              <a:t>8/27/2023</a:t>
+              <a:t>8/28/2023</a:t>
             </a:fld>
             <a:endParaRPr lang="en-US"/>
           </a:p>
@@ -536,7 +536,7 @@
           <a:p>
             <a:fld id="{E4F5F9B4-EA4D-4D18-B9F1-994D21645920}" type="datetimeFigureOut">
               <a:rPr lang="en-US" smtClean="0"/>
-              <a:t>8/27/2023</a:t>
+              <a:t>8/28/2023</a:t>
             </a:fld>
             <a:endParaRPr lang="en-US"/>
           </a:p>
@@ -716,7 +716,7 @@
           <a:p>
             <a:fld id="{E4F5F9B4-EA4D-4D18-B9F1-994D21645920}" type="datetimeFigureOut">
               <a:rPr lang="en-US" smtClean="0"/>
-              <a:t>8/27/2023</a:t>
+              <a:t>8/28/2023</a:t>
             </a:fld>
             <a:endParaRPr lang="en-US"/>
           </a:p>
@@ -886,7 +886,7 @@
           <a:p>
             <a:fld id="{E4F5F9B4-EA4D-4D18-B9F1-994D21645920}" type="datetimeFigureOut">
               <a:rPr lang="en-US" smtClean="0"/>
-              <a:t>8/27/2023</a:t>
+              <a:t>8/28/2023</a:t>
             </a:fld>
             <a:endParaRPr lang="en-US"/>
           </a:p>
@@ -1137,7 +1137,7 @@
           <a:p>
             <a:fld id="{E4F5F9B4-EA4D-4D18-B9F1-994D21645920}" type="datetimeFigureOut">
               <a:rPr lang="en-US" smtClean="0"/>
-              <a:t>8/27/2023</a:t>
+              <a:t>8/28/2023</a:t>
             </a:fld>
             <a:endParaRPr lang="en-US"/>
           </a:p>
@@ -1460,7 +1460,7 @@
           <a:p>
             <a:fld id="{E4F5F9B4-EA4D-4D18-B9F1-994D21645920}" type="datetimeFigureOut">
               <a:rPr lang="en-US" smtClean="0"/>
-              <a:t>8/27/2023</a:t>
+              <a:t>8/28/2023</a:t>
             </a:fld>
             <a:endParaRPr lang="en-US"/>
           </a:p>
@@ -1884,7 +1884,7 @@
           <a:p>
             <a:fld id="{E4F5F9B4-EA4D-4D18-B9F1-994D21645920}" type="datetimeFigureOut">
               <a:rPr lang="en-US" smtClean="0"/>
-              <a:t>8/27/2023</a:t>
+              <a:t>8/28/2023</a:t>
             </a:fld>
             <a:endParaRPr lang="en-US"/>
           </a:p>
@@ -2002,7 +2002,7 @@
           <a:p>
             <a:fld id="{E4F5F9B4-EA4D-4D18-B9F1-994D21645920}" type="datetimeFigureOut">
               <a:rPr lang="en-US" smtClean="0"/>
-              <a:t>8/27/2023</a:t>
+              <a:t>8/28/2023</a:t>
             </a:fld>
             <a:endParaRPr lang="en-US"/>
           </a:p>
@@ -2097,7 +2097,7 @@
           <a:p>
             <a:fld id="{E4F5F9B4-EA4D-4D18-B9F1-994D21645920}" type="datetimeFigureOut">
               <a:rPr lang="en-US" smtClean="0"/>
-              <a:t>8/27/2023</a:t>
+              <a:t>8/28/2023</a:t>
             </a:fld>
             <a:endParaRPr lang="en-US"/>
           </a:p>
@@ -2387,7 +2387,7 @@
           <a:p>
             <a:fld id="{E4F5F9B4-EA4D-4D18-B9F1-994D21645920}" type="datetimeFigureOut">
               <a:rPr lang="en-US" smtClean="0"/>
-              <a:t>8/27/2023</a:t>
+              <a:t>8/28/2023</a:t>
             </a:fld>
             <a:endParaRPr lang="en-US"/>
           </a:p>
@@ -2659,7 +2659,7 @@
           <a:p>
             <a:fld id="{E4F5F9B4-EA4D-4D18-B9F1-994D21645920}" type="datetimeFigureOut">
               <a:rPr lang="en-US" smtClean="0"/>
-              <a:t>8/27/2023</a:t>
+              <a:t>8/28/2023</a:t>
             </a:fld>
             <a:endParaRPr lang="en-US"/>
           </a:p>
@@ -2913,7 +2913,7 @@
           <a:p>
             <a:fld id="{E4F5F9B4-EA4D-4D18-B9F1-994D21645920}" type="datetimeFigureOut">
               <a:rPr lang="en-US" smtClean="0"/>
-              <a:t>8/27/2023</a:t>
+              <a:t>8/28/2023</a:t>
             </a:fld>
             <a:endParaRPr lang="en-US"/>
           </a:p>
@@ -4035,8 +4035,8 @@
         </p:nvSpPr>
         <p:spPr>
           <a:xfrm>
-            <a:off x="665853" y="1416326"/>
-            <a:ext cx="4015477" cy="4522236"/>
+            <a:off x="665853" y="1620078"/>
+            <a:ext cx="4015477" cy="4318484"/>
           </a:xfrm>
         </p:spPr>
         <p:txBody>
@@ -4044,13 +4044,6 @@
             <a:normAutofit/>
           </a:bodyPr>
           <a:lstStyle/>
-          <a:p>
-            <a:pPr marL="342900" indent="-342900">
-              <a:buFont typeface="Arial" panose="020B0604020202020204" pitchFamily="34" charset="0"/>
-              <a:buChar char="•"/>
-            </a:pPr>
-            <a:endParaRPr lang="en-US" sz="2000" dirty="0"/>
-          </a:p>
           <a:p>
             <a:endParaRPr lang="en-US" sz="2000" dirty="0">
               <a:latin typeface="Calibri" panose="020F0502020204030204" pitchFamily="34" charset="0"/>
@@ -4069,7 +4062,7 @@
                 <a:ea typeface="Calibri" panose="020F0502020204030204" pitchFamily="34" charset="0"/>
                 <a:cs typeface="Calibri" panose="020F0502020204030204" pitchFamily="34" charset="0"/>
               </a:rPr>
-              <a:t>Fewer accidents in 2020 and 2021 due to the pandemic.</a:t>
+              <a:t>The number of accidents in 2022 decreased by 30% compared to 2018</a:t>
             </a:r>
           </a:p>
           <a:p>
@@ -4077,25 +4070,35 @@
               <a:buFont typeface="Arial" panose="020B0604020202020204" pitchFamily="34" charset="0"/>
               <a:buChar char="•"/>
             </a:pPr>
+            <a:r>
+              <a:rPr lang="en-US" sz="2000" dirty="0">
+                <a:latin typeface="Calibri" panose="020F0502020204030204" pitchFamily="34" charset="0"/>
+                <a:ea typeface="Calibri" panose="020F0502020204030204" pitchFamily="34" charset="0"/>
+                <a:cs typeface="Calibri" panose="020F0502020204030204" pitchFamily="34" charset="0"/>
+              </a:rPr>
+              <a:t>Fewer accidents occurred in 2020 and 2021 due to the pandemic and lockdown measures</a:t>
+            </a:r>
+          </a:p>
+          <a:p>
+            <a:pPr marL="342900" indent="-342900">
+              <a:buFont typeface="Arial" panose="020B0604020202020204" pitchFamily="34" charset="0"/>
+              <a:buChar char="•"/>
+            </a:pPr>
+            <a:r>
+              <a:rPr lang="en-US" sz="2000" dirty="0">
+                <a:latin typeface="Calibri" panose="020F0502020204030204" pitchFamily="34" charset="0"/>
+                <a:ea typeface="Calibri" panose="020F0502020204030204" pitchFamily="34" charset="0"/>
+                <a:cs typeface="Calibri" panose="020F0502020204030204" pitchFamily="34" charset="0"/>
+              </a:rPr>
+              <a:t>No of incidents in 2022 is lowered compared to 2018,2019</a:t>
+            </a:r>
+          </a:p>
+          <a:p>
             <a:endParaRPr lang="en-US" sz="2000" dirty="0">
               <a:latin typeface="Calibri" panose="020F0502020204030204" pitchFamily="34" charset="0"/>
               <a:ea typeface="Calibri" panose="020F0502020204030204" pitchFamily="34" charset="0"/>
               <a:cs typeface="Calibri" panose="020F0502020204030204" pitchFamily="34" charset="0"/>
             </a:endParaRPr>
-          </a:p>
-          <a:p>
-            <a:pPr marL="342900" indent="-342900">
-              <a:buFont typeface="Arial" panose="020B0604020202020204" pitchFamily="34" charset="0"/>
-              <a:buChar char="•"/>
-            </a:pPr>
-            <a:r>
-              <a:rPr lang="en-US" sz="2000" dirty="0">
-                <a:latin typeface="Calibri" panose="020F0502020204030204" pitchFamily="34" charset="0"/>
-                <a:ea typeface="Calibri" panose="020F0502020204030204" pitchFamily="34" charset="0"/>
-                <a:cs typeface="Calibri" panose="020F0502020204030204" pitchFamily="34" charset="0"/>
-              </a:rPr>
-              <a:t>The frequency of accidents gradually decreased over the years</a:t>
-            </a:r>
           </a:p>
         </p:txBody>
       </p:sp>
@@ -4204,7 +4207,11 @@
           </a:bodyPr>
           <a:lstStyle/>
           <a:p>
-            <a:endParaRPr lang="en-US" sz="2000" dirty="0"/>
+            <a:endParaRPr lang="en-US" sz="2000" dirty="0">
+              <a:latin typeface="Calibri" panose="020F0502020204030204" pitchFamily="34" charset="0"/>
+              <a:ea typeface="Calibri" panose="020F0502020204030204" pitchFamily="34" charset="0"/>
+              <a:cs typeface="Calibri" panose="020F0502020204030204" pitchFamily="34" charset="0"/>
+            </a:endParaRPr>
           </a:p>
           <a:p>
             <a:pPr marL="342900" indent="-342900">
@@ -4225,17 +4232,6 @@
               <a:buFont typeface="Arial" panose="020B0604020202020204" pitchFamily="34" charset="0"/>
               <a:buChar char="•"/>
             </a:pPr>
-            <a:endParaRPr lang="en-US" sz="2000" dirty="0">
-              <a:latin typeface="Calibri" panose="020F0502020204030204" pitchFamily="34" charset="0"/>
-              <a:ea typeface="Calibri" panose="020F0502020204030204" pitchFamily="34" charset="0"/>
-              <a:cs typeface="Calibri" panose="020F0502020204030204" pitchFamily="34" charset="0"/>
-            </a:endParaRPr>
-          </a:p>
-          <a:p>
-            <a:pPr marL="342900" indent="-342900">
-              <a:buFont typeface="Arial" panose="020B0604020202020204" pitchFamily="34" charset="0"/>
-              <a:buChar char="•"/>
-            </a:pPr>
             <a:r>
               <a:rPr lang="en-US" sz="2000" dirty="0">
                 <a:latin typeface="Calibri" panose="020F0502020204030204" pitchFamily="34" charset="0"/>
@@ -4250,36 +4246,14 @@
               <a:buFont typeface="Arial" panose="020B0604020202020204" pitchFamily="34" charset="0"/>
               <a:buChar char="•"/>
             </a:pPr>
-            <a:endParaRPr lang="en-US" sz="2000" dirty="0">
-              <a:latin typeface="Calibri" panose="020F0502020204030204" pitchFamily="34" charset="0"/>
-              <a:ea typeface="Calibri" panose="020F0502020204030204" pitchFamily="34" charset="0"/>
-              <a:cs typeface="Calibri" panose="020F0502020204030204" pitchFamily="34" charset="0"/>
-            </a:endParaRPr>
-          </a:p>
-          <a:p>
-            <a:pPr marL="342900" indent="-342900">
-              <a:buFont typeface="Arial" panose="020B0604020202020204" pitchFamily="34" charset="0"/>
-              <a:buChar char="•"/>
-            </a:pPr>
             <a:r>
               <a:rPr lang="en-US" sz="2000" dirty="0">
                 <a:latin typeface="Calibri" panose="020F0502020204030204" pitchFamily="34" charset="0"/>
                 <a:ea typeface="Calibri" panose="020F0502020204030204" pitchFamily="34" charset="0"/>
                 <a:cs typeface="Calibri" panose="020F0502020204030204" pitchFamily="34" charset="0"/>
               </a:rPr>
-              <a:t>Further rise in the evening.</a:t>
-            </a:r>
-          </a:p>
-          <a:p>
-            <a:pPr marL="342900" indent="-342900">
-              <a:buFont typeface="Arial" panose="020B0604020202020204" pitchFamily="34" charset="0"/>
-              <a:buChar char="•"/>
-            </a:pPr>
-            <a:endParaRPr lang="en-US" sz="2000" dirty="0">
-              <a:latin typeface="Calibri" panose="020F0502020204030204" pitchFamily="34" charset="0"/>
-              <a:ea typeface="Calibri" panose="020F0502020204030204" pitchFamily="34" charset="0"/>
-              <a:cs typeface="Calibri" panose="020F0502020204030204" pitchFamily="34" charset="0"/>
-            </a:endParaRPr>
+              <a:t>The frequencies of the incident in the evening and at night are somewhat similar</a:t>
+            </a:r>
           </a:p>
           <a:p>
             <a:pPr marL="342900" indent="-342900">
@@ -4292,12 +4266,9 @@
                 <a:ea typeface="Calibri" panose="020F0502020204030204" pitchFamily="34" charset="0"/>
                 <a:cs typeface="Calibri" panose="020F0502020204030204" pitchFamily="34" charset="0"/>
               </a:rPr>
-              <a:t>Peak frequency reached at night</a:t>
-            </a:r>
-            <a:r>
-              <a:rPr lang="en-US" sz="2000" dirty="0"/>
-              <a:t>.</a:t>
-            </a:r>
+              <a:t>The trend is consistent across all the years.</a:t>
+            </a:r>
+            <a:endParaRPr lang="en-US" sz="2000" dirty="0"/>
           </a:p>
         </p:txBody>
       </p:sp>
@@ -4417,8 +4388,8 @@
         </p:nvSpPr>
         <p:spPr>
           <a:xfrm>
-            <a:off x="665853" y="1416326"/>
-            <a:ext cx="4015477" cy="4522236"/>
+            <a:off x="665854" y="1416326"/>
+            <a:ext cx="3821664" cy="4522236"/>
           </a:xfrm>
         </p:spPr>
         <p:txBody>
@@ -4440,19 +4411,8 @@
                 <a:ea typeface="Calibri" panose="020F0502020204030204" pitchFamily="34" charset="0"/>
                 <a:cs typeface="Calibri" panose="020F0502020204030204" pitchFamily="34" charset="0"/>
               </a:rPr>
-              <a:t>Significantly lower incidents during morning commute hours.</a:t>
-            </a:r>
-          </a:p>
-          <a:p>
-            <a:pPr marL="342900" indent="-342900">
-              <a:buFont typeface="Arial" panose="020B0604020202020204" pitchFamily="34" charset="0"/>
-              <a:buChar char="•"/>
-            </a:pPr>
-            <a:endParaRPr lang="en-US" sz="2000" dirty="0">
-              <a:latin typeface="Calibri" panose="020F0502020204030204" pitchFamily="34" charset="0"/>
-              <a:ea typeface="Calibri" panose="020F0502020204030204" pitchFamily="34" charset="0"/>
-              <a:cs typeface="Calibri" panose="020F0502020204030204" pitchFamily="34" charset="0"/>
-            </a:endParaRPr>
+              <a:t>Significantly fewer incidents occur during the morning commute hours because people are more alert and less fatigued during that time</a:t>
+            </a:r>
           </a:p>
           <a:p>
             <a:pPr marL="342900" indent="-342900">
@@ -4465,19 +4425,8 @@
                 <a:ea typeface="Calibri" panose="020F0502020204030204" pitchFamily="34" charset="0"/>
                 <a:cs typeface="Calibri" panose="020F0502020204030204" pitchFamily="34" charset="0"/>
               </a:rPr>
-              <a:t>Higher incidents during evening rush hour.</a:t>
-            </a:r>
-          </a:p>
-          <a:p>
-            <a:pPr marL="342900" indent="-342900">
-              <a:buFont typeface="Arial" panose="020B0604020202020204" pitchFamily="34" charset="0"/>
-              <a:buChar char="•"/>
-            </a:pPr>
-            <a:endParaRPr lang="en-US" sz="2000" dirty="0">
-              <a:latin typeface="Calibri" panose="020F0502020204030204" pitchFamily="34" charset="0"/>
-              <a:ea typeface="Calibri" panose="020F0502020204030204" pitchFamily="34" charset="0"/>
-              <a:cs typeface="Calibri" panose="020F0502020204030204" pitchFamily="34" charset="0"/>
-            </a:endParaRPr>
+              <a:t>Accidents are gradually increasing after 10 AM</a:t>
+            </a:r>
           </a:p>
           <a:p>
             <a:pPr marL="342900" indent="-342900">
@@ -4490,7 +4439,7 @@
                 <a:ea typeface="Calibri" panose="020F0502020204030204" pitchFamily="34" charset="0"/>
                 <a:cs typeface="Calibri" panose="020F0502020204030204" pitchFamily="34" charset="0"/>
               </a:rPr>
-              <a:t>More frequent incidents during nighttime.</a:t>
+              <a:t>More frequent incidents occur during nighttime due to poor vision while driving, with drunk driving potentially contributing as well</a:t>
             </a:r>
           </a:p>
         </p:txBody>
@@ -4519,8 +4468,8 @@
         </p:blipFill>
         <p:spPr>
           <a:xfrm>
-            <a:off x="4445275" y="1242391"/>
-            <a:ext cx="7372351" cy="4293705"/>
+            <a:off x="4711149" y="1242391"/>
+            <a:ext cx="7106478" cy="4293705"/>
           </a:xfrm>
         </p:spPr>
       </p:pic>
@@ -4824,7 +4773,7 @@
           <a:p>
             <a:r>
               <a:rPr lang="en-US" sz="1800" dirty="0"/>
-              <a:t>The frequency of incidents is significantly lower during morning commute hours. In contrast, it tends to be higher during the evening rush hour. Moreover, incidents are significantly more frequent during nighttime</a:t>
+              <a:t>In 2022, there were 30% fewer accidents compared to 2018. The years 2020 and 2021 had fewer accidents due to the pandemic and lockdowns. The number of incidents in 2022 was lower than in 2018 and 2019. Evening hours had fewer incidents, while afternoons saw a gradual increase.</a:t>
             </a:r>
           </a:p>
           <a:p>
@@ -4833,7 +4782,7 @@
           <a:p>
             <a:r>
               <a:rPr lang="en-US" sz="1800" dirty="0"/>
-              <a:t>In a span of 5 years, incident frequencies show the following trends across time periods: low during evening, gradually increasing in the afternoon, further rising in the evening, and reaching their highest point at night.</a:t>
+              <a:t>Incidents in the evening and at night were somewhat similar. This trend stayed the same over the years. Fewer accidents happened during morning commutes because people were more alert. After 10 AM, accidents started increasing gradually.</a:t>
             </a:r>
           </a:p>
           <a:p>
@@ -4842,7 +4791,7 @@
           <a:p>
             <a:r>
               <a:rPr lang="en-US" sz="1800" dirty="0"/>
-              <a:t>Checking out a bar chart that shows the total incidents over 5 years, you can see that in 2020 and 2021, there were fewer accidents because of the pandemic</a:t>
+              <a:t>More accidents occurred at night, likely because of poor visibility and possibly drunk driving. This shows that the time of day influences accident rates, highlighting the need for safety measures.</a:t>
             </a:r>
           </a:p>
         </p:txBody>

--- a/Presentation/Sujatha.pptx
+++ b/Presentation/Sujatha.pptx
@@ -5,14 +5,10 @@
     <p:sldMasterId id="2147483946" r:id="rId1"/>
   </p:sldMasterIdLst>
   <p:sldIdLst>
-    <p:sldId id="268" r:id="rId2"/>
-    <p:sldId id="269" r:id="rId3"/>
-    <p:sldId id="264" r:id="rId4"/>
-    <p:sldId id="261" r:id="rId5"/>
-    <p:sldId id="266" r:id="rId6"/>
-    <p:sldId id="270" r:id="rId7"/>
-    <p:sldId id="267" r:id="rId8"/>
-    <p:sldId id="259" r:id="rId9"/>
+    <p:sldId id="264" r:id="rId2"/>
+    <p:sldId id="261" r:id="rId3"/>
+    <p:sldId id="266" r:id="rId4"/>
+    <p:sldId id="270" r:id="rId5"/>
   </p:sldIdLst>
   <p:sldSz cx="12192000" cy="6858000"/>
   <p:notesSz cx="6858000" cy="9144000"/>
@@ -3379,581 +3375,6 @@
           <p:cNvPr id="2" name="Title 1">
             <a:extLst>
               <a:ext uri="{FF2B5EF4-FFF2-40B4-BE49-F238E27FC236}">
-                <a16:creationId xmlns:a16="http://schemas.microsoft.com/office/drawing/2014/main" id="{396C7DEF-F846-0D2F-95C9-18DA21AA5D46}"/>
-              </a:ext>
-            </a:extLst>
-          </p:cNvPr>
-          <p:cNvSpPr>
-            <a:spLocks noGrp="1"/>
-          </p:cNvSpPr>
-          <p:nvPr>
-            <p:ph type="ctrTitle"/>
-          </p:nvPr>
-        </p:nvSpPr>
-        <p:spPr/>
-        <p:txBody>
-          <a:bodyPr/>
-          <a:lstStyle/>
-          <a:p>
-            <a:r>
-              <a:rPr lang="en-US" sz="4800" b="1" i="0" dirty="0" err="1">
-                <a:solidFill>
-                  <a:srgbClr val="E6EDF3"/>
-                </a:solidFill>
-                <a:effectLst/>
-                <a:latin typeface="-apple-system"/>
-              </a:rPr>
-              <a:t>TrafFic</a:t>
-            </a:r>
-            <a:r>
-              <a:rPr lang="en-US" sz="4800" dirty="0">
-                <a:solidFill>
-                  <a:srgbClr val="E6EDF3"/>
-                </a:solidFill>
-                <a:latin typeface="-apple-system"/>
-              </a:rPr>
-              <a:t> </a:t>
-            </a:r>
-            <a:r>
-              <a:rPr lang="en-US" sz="4800" b="1" i="0" dirty="0">
-                <a:solidFill>
-                  <a:srgbClr val="E6EDF3"/>
-                </a:solidFill>
-                <a:effectLst/>
-                <a:latin typeface="-apple-system"/>
-              </a:rPr>
-              <a:t>Safety Enhancement</a:t>
-            </a:r>
-            <a:br>
-              <a:rPr lang="en-US" b="1" i="0" dirty="0">
-                <a:solidFill>
-                  <a:srgbClr val="E6EDF3"/>
-                </a:solidFill>
-                <a:effectLst/>
-                <a:latin typeface="-apple-system"/>
-              </a:rPr>
-            </a:br>
-            <a:endParaRPr lang="en-US" dirty="0"/>
-          </a:p>
-        </p:txBody>
-      </p:sp>
-      <p:sp>
-        <p:nvSpPr>
-          <p:cNvPr id="3" name="Subtitle 2">
-            <a:extLst>
-              <a:ext uri="{FF2B5EF4-FFF2-40B4-BE49-F238E27FC236}">
-                <a16:creationId xmlns:a16="http://schemas.microsoft.com/office/drawing/2014/main" id="{188DF3F4-8C05-5302-364B-F550384B6E6D}"/>
-              </a:ext>
-            </a:extLst>
-          </p:cNvPr>
-          <p:cNvSpPr>
-            <a:spLocks noGrp="1"/>
-          </p:cNvSpPr>
-          <p:nvPr>
-            <p:ph type="subTitle" idx="1"/>
-          </p:nvPr>
-        </p:nvSpPr>
-        <p:spPr/>
-        <p:txBody>
-          <a:bodyPr/>
-          <a:lstStyle/>
-          <a:p>
-            <a:endParaRPr lang="en-US" b="0" i="0" dirty="0">
-              <a:solidFill>
-                <a:srgbClr val="E6EDF3"/>
-              </a:solidFill>
-              <a:effectLst/>
-              <a:latin typeface="-apple-system"/>
-            </a:endParaRPr>
-          </a:p>
-          <a:p>
-            <a:r>
-              <a:rPr lang="en-US" b="0" i="0" dirty="0">
-                <a:solidFill>
-                  <a:srgbClr val="E6EDF3"/>
-                </a:solidFill>
-                <a:effectLst/>
-                <a:latin typeface="-apple-system"/>
-              </a:rPr>
-              <a:t>Transportation and Traffic Safety Enhancement in Austin, Texas</a:t>
-            </a:r>
-            <a:endParaRPr lang="en-US" dirty="0"/>
-          </a:p>
-        </p:txBody>
-      </p:sp>
-    </p:spTree>
-    <p:extLst>
-      <p:ext uri="{BB962C8B-B14F-4D97-AF65-F5344CB8AC3E}">
-        <p14:creationId xmlns:p14="http://schemas.microsoft.com/office/powerpoint/2010/main" val="565094552"/>
-      </p:ext>
-    </p:extLst>
-  </p:cSld>
-  <p:clrMapOvr>
-    <a:masterClrMapping/>
-  </p:clrMapOvr>
-</p:sld>
-</file>
-
-<file path=ppt/slides/slide2.xml><?xml version="1.0" encoding="utf-8"?>
-<p:sld xmlns:a="http://schemas.openxmlformats.org/drawingml/2006/main" xmlns:r="http://schemas.openxmlformats.org/officeDocument/2006/relationships" xmlns:p="http://schemas.openxmlformats.org/presentationml/2006/main">
-  <p:cSld>
-    <p:spTree>
-      <p:nvGrpSpPr>
-        <p:cNvPr id="1" name=""/>
-        <p:cNvGrpSpPr/>
-        <p:nvPr/>
-      </p:nvGrpSpPr>
-      <p:grpSpPr>
-        <a:xfrm>
-          <a:off x="0" y="0"/>
-          <a:ext cx="0" cy="0"/>
-          <a:chOff x="0" y="0"/>
-          <a:chExt cx="0" cy="0"/>
-        </a:xfrm>
-      </p:grpSpPr>
-      <p:sp>
-        <p:nvSpPr>
-          <p:cNvPr id="3" name="Content Placeholder 2">
-            <a:extLst>
-              <a:ext uri="{FF2B5EF4-FFF2-40B4-BE49-F238E27FC236}">
-                <a16:creationId xmlns:a16="http://schemas.microsoft.com/office/drawing/2014/main" id="{8526CB7F-AC5B-6FBA-FD4A-82CBA0CFCB2F}"/>
-              </a:ext>
-            </a:extLst>
-          </p:cNvPr>
-          <p:cNvSpPr>
-            <a:spLocks noGrp="1"/>
-          </p:cNvSpPr>
-          <p:nvPr>
-            <p:ph idx="1"/>
-          </p:nvPr>
-        </p:nvSpPr>
-        <p:spPr>
-          <a:xfrm>
-            <a:off x="1143000" y="1068457"/>
-            <a:ext cx="9872871" cy="5027543"/>
-          </a:xfrm>
-        </p:spPr>
-        <p:txBody>
-          <a:bodyPr>
-            <a:normAutofit fontScale="92500" lnSpcReduction="10000"/>
-          </a:bodyPr>
-          <a:lstStyle/>
-          <a:p>
-            <a:pPr marL="45720" indent="0" algn="l">
-              <a:buNone/>
-            </a:pPr>
-            <a:r>
-              <a:rPr lang="en-US" sz="2600" b="1" i="0" dirty="0">
-                <a:solidFill>
-                  <a:schemeClr val="accent1">
-                    <a:lumMod val="60000"/>
-                    <a:lumOff val="40000"/>
-                  </a:schemeClr>
-                </a:solidFill>
-                <a:effectLst/>
-                <a:latin typeface="Calibri" panose="020F0502020204030204" pitchFamily="34" charset="0"/>
-                <a:ea typeface="Calibri" panose="020F0502020204030204" pitchFamily="34" charset="0"/>
-                <a:cs typeface="Calibri" panose="020F0502020204030204" pitchFamily="34" charset="0"/>
-              </a:rPr>
-              <a:t>Project Scope and Objectives:</a:t>
-            </a:r>
-            <a:endParaRPr lang="en-US" sz="2600" b="0" i="0" dirty="0">
-              <a:solidFill>
-                <a:schemeClr val="accent1">
-                  <a:lumMod val="60000"/>
-                  <a:lumOff val="40000"/>
-                </a:schemeClr>
-              </a:solidFill>
-              <a:effectLst/>
-              <a:latin typeface="Calibri" panose="020F0502020204030204" pitchFamily="34" charset="0"/>
-              <a:ea typeface="Calibri" panose="020F0502020204030204" pitchFamily="34" charset="0"/>
-              <a:cs typeface="Calibri" panose="020F0502020204030204" pitchFamily="34" charset="0"/>
-            </a:endParaRPr>
-          </a:p>
-          <a:p>
-            <a:pPr marL="45720" indent="0" algn="l">
-              <a:buNone/>
-            </a:pPr>
-            <a:r>
-              <a:rPr lang="en-US" b="1" i="0" dirty="0">
-                <a:solidFill>
-                  <a:srgbClr val="0070C0"/>
-                </a:solidFill>
-                <a:effectLst/>
-                <a:latin typeface="Calibri" panose="020F0502020204030204" pitchFamily="34" charset="0"/>
-                <a:ea typeface="Calibri" panose="020F0502020204030204" pitchFamily="34" charset="0"/>
-                <a:cs typeface="Calibri" panose="020F0502020204030204" pitchFamily="34" charset="0"/>
-              </a:rPr>
-              <a:t>Introduction:</a:t>
-            </a:r>
-          </a:p>
-          <a:p>
-            <a:pPr marL="45720" indent="0" algn="l">
-              <a:buNone/>
-            </a:pPr>
-            <a:r>
-              <a:rPr lang="en-US" b="0" i="0" dirty="0">
-                <a:solidFill>
-                  <a:schemeClr val="accent1">
-                    <a:lumMod val="60000"/>
-                    <a:lumOff val="40000"/>
-                  </a:schemeClr>
-                </a:solidFill>
-                <a:effectLst/>
-                <a:latin typeface="Calibri" panose="020F0502020204030204" pitchFamily="34" charset="0"/>
-                <a:ea typeface="Calibri" panose="020F0502020204030204" pitchFamily="34" charset="0"/>
-                <a:cs typeface="Calibri" panose="020F0502020204030204" pitchFamily="34" charset="0"/>
-              </a:rPr>
-              <a:t>Transportation and Traffic Safety Enhancement in Austin, Texas</a:t>
-            </a:r>
-          </a:p>
-          <a:p>
-            <a:pPr marL="45720" indent="0" algn="l">
-              <a:buNone/>
-            </a:pPr>
-            <a:r>
-              <a:rPr lang="en-US" b="1" i="0" dirty="0">
-                <a:solidFill>
-                  <a:schemeClr val="accent1">
-                    <a:lumMod val="60000"/>
-                    <a:lumOff val="40000"/>
-                  </a:schemeClr>
-                </a:solidFill>
-                <a:effectLst/>
-                <a:latin typeface="Calibri" panose="020F0502020204030204" pitchFamily="34" charset="0"/>
-                <a:ea typeface="Calibri" panose="020F0502020204030204" pitchFamily="34" charset="0"/>
-                <a:cs typeface="Calibri" panose="020F0502020204030204" pitchFamily="34" charset="0"/>
-              </a:rPr>
-              <a:t>Proposal Objective:</a:t>
-            </a:r>
-            <a:endParaRPr lang="en-US" b="0" i="0" dirty="0">
-              <a:solidFill>
-                <a:schemeClr val="accent1">
-                  <a:lumMod val="60000"/>
-                  <a:lumOff val="40000"/>
-                </a:schemeClr>
-              </a:solidFill>
-              <a:effectLst/>
-              <a:latin typeface="Calibri" panose="020F0502020204030204" pitchFamily="34" charset="0"/>
-              <a:ea typeface="Calibri" panose="020F0502020204030204" pitchFamily="34" charset="0"/>
-              <a:cs typeface="Calibri" panose="020F0502020204030204" pitchFamily="34" charset="0"/>
-            </a:endParaRPr>
-          </a:p>
-          <a:p>
-            <a:pPr lvl="1" indent="0" algn="l">
-              <a:buNone/>
-            </a:pPr>
-            <a:r>
-              <a:rPr lang="en-US" b="0" i="0" dirty="0">
-                <a:solidFill>
-                  <a:schemeClr val="accent1">
-                    <a:lumMod val="60000"/>
-                    <a:lumOff val="40000"/>
-                  </a:schemeClr>
-                </a:solidFill>
-                <a:effectLst/>
-                <a:latin typeface="Calibri" panose="020F0502020204030204" pitchFamily="34" charset="0"/>
-                <a:ea typeface="Calibri" panose="020F0502020204030204" pitchFamily="34" charset="0"/>
-                <a:cs typeface="Calibri" panose="020F0502020204030204" pitchFamily="34" charset="0"/>
-              </a:rPr>
-              <a:t>Comprehensive plan to enhance transportation and traffic safety in Austin, Texas.</a:t>
-            </a:r>
-          </a:p>
-          <a:p>
-            <a:pPr lvl="1" indent="0" algn="l">
-              <a:buNone/>
-            </a:pPr>
-            <a:r>
-              <a:rPr lang="en-US" b="0" i="0" dirty="0">
-                <a:solidFill>
-                  <a:schemeClr val="accent1">
-                    <a:lumMod val="60000"/>
-                    <a:lumOff val="40000"/>
-                  </a:schemeClr>
-                </a:solidFill>
-                <a:effectLst/>
-                <a:latin typeface="Calibri" panose="020F0502020204030204" pitchFamily="34" charset="0"/>
-                <a:ea typeface="Calibri" panose="020F0502020204030204" pitchFamily="34" charset="0"/>
-                <a:cs typeface="Calibri" panose="020F0502020204030204" pitchFamily="34" charset="0"/>
-              </a:rPr>
-              <a:t>Primary goal: Mitigate the financial burden of traffic incidents.</a:t>
-            </a:r>
-          </a:p>
-          <a:p>
-            <a:pPr marL="45720" indent="0" algn="l">
-              <a:buNone/>
-            </a:pPr>
-            <a:r>
-              <a:rPr lang="en-US" b="1" i="0" dirty="0">
-                <a:solidFill>
-                  <a:schemeClr val="accent1">
-                    <a:lumMod val="60000"/>
-                    <a:lumOff val="40000"/>
-                  </a:schemeClr>
-                </a:solidFill>
-                <a:effectLst/>
-                <a:latin typeface="Calibri" panose="020F0502020204030204" pitchFamily="34" charset="0"/>
-                <a:ea typeface="Calibri" panose="020F0502020204030204" pitchFamily="34" charset="0"/>
-                <a:cs typeface="Calibri" panose="020F0502020204030204" pitchFamily="34" charset="0"/>
-              </a:rPr>
-              <a:t>Project Approach:</a:t>
-            </a:r>
-            <a:endParaRPr lang="en-US" b="0" i="0" dirty="0">
-              <a:solidFill>
-                <a:schemeClr val="accent1">
-                  <a:lumMod val="60000"/>
-                  <a:lumOff val="40000"/>
-                </a:schemeClr>
-              </a:solidFill>
-              <a:effectLst/>
-              <a:latin typeface="Calibri" panose="020F0502020204030204" pitchFamily="34" charset="0"/>
-              <a:ea typeface="Calibri" panose="020F0502020204030204" pitchFamily="34" charset="0"/>
-              <a:cs typeface="Calibri" panose="020F0502020204030204" pitchFamily="34" charset="0"/>
-            </a:endParaRPr>
-          </a:p>
-          <a:p>
-            <a:pPr lvl="1" indent="0" algn="l">
-              <a:buNone/>
-            </a:pPr>
-            <a:r>
-              <a:rPr lang="en-US" b="0" i="0" dirty="0">
-                <a:solidFill>
-                  <a:schemeClr val="accent1">
-                    <a:lumMod val="60000"/>
-                    <a:lumOff val="40000"/>
-                  </a:schemeClr>
-                </a:solidFill>
-                <a:effectLst/>
-                <a:latin typeface="Calibri" panose="020F0502020204030204" pitchFamily="34" charset="0"/>
-                <a:ea typeface="Calibri" panose="020F0502020204030204" pitchFamily="34" charset="0"/>
-                <a:cs typeface="Calibri" panose="020F0502020204030204" pitchFamily="34" charset="0"/>
-              </a:rPr>
-              <a:t>Analyzing historical traffic data to identify trends, patterns, and correlations.</a:t>
-            </a:r>
-          </a:p>
-          <a:p>
-            <a:pPr lvl="1" indent="0" algn="l">
-              <a:buNone/>
-            </a:pPr>
-            <a:r>
-              <a:rPr lang="en-US" b="0" i="0" dirty="0">
-                <a:solidFill>
-                  <a:schemeClr val="accent1">
-                    <a:lumMod val="60000"/>
-                    <a:lumOff val="40000"/>
-                  </a:schemeClr>
-                </a:solidFill>
-                <a:effectLst/>
-                <a:latin typeface="Calibri" panose="020F0502020204030204" pitchFamily="34" charset="0"/>
-                <a:ea typeface="Calibri" panose="020F0502020204030204" pitchFamily="34" charset="0"/>
-                <a:cs typeface="Calibri" panose="020F0502020204030204" pitchFamily="34" charset="0"/>
-              </a:rPr>
-              <a:t>Data-driven insights will guide targeted improvements.</a:t>
-            </a:r>
-          </a:p>
-          <a:p>
-            <a:pPr marL="45720" indent="0" algn="l">
-              <a:buNone/>
-            </a:pPr>
-            <a:r>
-              <a:rPr lang="en-US" b="1" i="0" dirty="0">
-                <a:solidFill>
-                  <a:schemeClr val="accent1">
-                    <a:lumMod val="60000"/>
-                    <a:lumOff val="40000"/>
-                  </a:schemeClr>
-                </a:solidFill>
-                <a:effectLst/>
-                <a:latin typeface="Calibri" panose="020F0502020204030204" pitchFamily="34" charset="0"/>
-                <a:ea typeface="Calibri" panose="020F0502020204030204" pitchFamily="34" charset="0"/>
-                <a:cs typeface="Calibri" panose="020F0502020204030204" pitchFamily="34" charset="0"/>
-              </a:rPr>
-              <a:t>Team Members:</a:t>
-            </a:r>
-            <a:endParaRPr lang="en-US" b="0" i="0" dirty="0">
-              <a:solidFill>
-                <a:schemeClr val="accent1">
-                  <a:lumMod val="60000"/>
-                  <a:lumOff val="40000"/>
-                </a:schemeClr>
-              </a:solidFill>
-              <a:effectLst/>
-              <a:latin typeface="Calibri" panose="020F0502020204030204" pitchFamily="34" charset="0"/>
-              <a:ea typeface="Calibri" panose="020F0502020204030204" pitchFamily="34" charset="0"/>
-              <a:cs typeface="Calibri" panose="020F0502020204030204" pitchFamily="34" charset="0"/>
-            </a:endParaRPr>
-          </a:p>
-          <a:p>
-            <a:pPr marL="274320" lvl="1" indent="0">
-              <a:buNone/>
-            </a:pPr>
-            <a:r>
-              <a:rPr lang="en-US" i="0" dirty="0">
-                <a:solidFill>
-                  <a:schemeClr val="accent1">
-                    <a:lumMod val="60000"/>
-                    <a:lumOff val="40000"/>
-                  </a:schemeClr>
-                </a:solidFill>
-                <a:effectLst/>
-                <a:latin typeface="Calibri" panose="020F0502020204030204" pitchFamily="34" charset="0"/>
-                <a:ea typeface="Calibri" panose="020F0502020204030204" pitchFamily="34" charset="0"/>
-                <a:cs typeface="Calibri" panose="020F0502020204030204" pitchFamily="34" charset="0"/>
-              </a:rPr>
-              <a:t>Charles Quinn</a:t>
-            </a:r>
-          </a:p>
-          <a:p>
-            <a:pPr marL="274320" lvl="1" indent="0">
-              <a:buNone/>
-            </a:pPr>
-            <a:r>
-              <a:rPr lang="en-US" i="0" dirty="0">
-                <a:solidFill>
-                  <a:schemeClr val="accent1">
-                    <a:lumMod val="60000"/>
-                    <a:lumOff val="40000"/>
-                  </a:schemeClr>
-                </a:solidFill>
-                <a:effectLst/>
-                <a:latin typeface="Calibri" panose="020F0502020204030204" pitchFamily="34" charset="0"/>
-                <a:ea typeface="Calibri" panose="020F0502020204030204" pitchFamily="34" charset="0"/>
-                <a:cs typeface="Calibri" panose="020F0502020204030204" pitchFamily="34" charset="0"/>
-              </a:rPr>
-              <a:t>Jackie Larios</a:t>
-            </a:r>
-          </a:p>
-          <a:p>
-            <a:pPr marL="274320" lvl="1" indent="0">
-              <a:buNone/>
-            </a:pPr>
-            <a:r>
-              <a:rPr lang="en-US" i="0" dirty="0">
-                <a:solidFill>
-                  <a:schemeClr val="accent1">
-                    <a:lumMod val="60000"/>
-                    <a:lumOff val="40000"/>
-                  </a:schemeClr>
-                </a:solidFill>
-                <a:effectLst/>
-                <a:latin typeface="Calibri" panose="020F0502020204030204" pitchFamily="34" charset="0"/>
-                <a:ea typeface="Calibri" panose="020F0502020204030204" pitchFamily="34" charset="0"/>
-                <a:cs typeface="Calibri" panose="020F0502020204030204" pitchFamily="34" charset="0"/>
-              </a:rPr>
-              <a:t>Sujatha </a:t>
-            </a:r>
-            <a:r>
-              <a:rPr lang="en-US" i="0" dirty="0" err="1">
-                <a:solidFill>
-                  <a:schemeClr val="accent1">
-                    <a:lumMod val="60000"/>
-                    <a:lumOff val="40000"/>
-                  </a:schemeClr>
-                </a:solidFill>
-                <a:effectLst/>
-                <a:latin typeface="Calibri" panose="020F0502020204030204" pitchFamily="34" charset="0"/>
-                <a:ea typeface="Calibri" panose="020F0502020204030204" pitchFamily="34" charset="0"/>
-                <a:cs typeface="Calibri" panose="020F0502020204030204" pitchFamily="34" charset="0"/>
-              </a:rPr>
-              <a:t>Angajala</a:t>
-            </a:r>
-            <a:endParaRPr lang="en-US" i="0" dirty="0">
-              <a:solidFill>
-                <a:schemeClr val="accent1">
-                  <a:lumMod val="60000"/>
-                  <a:lumOff val="40000"/>
-                </a:schemeClr>
-              </a:solidFill>
-              <a:effectLst/>
-              <a:latin typeface="Calibri" panose="020F0502020204030204" pitchFamily="34" charset="0"/>
-              <a:ea typeface="Calibri" panose="020F0502020204030204" pitchFamily="34" charset="0"/>
-              <a:cs typeface="Calibri" panose="020F0502020204030204" pitchFamily="34" charset="0"/>
-            </a:endParaRPr>
-          </a:p>
-          <a:p>
-            <a:pPr marL="274320" lvl="1" indent="0">
-              <a:buNone/>
-            </a:pPr>
-            <a:r>
-              <a:rPr lang="en-US" i="0" dirty="0">
-                <a:solidFill>
-                  <a:schemeClr val="accent1">
-                    <a:lumMod val="60000"/>
-                    <a:lumOff val="40000"/>
-                  </a:schemeClr>
-                </a:solidFill>
-                <a:effectLst/>
-                <a:latin typeface="Calibri" panose="020F0502020204030204" pitchFamily="34" charset="0"/>
-                <a:ea typeface="Calibri" panose="020F0502020204030204" pitchFamily="34" charset="0"/>
-                <a:cs typeface="Calibri" panose="020F0502020204030204" pitchFamily="34" charset="0"/>
-              </a:rPr>
-              <a:t>Joshna </a:t>
-            </a:r>
-            <a:r>
-              <a:rPr lang="en-US" i="0" dirty="0" err="1">
-                <a:solidFill>
-                  <a:schemeClr val="accent1">
-                    <a:lumMod val="60000"/>
-                    <a:lumOff val="40000"/>
-                  </a:schemeClr>
-                </a:solidFill>
-                <a:effectLst/>
-                <a:latin typeface="Calibri" panose="020F0502020204030204" pitchFamily="34" charset="0"/>
-                <a:ea typeface="Calibri" panose="020F0502020204030204" pitchFamily="34" charset="0"/>
-                <a:cs typeface="Calibri" panose="020F0502020204030204" pitchFamily="34" charset="0"/>
-              </a:rPr>
-              <a:t>Rence</a:t>
-            </a:r>
-            <a:endParaRPr lang="en-US" i="0" dirty="0">
-              <a:solidFill>
-                <a:schemeClr val="accent1">
-                  <a:lumMod val="60000"/>
-                  <a:lumOff val="40000"/>
-                </a:schemeClr>
-              </a:solidFill>
-              <a:effectLst/>
-              <a:latin typeface="Calibri" panose="020F0502020204030204" pitchFamily="34" charset="0"/>
-              <a:ea typeface="Calibri" panose="020F0502020204030204" pitchFamily="34" charset="0"/>
-              <a:cs typeface="Calibri" panose="020F0502020204030204" pitchFamily="34" charset="0"/>
-            </a:endParaRPr>
-          </a:p>
-        </p:txBody>
-      </p:sp>
-    </p:spTree>
-    <p:extLst>
-      <p:ext uri="{BB962C8B-B14F-4D97-AF65-F5344CB8AC3E}">
-        <p14:creationId xmlns:p14="http://schemas.microsoft.com/office/powerpoint/2010/main" val="167232258"/>
-      </p:ext>
-    </p:extLst>
-  </p:cSld>
-  <p:clrMapOvr>
-    <a:masterClrMapping/>
-  </p:clrMapOvr>
-</p:sld>
-</file>
-
-<file path=ppt/slides/slide3.xml><?xml version="1.0" encoding="utf-8"?>
-<p:sld xmlns:a="http://schemas.openxmlformats.org/drawingml/2006/main" xmlns:r="http://schemas.openxmlformats.org/officeDocument/2006/relationships" xmlns:p="http://schemas.openxmlformats.org/presentationml/2006/main">
-  <p:cSld>
-    <p:spTree>
-      <p:nvGrpSpPr>
-        <p:cNvPr id="1" name=""/>
-        <p:cNvGrpSpPr/>
-        <p:nvPr/>
-      </p:nvGrpSpPr>
-      <p:grpSpPr>
-        <a:xfrm>
-          <a:off x="0" y="0"/>
-          <a:ext cx="0" cy="0"/>
-          <a:chOff x="0" y="0"/>
-          <a:chExt cx="0" cy="0"/>
-        </a:xfrm>
-      </p:grpSpPr>
-      <p:sp>
-        <p:nvSpPr>
-          <p:cNvPr id="2" name="Title 1">
-            <a:extLst>
-              <a:ext uri="{FF2B5EF4-FFF2-40B4-BE49-F238E27FC236}">
                 <a16:creationId xmlns:a16="http://schemas.microsoft.com/office/drawing/2014/main" id="{C51EFAE7-362C-2DBC-A7B8-14E59F4A15B2}"/>
               </a:ext>
             </a:extLst>
@@ -4115,7 +3536,7 @@
 </p:sld>
 </file>
 
-<file path=ppt/slides/slide4.xml><?xml version="1.0" encoding="utf-8"?>
+<file path=ppt/slides/slide2.xml><?xml version="1.0" encoding="utf-8"?>
 <p:sld xmlns:a="http://schemas.openxmlformats.org/drawingml/2006/main" xmlns:r="http://schemas.openxmlformats.org/officeDocument/2006/relationships" xmlns:p="http://schemas.openxmlformats.org/presentationml/2006/main">
   <p:cSld>
     <p:spTree>
@@ -4314,7 +3735,7 @@
 </p:sld>
 </file>
 
-<file path=ppt/slides/slide5.xml><?xml version="1.0" encoding="utf-8"?>
+<file path=ppt/slides/slide3.xml><?xml version="1.0" encoding="utf-8"?>
 <p:sld xmlns:a="http://schemas.openxmlformats.org/drawingml/2006/main" xmlns:r="http://schemas.openxmlformats.org/officeDocument/2006/relationships" xmlns:p="http://schemas.openxmlformats.org/presentationml/2006/main">
   <p:cSld>
     <p:spTree>
@@ -4486,7 +3907,7 @@
 </p:sld>
 </file>
 
-<file path=ppt/slides/slide6.xml><?xml version="1.0" encoding="utf-8"?>
+<file path=ppt/slides/slide4.xml><?xml version="1.0" encoding="utf-8"?>
 <p:sld xmlns:a="http://schemas.openxmlformats.org/drawingml/2006/main" xmlns:r="http://schemas.openxmlformats.org/officeDocument/2006/relationships" xmlns:p="http://schemas.openxmlformats.org/presentationml/2006/main">
   <p:cSld>
     <p:spTree>
@@ -4773,20 +4194,20 @@
           <a:p>
             <a:r>
               <a:rPr lang="en-US" sz="1800" dirty="0"/>
-              <a:t>In 2022, there were 30% fewer accidents compared to 2018. The years 2020 and 2021 had fewer accidents due to the pandemic and lockdowns. The number of incidents in 2022 was lower than in 2018 and 2019. Evening hours had fewer incidents, while afternoons saw a gradual increase.</a:t>
-            </a:r>
-          </a:p>
-          <a:p>
-            <a:endParaRPr lang="en-US" sz="1800" dirty="0"/>
+              <a:t>In 2022, there were 30% fewer accidents compared to 2018. The years 2020 and 2021 had fewer accidents due to the pandemic and lockdowns. The number of incidents in 2022 was lower than in 2018 and 2019.</a:t>
+            </a:r>
+          </a:p>
+          <a:p>
+            <a:r>
+              <a:rPr lang="en-US" sz="1800" dirty="0"/>
+              <a:t> Evening hours had fewer incidents, while afternoons saw a gradual increase.</a:t>
+            </a:r>
           </a:p>
           <a:p>
             <a:r>
               <a:rPr lang="en-US" sz="1800" dirty="0"/>
               <a:t>Incidents in the evening and at night were somewhat similar. This trend stayed the same over the years. Fewer accidents happened during morning commutes because people were more alert. After 10 AM, accidents started increasing gradually.</a:t>
             </a:r>
-          </a:p>
-          <a:p>
-            <a:endParaRPr lang="en-US" sz="1800" dirty="0"/>
           </a:p>
           <a:p>
             <a:r>
@@ -4800,406 +4221,6 @@
     <p:extLst>
       <p:ext uri="{BB962C8B-B14F-4D97-AF65-F5344CB8AC3E}">
         <p14:creationId xmlns:p14="http://schemas.microsoft.com/office/powerpoint/2010/main" val="3028110389"/>
-      </p:ext>
-    </p:extLst>
-  </p:cSld>
-  <p:clrMapOvr>
-    <a:masterClrMapping/>
-  </p:clrMapOvr>
-</p:sld>
-</file>
-
-<file path=ppt/slides/slide7.xml><?xml version="1.0" encoding="utf-8"?>
-<p:sld xmlns:a="http://schemas.openxmlformats.org/drawingml/2006/main" xmlns:r="http://schemas.openxmlformats.org/officeDocument/2006/relationships" xmlns:p="http://schemas.openxmlformats.org/presentationml/2006/main">
-  <p:cSld>
-    <p:spTree>
-      <p:nvGrpSpPr>
-        <p:cNvPr id="1" name=""/>
-        <p:cNvGrpSpPr/>
-        <p:nvPr/>
-      </p:nvGrpSpPr>
-      <p:grpSpPr>
-        <a:xfrm>
-          <a:off x="0" y="0"/>
-          <a:ext cx="0" cy="0"/>
-          <a:chOff x="0" y="0"/>
-          <a:chExt cx="0" cy="0"/>
-        </a:xfrm>
-      </p:grpSpPr>
-      <p:sp>
-        <p:nvSpPr>
-          <p:cNvPr id="2" name="Title 1">
-            <a:extLst>
-              <a:ext uri="{FF2B5EF4-FFF2-40B4-BE49-F238E27FC236}">
-                <a16:creationId xmlns:a16="http://schemas.microsoft.com/office/drawing/2014/main" id="{C51EFAE7-362C-2DBC-A7B8-14E59F4A15B2}"/>
-              </a:ext>
-            </a:extLst>
-          </p:cNvPr>
-          <p:cNvSpPr>
-            <a:spLocks noGrp="1"/>
-          </p:cNvSpPr>
-          <p:nvPr>
-            <p:ph type="title"/>
-          </p:nvPr>
-        </p:nvSpPr>
-        <p:spPr>
-          <a:xfrm>
-            <a:off x="839788" y="457201"/>
-            <a:ext cx="4015477" cy="551622"/>
-          </a:xfrm>
-        </p:spPr>
-        <p:txBody>
-          <a:bodyPr>
-            <a:normAutofit/>
-          </a:bodyPr>
-          <a:lstStyle/>
-          <a:p>
-            <a:r>
-              <a:rPr lang="en-US" sz="2400" dirty="0"/>
-              <a:t>Incident Frequency </a:t>
-            </a:r>
-            <a:r>
-              <a:rPr lang="en-US" sz="2400" dirty="0">
-                <a:latin typeface="Calibri" panose="020F0502020204030204" pitchFamily="34" charset="0"/>
-                <a:ea typeface="Calibri" panose="020F0502020204030204" pitchFamily="34" charset="0"/>
-                <a:cs typeface="Calibri" panose="020F0502020204030204" pitchFamily="34" charset="0"/>
-              </a:rPr>
-              <a:t>Patterns</a:t>
-            </a:r>
-          </a:p>
-        </p:txBody>
-      </p:sp>
-      <p:sp>
-        <p:nvSpPr>
-          <p:cNvPr id="4" name="Text Placeholder 3">
-            <a:extLst>
-              <a:ext uri="{FF2B5EF4-FFF2-40B4-BE49-F238E27FC236}">
-                <a16:creationId xmlns:a16="http://schemas.microsoft.com/office/drawing/2014/main" id="{20368B21-FA46-02A0-51B4-743CF2CDD5D9}"/>
-              </a:ext>
-            </a:extLst>
-          </p:cNvPr>
-          <p:cNvSpPr>
-            <a:spLocks noGrp="1"/>
-          </p:cNvSpPr>
-          <p:nvPr>
-            <p:ph type="body" sz="half" idx="2"/>
-          </p:nvPr>
-        </p:nvSpPr>
-        <p:spPr>
-          <a:xfrm>
-            <a:off x="665853" y="1416326"/>
-            <a:ext cx="4015477" cy="4522236"/>
-          </a:xfrm>
-        </p:spPr>
-        <p:txBody>
-          <a:bodyPr>
-            <a:normAutofit/>
-          </a:bodyPr>
-          <a:lstStyle/>
-          <a:p>
-            <a:pPr marL="342900" indent="-342900">
-              <a:buFont typeface="Arial" panose="020B0604020202020204" pitchFamily="34" charset="0"/>
-              <a:buChar char="•"/>
-            </a:pPr>
-            <a:r>
-              <a:rPr lang="en-US" sz="2000" dirty="0">
-                <a:latin typeface="Calibri" panose="020F0502020204030204" pitchFamily="34" charset="0"/>
-                <a:ea typeface="Calibri" panose="020F0502020204030204" pitchFamily="34" charset="0"/>
-                <a:cs typeface="Calibri" panose="020F0502020204030204" pitchFamily="34" charset="0"/>
-              </a:rPr>
-              <a:t>Main problems: pedestrians, stalled vehicles, debris, inoperative traffic signals.</a:t>
-            </a:r>
-          </a:p>
-          <a:p>
-            <a:pPr marL="342900" indent="-342900">
-              <a:buFont typeface="Arial" panose="020B0604020202020204" pitchFamily="34" charset="0"/>
-              <a:buChar char="•"/>
-            </a:pPr>
-            <a:r>
-              <a:rPr lang="en-US" sz="2000" dirty="0">
-                <a:latin typeface="Calibri" panose="020F0502020204030204" pitchFamily="34" charset="0"/>
-                <a:ea typeface="Calibri" panose="020F0502020204030204" pitchFamily="34" charset="0"/>
-                <a:cs typeface="Calibri" panose="020F0502020204030204" pitchFamily="34" charset="0"/>
-              </a:rPr>
-              <a:t>During COVID-19: all reported problems decreased.</a:t>
-            </a:r>
-          </a:p>
-          <a:p>
-            <a:pPr marL="342900" indent="-342900">
-              <a:buFont typeface="Arial" panose="020B0604020202020204" pitchFamily="34" charset="0"/>
-              <a:buChar char="•"/>
-            </a:pPr>
-            <a:r>
-              <a:rPr lang="en-US" sz="2000" dirty="0">
-                <a:latin typeface="Calibri" panose="020F0502020204030204" pitchFamily="34" charset="0"/>
-                <a:ea typeface="Calibri" panose="020F0502020204030204" pitchFamily="34" charset="0"/>
-                <a:cs typeface="Calibri" panose="020F0502020204030204" pitchFamily="34" charset="0"/>
-              </a:rPr>
-              <a:t>Remote work, closed schools/offices contributed.</a:t>
-            </a:r>
-          </a:p>
-          <a:p>
-            <a:pPr marL="342900" indent="-342900">
-              <a:buFont typeface="Arial" panose="020B0604020202020204" pitchFamily="34" charset="0"/>
-              <a:buChar char="•"/>
-            </a:pPr>
-            <a:r>
-              <a:rPr lang="en-US" sz="2000" dirty="0">
-                <a:latin typeface="Calibri" panose="020F0502020204030204" pitchFamily="34" charset="0"/>
-                <a:ea typeface="Calibri" panose="020F0502020204030204" pitchFamily="34" charset="0"/>
-                <a:cs typeface="Calibri" panose="020F0502020204030204" pitchFamily="34" charset="0"/>
-              </a:rPr>
-              <a:t>Increase in collisions noticed.</a:t>
-            </a:r>
-          </a:p>
-          <a:p>
-            <a:pPr marL="342900" indent="-342900">
-              <a:buFont typeface="Arial" panose="020B0604020202020204" pitchFamily="34" charset="0"/>
-              <a:buChar char="•"/>
-            </a:pPr>
-            <a:r>
-              <a:rPr lang="en-US" sz="2000" dirty="0">
-                <a:latin typeface="Calibri" panose="020F0502020204030204" pitchFamily="34" charset="0"/>
-                <a:ea typeface="Calibri" panose="020F0502020204030204" pitchFamily="34" charset="0"/>
-                <a:cs typeface="Calibri" panose="020F0502020204030204" pitchFamily="34" charset="0"/>
-              </a:rPr>
-              <a:t>More people in Austin → higher traffic, more accidents.</a:t>
-            </a:r>
-          </a:p>
-        </p:txBody>
-      </p:sp>
-      <p:pic>
-        <p:nvPicPr>
-          <p:cNvPr id="10" name="Content Placeholder 4" descr="A graph of different colored lines">
-            <a:extLst>
-              <a:ext uri="{FF2B5EF4-FFF2-40B4-BE49-F238E27FC236}">
-                <a16:creationId xmlns:a16="http://schemas.microsoft.com/office/drawing/2014/main" id="{DC5663B7-C25C-6755-07FB-ECC8DBFEA17D}"/>
-              </a:ext>
-            </a:extLst>
-          </p:cNvPr>
-          <p:cNvPicPr>
-            <a:picLocks noGrp="1" noChangeAspect="1"/>
-          </p:cNvPicPr>
-          <p:nvPr>
-            <p:ph idx="1"/>
-          </p:nvPr>
-        </p:nvPicPr>
-        <p:blipFill>
-          <a:blip r:embed="rId2">
-            <a:extLst>
-              <a:ext uri="{28A0092B-C50C-407E-A947-70E740481C1C}">
-                <a14:useLocalDpi xmlns:a14="http://schemas.microsoft.com/office/drawing/2010/main" val="0"/>
-              </a:ext>
-            </a:extLst>
-          </a:blip>
-          <a:stretch>
-            <a:fillRect/>
-          </a:stretch>
-        </p:blipFill>
-        <p:spPr>
-          <a:xfrm>
-            <a:off x="4452731" y="641072"/>
-            <a:ext cx="7404508" cy="5068957"/>
-          </a:xfrm>
-        </p:spPr>
-      </p:pic>
-    </p:spTree>
-    <p:extLst>
-      <p:ext uri="{BB962C8B-B14F-4D97-AF65-F5344CB8AC3E}">
-        <p14:creationId xmlns:p14="http://schemas.microsoft.com/office/powerpoint/2010/main" val="605769590"/>
-      </p:ext>
-    </p:extLst>
-  </p:cSld>
-  <p:clrMapOvr>
-    <a:masterClrMapping/>
-  </p:clrMapOvr>
-</p:sld>
-</file>
-
-<file path=ppt/slides/slide8.xml><?xml version="1.0" encoding="utf-8"?>
-<p:sld xmlns:a="http://schemas.openxmlformats.org/drawingml/2006/main" xmlns:r="http://schemas.openxmlformats.org/officeDocument/2006/relationships" xmlns:p="http://schemas.openxmlformats.org/presentationml/2006/main">
-  <p:cSld>
-    <p:spTree>
-      <p:nvGrpSpPr>
-        <p:cNvPr id="1" name=""/>
-        <p:cNvGrpSpPr/>
-        <p:nvPr/>
-      </p:nvGrpSpPr>
-      <p:grpSpPr>
-        <a:xfrm>
-          <a:off x="0" y="0"/>
-          <a:ext cx="0" cy="0"/>
-          <a:chOff x="0" y="0"/>
-          <a:chExt cx="0" cy="0"/>
-        </a:xfrm>
-      </p:grpSpPr>
-      <p:sp>
-        <p:nvSpPr>
-          <p:cNvPr id="2" name="Title 1">
-            <a:extLst>
-              <a:ext uri="{FF2B5EF4-FFF2-40B4-BE49-F238E27FC236}">
-                <a16:creationId xmlns:a16="http://schemas.microsoft.com/office/drawing/2014/main" id="{7668B4BD-1BA0-8D1B-81E3-F3FD5C48E507}"/>
-              </a:ext>
-            </a:extLst>
-          </p:cNvPr>
-          <p:cNvSpPr>
-            <a:spLocks noGrp="1"/>
-          </p:cNvSpPr>
-          <p:nvPr>
-            <p:ph type="title"/>
-          </p:nvPr>
-        </p:nvSpPr>
-        <p:spPr>
-          <a:xfrm>
-            <a:off x="280147" y="203761"/>
-            <a:ext cx="10515600" cy="612213"/>
-          </a:xfrm>
-        </p:spPr>
-        <p:txBody>
-          <a:bodyPr>
-            <a:normAutofit fontScale="90000"/>
-          </a:bodyPr>
-          <a:lstStyle/>
-          <a:p>
-            <a:r>
-              <a:rPr lang="en-US" dirty="0"/>
-              <a:t>Evaluation of incident types over time</a:t>
-            </a:r>
-          </a:p>
-        </p:txBody>
-      </p:sp>
-      <p:pic>
-        <p:nvPicPr>
-          <p:cNvPr id="5" name="Content Placeholder 4" descr="A graph of different colored lines">
-            <a:extLst>
-              <a:ext uri="{FF2B5EF4-FFF2-40B4-BE49-F238E27FC236}">
-                <a16:creationId xmlns:a16="http://schemas.microsoft.com/office/drawing/2014/main" id="{F627CA73-CDD1-3050-3411-2DB675A04AD2}"/>
-              </a:ext>
-            </a:extLst>
-          </p:cNvPr>
-          <p:cNvPicPr>
-            <a:picLocks noGrp="1" noChangeAspect="1"/>
-          </p:cNvPicPr>
-          <p:nvPr>
-            <p:ph idx="1"/>
-          </p:nvPr>
-        </p:nvPicPr>
-        <p:blipFill>
-          <a:blip r:embed="rId2">
-            <a:extLst>
-              <a:ext uri="{28A0092B-C50C-407E-A947-70E740481C1C}">
-                <a14:useLocalDpi xmlns:a14="http://schemas.microsoft.com/office/drawing/2010/main" val="0"/>
-              </a:ext>
-            </a:extLst>
-          </a:blip>
-          <a:stretch>
-            <a:fillRect/>
-          </a:stretch>
-        </p:blipFill>
-        <p:spPr>
-          <a:xfrm>
-            <a:off x="0" y="815974"/>
-            <a:ext cx="8735636" cy="5705596"/>
-          </a:xfrm>
-        </p:spPr>
-      </p:pic>
-      <p:sp>
-        <p:nvSpPr>
-          <p:cNvPr id="6" name="TextBox 5">
-            <a:extLst>
-              <a:ext uri="{FF2B5EF4-FFF2-40B4-BE49-F238E27FC236}">
-                <a16:creationId xmlns:a16="http://schemas.microsoft.com/office/drawing/2014/main" id="{6AC738FE-A4AC-C439-ACD5-857D57399017}"/>
-              </a:ext>
-            </a:extLst>
-          </p:cNvPr>
-          <p:cNvSpPr txBox="1"/>
-          <p:nvPr/>
-        </p:nvSpPr>
-        <p:spPr>
-          <a:xfrm>
-            <a:off x="8937171" y="887186"/>
-            <a:ext cx="2973033" cy="5216813"/>
-          </a:xfrm>
-          <a:prstGeom prst="rect">
-            <a:avLst/>
-          </a:prstGeom>
-          <a:noFill/>
-        </p:spPr>
-        <p:txBody>
-          <a:bodyPr wrap="square" rtlCol="0">
-            <a:spAutoFit/>
-          </a:bodyPr>
-          <a:lstStyle/>
-          <a:p>
-            <a:br>
-              <a:rPr lang="en-US" sz="1450" dirty="0"/>
-            </a:br>
-            <a:r>
-              <a:rPr lang="en-US" sz="1450" dirty="0"/>
-              <a:t>1.</a:t>
-            </a:r>
-            <a:r>
-              <a:rPr lang="en-US" sz="1450" b="0" i="0" dirty="0">
-                <a:effectLst/>
-                <a:latin typeface="Söhne"/>
-              </a:rPr>
-              <a:t>It's interesting to see that the main reason for reported issues is related to problems on the road, like </a:t>
-            </a:r>
-            <a:r>
-              <a:rPr lang="en-US" sz="1450" b="0" i="0" dirty="0">
-                <a:solidFill>
-                  <a:srgbClr val="252525"/>
-                </a:solidFill>
-                <a:effectLst/>
-                <a:latin typeface="Georgia" panose="02040502050405020303" pitchFamily="18" charset="0"/>
-              </a:rPr>
-              <a:t>pedestrians, stalled vehicles, debris in the roadway, and / or inoperative traffic signals.</a:t>
-            </a:r>
-          </a:p>
-          <a:p>
-            <a:endParaRPr lang="en-US" sz="1450" b="0" i="0" dirty="0">
-              <a:effectLst/>
-              <a:latin typeface="Söhne"/>
-            </a:endParaRPr>
-          </a:p>
-          <a:p>
-            <a:r>
-              <a:rPr lang="en-US" sz="1450" b="0" i="0" dirty="0">
-                <a:effectLst/>
-                <a:latin typeface="Söhne"/>
-              </a:rPr>
-              <a:t>2. During the years when COVID-19 was affecting us , all types of reported problems went down a lot, which makes sense because more people were working and studying from home, and places like schools and offices were closed.</a:t>
-            </a:r>
-          </a:p>
-          <a:p>
-            <a:endParaRPr lang="en-US" sz="1450" b="0" i="0" dirty="0">
-              <a:effectLst/>
-              <a:latin typeface="Söhne"/>
-            </a:endParaRPr>
-          </a:p>
-          <a:p>
-            <a:r>
-              <a:rPr lang="en-US" sz="1450" b="0" i="0" dirty="0">
-                <a:effectLst/>
-                <a:latin typeface="Söhne"/>
-              </a:rPr>
-              <a:t> 3.After the COVID-19 situation got better, there's a noticeable increase in collisions. This could be because more people are moving to Austin, which is causing more traffic and accidents.</a:t>
-            </a:r>
-            <a:endParaRPr lang="en-US" sz="1450" dirty="0"/>
-          </a:p>
-          <a:p>
-            <a:pPr marL="342900" indent="-342900">
-              <a:buFont typeface="+mj-lt"/>
-              <a:buAutoNum type="arabicPeriod"/>
-            </a:pPr>
-            <a:endParaRPr lang="en-US" sz="1400" dirty="0"/>
-          </a:p>
-        </p:txBody>
-      </p:sp>
-    </p:spTree>
-    <p:extLst>
-      <p:ext uri="{BB962C8B-B14F-4D97-AF65-F5344CB8AC3E}">
-        <p14:creationId xmlns:p14="http://schemas.microsoft.com/office/powerpoint/2010/main" val="2499075443"/>
       </p:ext>
     </p:extLst>
   </p:cSld>

--- a/Presentation/Sujatha.pptx
+++ b/Presentation/Sujatha.pptx
@@ -5,9 +5,9 @@
     <p:sldMasterId id="2147483946" r:id="rId1"/>
   </p:sldMasterIdLst>
   <p:sldIdLst>
-    <p:sldId id="264" r:id="rId2"/>
-    <p:sldId id="261" r:id="rId3"/>
-    <p:sldId id="266" r:id="rId4"/>
+    <p:sldId id="261" r:id="rId2"/>
+    <p:sldId id="266" r:id="rId3"/>
+    <p:sldId id="264" r:id="rId4"/>
     <p:sldId id="270" r:id="rId5"/>
   </p:sldIdLst>
   <p:sldSz cx="12192000" cy="6858000"/>
@@ -3399,189 +3399,6 @@
           <a:lstStyle/>
           <a:p>
             <a:r>
-              <a:rPr lang="en-US" sz="2400" dirty="0">
-                <a:latin typeface="Calibri" panose="020F0502020204030204" pitchFamily="34" charset="0"/>
-                <a:ea typeface="Calibri" panose="020F0502020204030204" pitchFamily="34" charset="0"/>
-                <a:cs typeface="Calibri" panose="020F0502020204030204" pitchFamily="34" charset="0"/>
-              </a:rPr>
-              <a:t>Total incidents over 5 years</a:t>
-            </a:r>
-          </a:p>
-        </p:txBody>
-      </p:sp>
-      <p:pic>
-        <p:nvPicPr>
-          <p:cNvPr id="6" name="Content Placeholder 5">
-            <a:extLst>
-              <a:ext uri="{FF2B5EF4-FFF2-40B4-BE49-F238E27FC236}">
-                <a16:creationId xmlns:a16="http://schemas.microsoft.com/office/drawing/2014/main" id="{23DBBFCC-5552-92D9-7AEF-3A5AF6132A38}"/>
-              </a:ext>
-            </a:extLst>
-          </p:cNvPr>
-          <p:cNvPicPr>
-            <a:picLocks noGrp="1" noChangeAspect="1"/>
-          </p:cNvPicPr>
-          <p:nvPr>
-            <p:ph idx="1"/>
-          </p:nvPr>
-        </p:nvPicPr>
-        <p:blipFill>
-          <a:blip r:embed="rId2"/>
-          <a:stretch>
-            <a:fillRect/>
-          </a:stretch>
-        </p:blipFill>
-        <p:spPr>
-          <a:xfrm>
-            <a:off x="5015758" y="338110"/>
-            <a:ext cx="6617993" cy="6181780"/>
-          </a:xfrm>
-        </p:spPr>
-      </p:pic>
-      <p:sp>
-        <p:nvSpPr>
-          <p:cNvPr id="4" name="Text Placeholder 3">
-            <a:extLst>
-              <a:ext uri="{FF2B5EF4-FFF2-40B4-BE49-F238E27FC236}">
-                <a16:creationId xmlns:a16="http://schemas.microsoft.com/office/drawing/2014/main" id="{20368B21-FA46-02A0-51B4-743CF2CDD5D9}"/>
-              </a:ext>
-            </a:extLst>
-          </p:cNvPr>
-          <p:cNvSpPr>
-            <a:spLocks noGrp="1"/>
-          </p:cNvSpPr>
-          <p:nvPr>
-            <p:ph type="body" sz="half" idx="2"/>
-          </p:nvPr>
-        </p:nvSpPr>
-        <p:spPr>
-          <a:xfrm>
-            <a:off x="665853" y="1620078"/>
-            <a:ext cx="4015477" cy="4318484"/>
-          </a:xfrm>
-        </p:spPr>
-        <p:txBody>
-          <a:bodyPr>
-            <a:normAutofit/>
-          </a:bodyPr>
-          <a:lstStyle/>
-          <a:p>
-            <a:endParaRPr lang="en-US" sz="2000" dirty="0">
-              <a:latin typeface="Calibri" panose="020F0502020204030204" pitchFamily="34" charset="0"/>
-              <a:ea typeface="Calibri" panose="020F0502020204030204" pitchFamily="34" charset="0"/>
-              <a:cs typeface="Calibri" panose="020F0502020204030204" pitchFamily="34" charset="0"/>
-            </a:endParaRPr>
-          </a:p>
-          <a:p>
-            <a:pPr marL="342900" indent="-342900">
-              <a:buFont typeface="Arial" panose="020B0604020202020204" pitchFamily="34" charset="0"/>
-              <a:buChar char="•"/>
-            </a:pPr>
-            <a:r>
-              <a:rPr lang="en-US" sz="2000" dirty="0">
-                <a:latin typeface="Calibri" panose="020F0502020204030204" pitchFamily="34" charset="0"/>
-                <a:ea typeface="Calibri" panose="020F0502020204030204" pitchFamily="34" charset="0"/>
-                <a:cs typeface="Calibri" panose="020F0502020204030204" pitchFamily="34" charset="0"/>
-              </a:rPr>
-              <a:t>The number of accidents in 2022 decreased by 30% compared to 2018</a:t>
-            </a:r>
-          </a:p>
-          <a:p>
-            <a:pPr marL="342900" indent="-342900">
-              <a:buFont typeface="Arial" panose="020B0604020202020204" pitchFamily="34" charset="0"/>
-              <a:buChar char="•"/>
-            </a:pPr>
-            <a:r>
-              <a:rPr lang="en-US" sz="2000" dirty="0">
-                <a:latin typeface="Calibri" panose="020F0502020204030204" pitchFamily="34" charset="0"/>
-                <a:ea typeface="Calibri" panose="020F0502020204030204" pitchFamily="34" charset="0"/>
-                <a:cs typeface="Calibri" panose="020F0502020204030204" pitchFamily="34" charset="0"/>
-              </a:rPr>
-              <a:t>Fewer accidents occurred in 2020 and 2021 due to the pandemic and lockdown measures</a:t>
-            </a:r>
-          </a:p>
-          <a:p>
-            <a:pPr marL="342900" indent="-342900">
-              <a:buFont typeface="Arial" panose="020B0604020202020204" pitchFamily="34" charset="0"/>
-              <a:buChar char="•"/>
-            </a:pPr>
-            <a:r>
-              <a:rPr lang="en-US" sz="2000" dirty="0">
-                <a:latin typeface="Calibri" panose="020F0502020204030204" pitchFamily="34" charset="0"/>
-                <a:ea typeface="Calibri" panose="020F0502020204030204" pitchFamily="34" charset="0"/>
-                <a:cs typeface="Calibri" panose="020F0502020204030204" pitchFamily="34" charset="0"/>
-              </a:rPr>
-              <a:t>No of incidents in 2022 is lowered compared to 2018,2019</a:t>
-            </a:r>
-          </a:p>
-          <a:p>
-            <a:endParaRPr lang="en-US" sz="2000" dirty="0">
-              <a:latin typeface="Calibri" panose="020F0502020204030204" pitchFamily="34" charset="0"/>
-              <a:ea typeface="Calibri" panose="020F0502020204030204" pitchFamily="34" charset="0"/>
-              <a:cs typeface="Calibri" panose="020F0502020204030204" pitchFamily="34" charset="0"/>
-            </a:endParaRPr>
-          </a:p>
-        </p:txBody>
-      </p:sp>
-    </p:spTree>
-    <p:extLst>
-      <p:ext uri="{BB962C8B-B14F-4D97-AF65-F5344CB8AC3E}">
-        <p14:creationId xmlns:p14="http://schemas.microsoft.com/office/powerpoint/2010/main" val="3814173859"/>
-      </p:ext>
-    </p:extLst>
-  </p:cSld>
-  <p:clrMapOvr>
-    <a:masterClrMapping/>
-  </p:clrMapOvr>
-</p:sld>
-</file>
-
-<file path=ppt/slides/slide2.xml><?xml version="1.0" encoding="utf-8"?>
-<p:sld xmlns:a="http://schemas.openxmlformats.org/drawingml/2006/main" xmlns:r="http://schemas.openxmlformats.org/officeDocument/2006/relationships" xmlns:p="http://schemas.openxmlformats.org/presentationml/2006/main">
-  <p:cSld>
-    <p:spTree>
-      <p:nvGrpSpPr>
-        <p:cNvPr id="1" name=""/>
-        <p:cNvGrpSpPr/>
-        <p:nvPr/>
-      </p:nvGrpSpPr>
-      <p:grpSpPr>
-        <a:xfrm>
-          <a:off x="0" y="0"/>
-          <a:ext cx="0" cy="0"/>
-          <a:chOff x="0" y="0"/>
-          <a:chExt cx="0" cy="0"/>
-        </a:xfrm>
-      </p:grpSpPr>
-      <p:sp>
-        <p:nvSpPr>
-          <p:cNvPr id="2" name="Title 1">
-            <a:extLst>
-              <a:ext uri="{FF2B5EF4-FFF2-40B4-BE49-F238E27FC236}">
-                <a16:creationId xmlns:a16="http://schemas.microsoft.com/office/drawing/2014/main" id="{C51EFAE7-362C-2DBC-A7B8-14E59F4A15B2}"/>
-              </a:ext>
-            </a:extLst>
-          </p:cNvPr>
-          <p:cNvSpPr>
-            <a:spLocks noGrp="1"/>
-          </p:cNvSpPr>
-          <p:nvPr>
-            <p:ph type="title"/>
-          </p:nvPr>
-        </p:nvSpPr>
-        <p:spPr>
-          <a:xfrm>
-            <a:off x="839788" y="457201"/>
-            <a:ext cx="4015477" cy="551622"/>
-          </a:xfrm>
-        </p:spPr>
-        <p:txBody>
-          <a:bodyPr>
-            <a:normAutofit/>
-          </a:bodyPr>
-          <a:lstStyle/>
-          <a:p>
-            <a:r>
               <a:rPr lang="en-US" sz="2400" dirty="0"/>
               <a:t>Trends across </a:t>
             </a:r>
@@ -3735,7 +3552,7 @@
 </p:sld>
 </file>
 
-<file path=ppt/slides/slide3.xml><?xml version="1.0" encoding="utf-8"?>
+<file path=ppt/slides/slide2.xml><?xml version="1.0" encoding="utf-8"?>
 <p:sld xmlns:a="http://schemas.openxmlformats.org/drawingml/2006/main" xmlns:r="http://schemas.openxmlformats.org/officeDocument/2006/relationships" xmlns:p="http://schemas.openxmlformats.org/presentationml/2006/main">
   <p:cSld>
     <p:spTree>
@@ -3898,6 +3715,189 @@
     <p:extLst>
       <p:ext uri="{BB962C8B-B14F-4D97-AF65-F5344CB8AC3E}">
         <p14:creationId xmlns:p14="http://schemas.microsoft.com/office/powerpoint/2010/main" val="1768768818"/>
+      </p:ext>
+    </p:extLst>
+  </p:cSld>
+  <p:clrMapOvr>
+    <a:masterClrMapping/>
+  </p:clrMapOvr>
+</p:sld>
+</file>
+
+<file path=ppt/slides/slide3.xml><?xml version="1.0" encoding="utf-8"?>
+<p:sld xmlns:a="http://schemas.openxmlformats.org/drawingml/2006/main" xmlns:r="http://schemas.openxmlformats.org/officeDocument/2006/relationships" xmlns:p="http://schemas.openxmlformats.org/presentationml/2006/main">
+  <p:cSld>
+    <p:spTree>
+      <p:nvGrpSpPr>
+        <p:cNvPr id="1" name=""/>
+        <p:cNvGrpSpPr/>
+        <p:nvPr/>
+      </p:nvGrpSpPr>
+      <p:grpSpPr>
+        <a:xfrm>
+          <a:off x="0" y="0"/>
+          <a:ext cx="0" cy="0"/>
+          <a:chOff x="0" y="0"/>
+          <a:chExt cx="0" cy="0"/>
+        </a:xfrm>
+      </p:grpSpPr>
+      <p:sp>
+        <p:nvSpPr>
+          <p:cNvPr id="2" name="Title 1">
+            <a:extLst>
+              <a:ext uri="{FF2B5EF4-FFF2-40B4-BE49-F238E27FC236}">
+                <a16:creationId xmlns:a16="http://schemas.microsoft.com/office/drawing/2014/main" id="{C51EFAE7-362C-2DBC-A7B8-14E59F4A15B2}"/>
+              </a:ext>
+            </a:extLst>
+          </p:cNvPr>
+          <p:cNvSpPr>
+            <a:spLocks noGrp="1"/>
+          </p:cNvSpPr>
+          <p:nvPr>
+            <p:ph type="title"/>
+          </p:nvPr>
+        </p:nvSpPr>
+        <p:spPr>
+          <a:xfrm>
+            <a:off x="839788" y="457201"/>
+            <a:ext cx="4015477" cy="551622"/>
+          </a:xfrm>
+        </p:spPr>
+        <p:txBody>
+          <a:bodyPr>
+            <a:normAutofit/>
+          </a:bodyPr>
+          <a:lstStyle/>
+          <a:p>
+            <a:r>
+              <a:rPr lang="en-US" sz="2400" dirty="0">
+                <a:latin typeface="Calibri" panose="020F0502020204030204" pitchFamily="34" charset="0"/>
+                <a:ea typeface="Calibri" panose="020F0502020204030204" pitchFamily="34" charset="0"/>
+                <a:cs typeface="Calibri" panose="020F0502020204030204" pitchFamily="34" charset="0"/>
+              </a:rPr>
+              <a:t>Total incidents over 5 years</a:t>
+            </a:r>
+          </a:p>
+        </p:txBody>
+      </p:sp>
+      <p:pic>
+        <p:nvPicPr>
+          <p:cNvPr id="6" name="Content Placeholder 5">
+            <a:extLst>
+              <a:ext uri="{FF2B5EF4-FFF2-40B4-BE49-F238E27FC236}">
+                <a16:creationId xmlns:a16="http://schemas.microsoft.com/office/drawing/2014/main" id="{23DBBFCC-5552-92D9-7AEF-3A5AF6132A38}"/>
+              </a:ext>
+            </a:extLst>
+          </p:cNvPr>
+          <p:cNvPicPr>
+            <a:picLocks noGrp="1" noChangeAspect="1"/>
+          </p:cNvPicPr>
+          <p:nvPr>
+            <p:ph idx="1"/>
+          </p:nvPr>
+        </p:nvPicPr>
+        <p:blipFill>
+          <a:blip r:embed="rId2"/>
+          <a:stretch>
+            <a:fillRect/>
+          </a:stretch>
+        </p:blipFill>
+        <p:spPr>
+          <a:xfrm>
+            <a:off x="5015758" y="338110"/>
+            <a:ext cx="6617993" cy="6181780"/>
+          </a:xfrm>
+        </p:spPr>
+      </p:pic>
+      <p:sp>
+        <p:nvSpPr>
+          <p:cNvPr id="4" name="Text Placeholder 3">
+            <a:extLst>
+              <a:ext uri="{FF2B5EF4-FFF2-40B4-BE49-F238E27FC236}">
+                <a16:creationId xmlns:a16="http://schemas.microsoft.com/office/drawing/2014/main" id="{20368B21-FA46-02A0-51B4-743CF2CDD5D9}"/>
+              </a:ext>
+            </a:extLst>
+          </p:cNvPr>
+          <p:cNvSpPr>
+            <a:spLocks noGrp="1"/>
+          </p:cNvSpPr>
+          <p:nvPr>
+            <p:ph type="body" sz="half" idx="2"/>
+          </p:nvPr>
+        </p:nvSpPr>
+        <p:spPr>
+          <a:xfrm>
+            <a:off x="665853" y="1620078"/>
+            <a:ext cx="4015477" cy="4318484"/>
+          </a:xfrm>
+        </p:spPr>
+        <p:txBody>
+          <a:bodyPr>
+            <a:normAutofit/>
+          </a:bodyPr>
+          <a:lstStyle/>
+          <a:p>
+            <a:endParaRPr lang="en-US" sz="2000" dirty="0">
+              <a:latin typeface="Calibri" panose="020F0502020204030204" pitchFamily="34" charset="0"/>
+              <a:ea typeface="Calibri" panose="020F0502020204030204" pitchFamily="34" charset="0"/>
+              <a:cs typeface="Calibri" panose="020F0502020204030204" pitchFamily="34" charset="0"/>
+            </a:endParaRPr>
+          </a:p>
+          <a:p>
+            <a:pPr marL="342900" indent="-342900">
+              <a:buFont typeface="Arial" panose="020B0604020202020204" pitchFamily="34" charset="0"/>
+              <a:buChar char="•"/>
+            </a:pPr>
+            <a:r>
+              <a:rPr lang="en-US" sz="2000" dirty="0">
+                <a:latin typeface="Calibri" panose="020F0502020204030204" pitchFamily="34" charset="0"/>
+                <a:ea typeface="Calibri" panose="020F0502020204030204" pitchFamily="34" charset="0"/>
+                <a:cs typeface="Calibri" panose="020F0502020204030204" pitchFamily="34" charset="0"/>
+              </a:rPr>
+              <a:t>The number of accidents in 2022 decreased by 30% compared to 2018</a:t>
+            </a:r>
+          </a:p>
+          <a:p>
+            <a:pPr marL="342900" indent="-342900">
+              <a:buFont typeface="Arial" panose="020B0604020202020204" pitchFamily="34" charset="0"/>
+              <a:buChar char="•"/>
+            </a:pPr>
+            <a:r>
+              <a:rPr lang="en-US" sz="2000" dirty="0">
+                <a:latin typeface="Calibri" panose="020F0502020204030204" pitchFamily="34" charset="0"/>
+                <a:ea typeface="Calibri" panose="020F0502020204030204" pitchFamily="34" charset="0"/>
+                <a:cs typeface="Calibri" panose="020F0502020204030204" pitchFamily="34" charset="0"/>
+              </a:rPr>
+              <a:t>Fewer accidents occurred in 2020 and 2021 due to the pandemic and lockdown measures</a:t>
+            </a:r>
+          </a:p>
+          <a:p>
+            <a:pPr marL="342900" indent="-342900">
+              <a:buFont typeface="Arial" panose="020B0604020202020204" pitchFamily="34" charset="0"/>
+              <a:buChar char="•"/>
+            </a:pPr>
+            <a:r>
+              <a:rPr lang="en-US" sz="2000" dirty="0">
+                <a:latin typeface="Calibri" panose="020F0502020204030204" pitchFamily="34" charset="0"/>
+                <a:ea typeface="Calibri" panose="020F0502020204030204" pitchFamily="34" charset="0"/>
+                <a:cs typeface="Calibri" panose="020F0502020204030204" pitchFamily="34" charset="0"/>
+              </a:rPr>
+              <a:t>No of incidents in 2022 is lowered compared to 2018,2019</a:t>
+            </a:r>
+          </a:p>
+          <a:p>
+            <a:endParaRPr lang="en-US" sz="2000" dirty="0">
+              <a:latin typeface="Calibri" panose="020F0502020204030204" pitchFamily="34" charset="0"/>
+              <a:ea typeface="Calibri" panose="020F0502020204030204" pitchFamily="34" charset="0"/>
+              <a:cs typeface="Calibri" panose="020F0502020204030204" pitchFamily="34" charset="0"/>
+            </a:endParaRPr>
+          </a:p>
+        </p:txBody>
+      </p:sp>
+    </p:spTree>
+    <p:extLst>
+      <p:ext uri="{BB962C8B-B14F-4D97-AF65-F5344CB8AC3E}">
+        <p14:creationId xmlns:p14="http://schemas.microsoft.com/office/powerpoint/2010/main" val="3814173859"/>
       </p:ext>
     </p:extLst>
   </p:cSld>
